--- a/season-of-ai/mcp/deck/dotnet-mcp.pptx
+++ b/season-of-ai/mcp/deck/dotnet-mcp.pptx
@@ -6,23 +6,25 @@
     <p:sldMasterId id="2147483660" r:id="rId2"/>
   </p:sldMasterIdLst>
   <p:notesMasterIdLst>
-    <p:notesMasterId r:id="rId17"/>
+    <p:notesMasterId r:id="rId19"/>
   </p:notesMasterIdLst>
   <p:sldIdLst>
     <p:sldId id="256" r:id="rId3"/>
-    <p:sldId id="342" r:id="rId4"/>
-    <p:sldId id="257" r:id="rId5"/>
-    <p:sldId id="259" r:id="rId6"/>
-    <p:sldId id="349" r:id="rId7"/>
-    <p:sldId id="260" r:id="rId8"/>
-    <p:sldId id="261" r:id="rId9"/>
-    <p:sldId id="262" r:id="rId10"/>
-    <p:sldId id="263" r:id="rId11"/>
-    <p:sldId id="264" r:id="rId12"/>
-    <p:sldId id="265" r:id="rId13"/>
-    <p:sldId id="266" r:id="rId14"/>
-    <p:sldId id="267" r:id="rId15"/>
-    <p:sldId id="348" r:id="rId16"/>
+    <p:sldId id="355" r:id="rId4"/>
+    <p:sldId id="342" r:id="rId5"/>
+    <p:sldId id="257" r:id="rId6"/>
+    <p:sldId id="259" r:id="rId7"/>
+    <p:sldId id="349" r:id="rId8"/>
+    <p:sldId id="260" r:id="rId9"/>
+    <p:sldId id="261" r:id="rId10"/>
+    <p:sldId id="351" r:id="rId11"/>
+    <p:sldId id="350" r:id="rId12"/>
+    <p:sldId id="354" r:id="rId13"/>
+    <p:sldId id="265" r:id="rId14"/>
+    <p:sldId id="352" r:id="rId15"/>
+    <p:sldId id="267" r:id="rId16"/>
+    <p:sldId id="356" r:id="rId17"/>
+    <p:sldId id="348" r:id="rId18"/>
   </p:sldIdLst>
   <p:sldSz cx="12192000" cy="6858000"/>
   <p:notesSz cx="6858000" cy="9144000"/>
@@ -133,8 +135,8 @@
 <pc:chgInfo xmlns:a="http://schemas.openxmlformats.org/drawingml/2006/main" xmlns:r="http://schemas.openxmlformats.org/officeDocument/2006/relationships" xmlns:ac="http://schemas.microsoft.com/office/drawing/2013/main/command" xmlns:pc="http://schemas.microsoft.com/office/powerpoint/2013/main/command">
   <pc:docChgLst>
     <pc:chgData name="Niels Berglund" userId="6462ffc3c746bb1c" providerId="LiveId" clId="{572CFA61-6849-42BD-B1DA-93EA9D7DCECD}"/>
-    <pc:docChg chg="undo redo custSel addSld delSld modSld">
-      <pc:chgData name="Niels Berglund" userId="6462ffc3c746bb1c" providerId="LiveId" clId="{572CFA61-6849-42BD-B1DA-93EA9D7DCECD}" dt="2025-12-08T05:30:16.718" v="1620" actId="167"/>
+    <pc:docChg chg="undo redo custSel addSld delSld modSld sldOrd">
+      <pc:chgData name="Niels Berglund" userId="6462ffc3c746bb1c" providerId="LiveId" clId="{572CFA61-6849-42BD-B1DA-93EA9D7DCECD}" dt="2025-12-12T10:13:30.357" v="2931" actId="962"/>
       <pc:docMkLst>
         <pc:docMk/>
       </pc:docMkLst>
@@ -162,7 +164,22 @@
         </pc:spChg>
       </pc:sldChg>
       <pc:sldChg chg="addSp delSp modSp mod">
-        <pc:chgData name="Niels Berglund" userId="6462ffc3c746bb1c" providerId="LiveId" clId="{572CFA61-6849-42BD-B1DA-93EA9D7DCECD}" dt="2025-12-07T16:27:26.023" v="1388" actId="113"/>
+        <pc:chgData name="Niels Berglund" userId="6462ffc3c746bb1c" providerId="LiveId" clId="{572CFA61-6849-42BD-B1DA-93EA9D7DCECD}" dt="2025-12-12T06:20:02.120" v="1661" actId="478"/>
+        <pc:sldMkLst>
+          <pc:docMk/>
+          <pc:sldMk cId="781112186" sldId="257"/>
+        </pc:sldMkLst>
+        <pc:spChg chg="add del mod">
+          <ac:chgData name="Niels Berglund" userId="6462ffc3c746bb1c" providerId="LiveId" clId="{572CFA61-6849-42BD-B1DA-93EA9D7DCECD}" dt="2025-12-12T06:20:02.120" v="1661" actId="478"/>
+          <ac:spMkLst>
+            <pc:docMk/>
+            <pc:sldMk cId="781112186" sldId="257"/>
+            <ac:spMk id="2" creationId="{FD0FA952-DC6D-B9BE-8048-1CA31DBAC714}"/>
+          </ac:spMkLst>
+        </pc:spChg>
+      </pc:sldChg>
+      <pc:sldChg chg="addSp delSp modSp mod">
+        <pc:chgData name="Niels Berglund" userId="6462ffc3c746bb1c" providerId="LiveId" clId="{572CFA61-6849-42BD-B1DA-93EA9D7DCECD}" dt="2025-12-12T09:39:04.711" v="2697" actId="113"/>
         <pc:sldMkLst>
           <pc:docMk/>
           <pc:sldMk cId="3354249248" sldId="259"/>
@@ -175,37 +192,44 @@
             <ac:spMk id="2" creationId="{A03DCA35-D6B1-AD62-F311-BAD0A8061453}"/>
           </ac:spMkLst>
         </pc:spChg>
-        <pc:spChg chg="add del mod">
-          <ac:chgData name="Niels Berglund" userId="6462ffc3c746bb1c" providerId="LiveId" clId="{572CFA61-6849-42BD-B1DA-93EA9D7DCECD}" dt="2025-12-07T16:25:17.588" v="1377" actId="478"/>
-          <ac:spMkLst>
-            <pc:docMk/>
-            <pc:sldMk cId="3354249248" sldId="259"/>
-            <ac:spMk id="4" creationId="{2CFF510F-1AF0-FF39-1425-724A988E8D68}"/>
-          </ac:spMkLst>
-        </pc:spChg>
         <pc:spChg chg="mod">
-          <ac:chgData name="Niels Berglund" userId="6462ffc3c746bb1c" providerId="LiveId" clId="{572CFA61-6849-42BD-B1DA-93EA9D7DCECD}" dt="2025-12-07T16:27:26.023" v="1388" actId="113"/>
+          <ac:chgData name="Niels Berglund" userId="6462ffc3c746bb1c" providerId="LiveId" clId="{572CFA61-6849-42BD-B1DA-93EA9D7DCECD}" dt="2025-12-12T09:39:04.711" v="2697" actId="113"/>
           <ac:spMkLst>
             <pc:docMk/>
             <pc:sldMk cId="3354249248" sldId="259"/>
             <ac:spMk id="6" creationId="{D4BBF002-8800-67DF-6A4C-984FC462CB66}"/>
           </ac:spMkLst>
         </pc:spChg>
-        <pc:spChg chg="del">
-          <ac:chgData name="Niels Berglund" userId="6462ffc3c746bb1c" providerId="LiveId" clId="{572CFA61-6849-42BD-B1DA-93EA9D7DCECD}" dt="2025-12-07T16:25:14.091" v="1376" actId="478"/>
+      </pc:sldChg>
+      <pc:sldChg chg="modSp mod">
+        <pc:chgData name="Niels Berglund" userId="6462ffc3c746bb1c" providerId="LiveId" clId="{572CFA61-6849-42BD-B1DA-93EA9D7DCECD}" dt="2025-12-12T09:37:29.575" v="2695" actId="1076"/>
+        <pc:sldMkLst>
+          <pc:docMk/>
+          <pc:sldMk cId="465395078" sldId="260"/>
+        </pc:sldMkLst>
+        <pc:spChg chg="mod">
+          <ac:chgData name="Niels Berglund" userId="6462ffc3c746bb1c" providerId="LiveId" clId="{572CFA61-6849-42BD-B1DA-93EA9D7DCECD}" dt="2025-12-12T09:37:29.575" v="2695" actId="1076"/>
           <ac:spMkLst>
             <pc:docMk/>
-            <pc:sldMk cId="3354249248" sldId="259"/>
-            <ac:spMk id="7" creationId="{58D489AF-8CD3-713A-1A92-1F20B20C1F44}"/>
+            <pc:sldMk cId="465395078" sldId="260"/>
+            <ac:spMk id="4" creationId="{009CA564-304C-2CD2-83DD-50B43C97098E}"/>
           </ac:spMkLst>
         </pc:spChg>
       </pc:sldChg>
-      <pc:sldChg chg="addSp modSp mod modAnim">
-        <pc:chgData name="Niels Berglund" userId="6462ffc3c746bb1c" providerId="LiveId" clId="{572CFA61-6849-42BD-B1DA-93EA9D7DCECD}" dt="2025-12-08T05:30:16.718" v="1620" actId="167"/>
+      <pc:sldChg chg="addSp modSp mod modAnim modShow">
+        <pc:chgData name="Niels Berglund" userId="6462ffc3c746bb1c" providerId="LiveId" clId="{572CFA61-6849-42BD-B1DA-93EA9D7DCECD}" dt="2025-12-12T08:30:09.475" v="2094" actId="729"/>
         <pc:sldMkLst>
           <pc:docMk/>
           <pc:sldMk cId="465671313" sldId="261"/>
         </pc:sldMkLst>
+        <pc:spChg chg="mod">
+          <ac:chgData name="Niels Berglund" userId="6462ffc3c746bb1c" providerId="LiveId" clId="{572CFA61-6849-42BD-B1DA-93EA9D7DCECD}" dt="2025-12-12T08:29:21.119" v="2089" actId="20577"/>
+          <ac:spMkLst>
+            <pc:docMk/>
+            <pc:sldMk cId="465671313" sldId="261"/>
+            <ac:spMk id="2" creationId="{195AE836-9AC2-48E7-A742-F2B5DC96B48E}"/>
+          </ac:spMkLst>
+        </pc:spChg>
         <pc:picChg chg="add mod ord">
           <ac:chgData name="Niels Berglund" userId="6462ffc3c746bb1c" providerId="LiveId" clId="{572CFA61-6849-42BD-B1DA-93EA9D7DCECD}" dt="2025-12-08T05:30:16.718" v="1620" actId="167"/>
           <ac:picMkLst>
@@ -215,29 +239,73 @@
           </ac:picMkLst>
         </pc:picChg>
       </pc:sldChg>
-      <pc:sldChg chg="modSp add mod">
-        <pc:chgData name="Niels Berglund" userId="6462ffc3c746bb1c" providerId="LiveId" clId="{572CFA61-6849-42BD-B1DA-93EA9D7DCECD}" dt="2025-11-20T10:33:18.017" v="1247" actId="20577"/>
+      <pc:sldChg chg="del">
+        <pc:chgData name="Niels Berglund" userId="6462ffc3c746bb1c" providerId="LiveId" clId="{572CFA61-6849-42BD-B1DA-93EA9D7DCECD}" dt="2025-12-12T08:31:48.366" v="2096" actId="47"/>
+        <pc:sldMkLst>
+          <pc:docMk/>
+          <pc:sldMk cId="2839801116" sldId="262"/>
+        </pc:sldMkLst>
+      </pc:sldChg>
+      <pc:sldChg chg="del">
+        <pc:chgData name="Niels Berglund" userId="6462ffc3c746bb1c" providerId="LiveId" clId="{572CFA61-6849-42BD-B1DA-93EA9D7DCECD}" dt="2025-12-12T08:31:50.174" v="2097" actId="47"/>
+        <pc:sldMkLst>
+          <pc:docMk/>
+          <pc:sldMk cId="156162954" sldId="263"/>
+        </pc:sldMkLst>
+      </pc:sldChg>
+      <pc:sldChg chg="del">
+        <pc:chgData name="Niels Berglund" userId="6462ffc3c746bb1c" providerId="LiveId" clId="{572CFA61-6849-42BD-B1DA-93EA9D7DCECD}" dt="2025-12-12T08:31:51.943" v="2098" actId="47"/>
+        <pc:sldMkLst>
+          <pc:docMk/>
+          <pc:sldMk cId="2328144897" sldId="264"/>
+        </pc:sldMkLst>
+      </pc:sldChg>
+      <pc:sldChg chg="modSp mod modNotesTx">
+        <pc:chgData name="Niels Berglund" userId="6462ffc3c746bb1c" providerId="LiveId" clId="{572CFA61-6849-42BD-B1DA-93EA9D7DCECD}" dt="2025-12-12T08:55:51.063" v="2589" actId="20577"/>
+        <pc:sldMkLst>
+          <pc:docMk/>
+          <pc:sldMk cId="1280766974" sldId="265"/>
+        </pc:sldMkLst>
+        <pc:spChg chg="mod">
+          <ac:chgData name="Niels Berglund" userId="6462ffc3c746bb1c" providerId="LiveId" clId="{572CFA61-6849-42BD-B1DA-93EA9D7DCECD}" dt="2025-12-12T08:53:14.293" v="2402" actId="20577"/>
+          <ac:spMkLst>
+            <pc:docMk/>
+            <pc:sldMk cId="1280766974" sldId="265"/>
+            <ac:spMk id="7" creationId="{9B3C7BF3-1368-7A69-7C0A-26B3B82B956B}"/>
+          </ac:spMkLst>
+        </pc:spChg>
+        <pc:spChg chg="mod">
+          <ac:chgData name="Niels Berglund" userId="6462ffc3c746bb1c" providerId="LiveId" clId="{572CFA61-6849-42BD-B1DA-93EA9D7DCECD}" dt="2025-12-12T08:55:06.069" v="2556" actId="5793"/>
+          <ac:spMkLst>
+            <pc:docMk/>
+            <pc:sldMk cId="1280766974" sldId="265"/>
+            <ac:spMk id="8" creationId="{3A9E5E13-5CC3-B50A-A29F-C1991B343B11}"/>
+          </ac:spMkLst>
+        </pc:spChg>
+      </pc:sldChg>
+      <pc:sldChg chg="modSp add del mod">
+        <pc:chgData name="Niels Berglund" userId="6462ffc3c746bb1c" providerId="LiveId" clId="{572CFA61-6849-42BD-B1DA-93EA9D7DCECD}" dt="2025-12-12T08:32:30.131" v="2099" actId="47"/>
         <pc:sldMkLst>
           <pc:docMk/>
           <pc:sldMk cId="1006093960" sldId="266"/>
         </pc:sldMkLst>
-        <pc:spChg chg="mod">
-          <ac:chgData name="Niels Berglund" userId="6462ffc3c746bb1c" providerId="LiveId" clId="{572CFA61-6849-42BD-B1DA-93EA9D7DCECD}" dt="2025-11-20T10:33:18.017" v="1247" actId="20577"/>
-          <ac:spMkLst>
-            <pc:docMk/>
-            <pc:sldMk cId="1006093960" sldId="266"/>
-            <ac:spMk id="8" creationId="{5913A615-D061-3423-AD6B-E1B21F3E6802}"/>
-          </ac:spMkLst>
-        </pc:spChg>
       </pc:sldChg>
-      <pc:sldChg chg="modSp add mod">
-        <pc:chgData name="Niels Berglund" userId="6462ffc3c746bb1c" providerId="LiveId" clId="{572CFA61-6849-42BD-B1DA-93EA9D7DCECD}" dt="2025-11-20T10:33:49.792" v="1251" actId="20577"/>
+      <pc:sldChg chg="addSp modSp add mod modAnim">
+        <pc:chgData name="Niels Berglund" userId="6462ffc3c746bb1c" providerId="LiveId" clId="{572CFA61-6849-42BD-B1DA-93EA9D7DCECD}" dt="2025-12-12T08:38:14.769" v="2377"/>
         <pc:sldMkLst>
           <pc:docMk/>
           <pc:sldMk cId="441496072" sldId="267"/>
         </pc:sldMkLst>
+        <pc:spChg chg="add mod">
+          <ac:chgData name="Niels Berglund" userId="6462ffc3c746bb1c" providerId="LiveId" clId="{572CFA61-6849-42BD-B1DA-93EA9D7DCECD}" dt="2025-12-12T08:38:07.445" v="2376" actId="1076"/>
+          <ac:spMkLst>
+            <pc:docMk/>
+            <pc:sldMk cId="441496072" sldId="267"/>
+            <ac:spMk id="2" creationId="{67C0E2B5-E493-9633-229F-2CA9C6780685}"/>
+          </ac:spMkLst>
+        </pc:spChg>
         <pc:spChg chg="mod">
-          <ac:chgData name="Niels Berglund" userId="6462ffc3c746bb1c" providerId="LiveId" clId="{572CFA61-6849-42BD-B1DA-93EA9D7DCECD}" dt="2025-11-20T10:33:49.792" v="1251" actId="20577"/>
+          <ac:chgData name="Niels Berglund" userId="6462ffc3c746bb1c" providerId="LiveId" clId="{572CFA61-6849-42BD-B1DA-93EA9D7DCECD}" dt="2025-12-12T08:36:41.080" v="2341" actId="20577"/>
           <ac:spMkLst>
             <pc:docMk/>
             <pc:sldMk cId="441496072" sldId="267"/>
@@ -268,8 +336,8 @@
           </ac:picMkLst>
         </pc:picChg>
       </pc:sldChg>
-      <pc:sldChg chg="addSp modSp add mod modAnim">
-        <pc:chgData name="Niels Berglund" userId="6462ffc3c746bb1c" providerId="LiveId" clId="{572CFA61-6849-42BD-B1DA-93EA9D7DCECD}" dt="2025-12-07T17:43:35.379" v="1616"/>
+      <pc:sldChg chg="addSp modSp add mod modAnim modNotesTx">
+        <pc:chgData name="Niels Berglund" userId="6462ffc3c746bb1c" providerId="LiveId" clId="{572CFA61-6849-42BD-B1DA-93EA9D7DCECD}" dt="2025-12-12T08:56:50.960" v="2657" actId="20577"/>
         <pc:sldMkLst>
           <pc:docMk/>
           <pc:sldMk cId="1564535408" sldId="349"/>
@@ -363,19 +431,742 @@
           </ac:cxnSpMkLst>
         </pc:cxnChg>
       </pc:sldChg>
-      <pc:sldChg chg="addSp delSp modSp new del mod modShow">
-        <pc:chgData name="Niels Berglund" userId="6462ffc3c746bb1c" providerId="LiveId" clId="{572CFA61-6849-42BD-B1DA-93EA9D7DCECD}" dt="2025-12-07T16:07:47.537" v="1266" actId="47"/>
+      <pc:sldChg chg="addSp delSp modSp new mod modClrScheme modShow chgLayout">
+        <pc:chgData name="Niels Berglund" userId="6462ffc3c746bb1c" providerId="LiveId" clId="{572CFA61-6849-42BD-B1DA-93EA9D7DCECD}" dt="2025-12-12T08:30:44.332" v="2095" actId="729"/>
         <pc:sldMkLst>
           <pc:docMk/>
-          <pc:sldMk cId="2813410835" sldId="349"/>
+          <pc:sldMk cId="1954068189" sldId="350"/>
+        </pc:sldMkLst>
+        <pc:spChg chg="del mod ord">
+          <ac:chgData name="Niels Berglund" userId="6462ffc3c746bb1c" providerId="LiveId" clId="{572CFA61-6849-42BD-B1DA-93EA9D7DCECD}" dt="2025-12-12T06:37:30.813" v="1663" actId="700"/>
+          <ac:spMkLst>
+            <pc:docMk/>
+            <pc:sldMk cId="1954068189" sldId="350"/>
+            <ac:spMk id="2" creationId="{12C75781-CCAB-AEEF-3C2B-D149F7663EB6}"/>
+          </ac:spMkLst>
+        </pc:spChg>
+        <pc:spChg chg="del">
+          <ac:chgData name="Niels Berglund" userId="6462ffc3c746bb1c" providerId="LiveId" clId="{572CFA61-6849-42BD-B1DA-93EA9D7DCECD}" dt="2025-12-12T06:37:30.813" v="1663" actId="700"/>
+          <ac:spMkLst>
+            <pc:docMk/>
+            <pc:sldMk cId="1954068189" sldId="350"/>
+            <ac:spMk id="3" creationId="{7DF7FEBF-B503-73FE-51AC-DB091F6A9F05}"/>
+          </ac:spMkLst>
+        </pc:spChg>
+        <pc:spChg chg="del">
+          <ac:chgData name="Niels Berglund" userId="6462ffc3c746bb1c" providerId="LiveId" clId="{572CFA61-6849-42BD-B1DA-93EA9D7DCECD}" dt="2025-12-12T06:37:30.813" v="1663" actId="700"/>
+          <ac:spMkLst>
+            <pc:docMk/>
+            <pc:sldMk cId="1954068189" sldId="350"/>
+            <ac:spMk id="4" creationId="{16993199-6866-8137-D418-ADAF33A1C6AF}"/>
+          </ac:spMkLst>
+        </pc:spChg>
+        <pc:spChg chg="del">
+          <ac:chgData name="Niels Berglund" userId="6462ffc3c746bb1c" providerId="LiveId" clId="{572CFA61-6849-42BD-B1DA-93EA9D7DCECD}" dt="2025-12-12T06:37:30.813" v="1663" actId="700"/>
+          <ac:spMkLst>
+            <pc:docMk/>
+            <pc:sldMk cId="1954068189" sldId="350"/>
+            <ac:spMk id="5" creationId="{88C77F2D-7DAB-7D50-17C5-2BCB591CBBA3}"/>
+          </ac:spMkLst>
+        </pc:spChg>
+        <pc:spChg chg="del">
+          <ac:chgData name="Niels Berglund" userId="6462ffc3c746bb1c" providerId="LiveId" clId="{572CFA61-6849-42BD-B1DA-93EA9D7DCECD}" dt="2025-12-12T06:37:30.813" v="1663" actId="700"/>
+          <ac:spMkLst>
+            <pc:docMk/>
+            <pc:sldMk cId="1954068189" sldId="350"/>
+            <ac:spMk id="6" creationId="{6958405D-47C6-1EF9-D48B-DBBADE416B11}"/>
+          </ac:spMkLst>
+        </pc:spChg>
+        <pc:spChg chg="add mod ord">
+          <ac:chgData name="Niels Berglund" userId="6462ffc3c746bb1c" providerId="LiveId" clId="{572CFA61-6849-42BD-B1DA-93EA9D7DCECD}" dt="2025-12-12T06:37:30.813" v="1663" actId="700"/>
+          <ac:spMkLst>
+            <pc:docMk/>
+            <pc:sldMk cId="1954068189" sldId="350"/>
+            <ac:spMk id="7" creationId="{4306E063-265B-3AFD-CB9A-BE86B0F1042D}"/>
+          </ac:spMkLst>
+        </pc:spChg>
+        <pc:picChg chg="add mod">
+          <ac:chgData name="Niels Berglund" userId="6462ffc3c746bb1c" providerId="LiveId" clId="{572CFA61-6849-42BD-B1DA-93EA9D7DCECD}" dt="2025-12-12T08:13:41.822" v="2009" actId="1076"/>
+          <ac:picMkLst>
+            <pc:docMk/>
+            <pc:sldMk cId="1954068189" sldId="350"/>
+            <ac:picMk id="9" creationId="{1C5077C3-D9C2-DF5A-808F-88E4E0309E65}"/>
+          </ac:picMkLst>
+        </pc:picChg>
+      </pc:sldChg>
+      <pc:sldChg chg="addSp delSp modSp new mod modClrScheme modAnim chgLayout">
+        <pc:chgData name="Niels Berglund" userId="6462ffc3c746bb1c" providerId="LiveId" clId="{572CFA61-6849-42BD-B1DA-93EA9D7DCECD}" dt="2025-12-12T08:51:44.471" v="2401"/>
+        <pc:sldMkLst>
+          <pc:docMk/>
+          <pc:sldMk cId="3979798783" sldId="351"/>
+        </pc:sldMkLst>
+        <pc:spChg chg="del mod ord">
+          <ac:chgData name="Niels Berglund" userId="6462ffc3c746bb1c" providerId="LiveId" clId="{572CFA61-6849-42BD-B1DA-93EA9D7DCECD}" dt="2025-12-12T06:38:34.727" v="1670" actId="700"/>
+          <ac:spMkLst>
+            <pc:docMk/>
+            <pc:sldMk cId="3979798783" sldId="351"/>
+            <ac:spMk id="2" creationId="{1D7A5606-DD2E-7500-F35F-AD60FEFD1AC1}"/>
+          </ac:spMkLst>
+        </pc:spChg>
+        <pc:spChg chg="del">
+          <ac:chgData name="Niels Berglund" userId="6462ffc3c746bb1c" providerId="LiveId" clId="{572CFA61-6849-42BD-B1DA-93EA9D7DCECD}" dt="2025-12-12T06:38:34.727" v="1670" actId="700"/>
+          <ac:spMkLst>
+            <pc:docMk/>
+            <pc:sldMk cId="3979798783" sldId="351"/>
+            <ac:spMk id="3" creationId="{F7952BC0-B1C9-7AFC-9D32-EF8E36B2D94C}"/>
+          </ac:spMkLst>
+        </pc:spChg>
+        <pc:spChg chg="del">
+          <ac:chgData name="Niels Berglund" userId="6462ffc3c746bb1c" providerId="LiveId" clId="{572CFA61-6849-42BD-B1DA-93EA9D7DCECD}" dt="2025-12-12T06:38:34.727" v="1670" actId="700"/>
+          <ac:spMkLst>
+            <pc:docMk/>
+            <pc:sldMk cId="3979798783" sldId="351"/>
+            <ac:spMk id="4" creationId="{0C5161B7-71C3-9E5B-3E61-7E940302DEB8}"/>
+          </ac:spMkLst>
+        </pc:spChg>
+        <pc:spChg chg="del">
+          <ac:chgData name="Niels Berglund" userId="6462ffc3c746bb1c" providerId="LiveId" clId="{572CFA61-6849-42BD-B1DA-93EA9D7DCECD}" dt="2025-12-12T06:38:34.727" v="1670" actId="700"/>
+          <ac:spMkLst>
+            <pc:docMk/>
+            <pc:sldMk cId="3979798783" sldId="351"/>
+            <ac:spMk id="5" creationId="{5C9CFFDF-44C2-A239-9085-E145746131DC}"/>
+          </ac:spMkLst>
+        </pc:spChg>
+        <pc:spChg chg="del">
+          <ac:chgData name="Niels Berglund" userId="6462ffc3c746bb1c" providerId="LiveId" clId="{572CFA61-6849-42BD-B1DA-93EA9D7DCECD}" dt="2025-12-12T06:38:34.727" v="1670" actId="700"/>
+          <ac:spMkLst>
+            <pc:docMk/>
+            <pc:sldMk cId="3979798783" sldId="351"/>
+            <ac:spMk id="6" creationId="{264E9646-89D2-12C5-2F48-92F9A5388149}"/>
+          </ac:spMkLst>
+        </pc:spChg>
+        <pc:spChg chg="add mod ord">
+          <ac:chgData name="Niels Berglund" userId="6462ffc3c746bb1c" providerId="LiveId" clId="{572CFA61-6849-42BD-B1DA-93EA9D7DCECD}" dt="2025-12-12T08:29:49.516" v="2092"/>
+          <ac:spMkLst>
+            <pc:docMk/>
+            <pc:sldMk cId="3979798783" sldId="351"/>
+            <ac:spMk id="7" creationId="{7A22CA21-E1B3-1015-956A-9169EB320B95}"/>
+          </ac:spMkLst>
+        </pc:spChg>
+        <pc:spChg chg="add mod">
+          <ac:chgData name="Niels Berglund" userId="6462ffc3c746bb1c" providerId="LiveId" clId="{572CFA61-6849-42BD-B1DA-93EA9D7DCECD}" dt="2025-12-12T08:30:00.582" v="2093" actId="1076"/>
+          <ac:spMkLst>
+            <pc:docMk/>
+            <pc:sldMk cId="3979798783" sldId="351"/>
+            <ac:spMk id="8" creationId="{D68C2F14-EBBE-4C10-D51C-47CFD129C58A}"/>
+          </ac:spMkLst>
+        </pc:spChg>
+        <pc:spChg chg="add mod">
+          <ac:chgData name="Niels Berglund" userId="6462ffc3c746bb1c" providerId="LiveId" clId="{572CFA61-6849-42BD-B1DA-93EA9D7DCECD}" dt="2025-12-12T08:30:00.582" v="2093" actId="1076"/>
+          <ac:spMkLst>
+            <pc:docMk/>
+            <pc:sldMk cId="3979798783" sldId="351"/>
+            <ac:spMk id="9" creationId="{F7D93BC4-AA89-CEFB-3B37-A4A1B6BEBABF}"/>
+          </ac:spMkLst>
+        </pc:spChg>
+        <pc:spChg chg="add del mod">
+          <ac:chgData name="Niels Berglund" userId="6462ffc3c746bb1c" providerId="LiveId" clId="{572CFA61-6849-42BD-B1DA-93EA9D7DCECD}" dt="2025-12-12T08:25:17.206" v="2047" actId="478"/>
+          <ac:spMkLst>
+            <pc:docMk/>
+            <pc:sldMk cId="3979798783" sldId="351"/>
+            <ac:spMk id="10" creationId="{C7028670-F9F0-A676-8869-036E8590CF3A}"/>
+          </ac:spMkLst>
+        </pc:spChg>
+        <pc:spChg chg="add mod">
+          <ac:chgData name="Niels Berglund" userId="6462ffc3c746bb1c" providerId="LiveId" clId="{572CFA61-6849-42BD-B1DA-93EA9D7DCECD}" dt="2025-12-12T08:30:00.582" v="2093" actId="1076"/>
+          <ac:spMkLst>
+            <pc:docMk/>
+            <pc:sldMk cId="3979798783" sldId="351"/>
+            <ac:spMk id="11" creationId="{36F4207A-B716-E3BC-3A1F-92AC32C0E11D}"/>
+          </ac:spMkLst>
+        </pc:spChg>
+        <pc:spChg chg="add mod">
+          <ac:chgData name="Niels Berglund" userId="6462ffc3c746bb1c" providerId="LiveId" clId="{572CFA61-6849-42BD-B1DA-93EA9D7DCECD}" dt="2025-12-12T08:30:00.582" v="2093" actId="1076"/>
+          <ac:spMkLst>
+            <pc:docMk/>
+            <pc:sldMk cId="3979798783" sldId="351"/>
+            <ac:spMk id="12" creationId="{56FF9F36-F327-BDE8-8F11-BC4D13B8C719}"/>
+          </ac:spMkLst>
+        </pc:spChg>
+        <pc:spChg chg="add mod">
+          <ac:chgData name="Niels Berglund" userId="6462ffc3c746bb1c" providerId="LiveId" clId="{572CFA61-6849-42BD-B1DA-93EA9D7DCECD}" dt="2025-12-12T06:39:29.509" v="1675" actId="6549"/>
+          <ac:spMkLst>
+            <pc:docMk/>
+            <pc:sldMk cId="3979798783" sldId="351"/>
+            <ac:spMk id="15" creationId="{8D8F5D63-2BE1-39FE-D17B-5360648D2ECB}"/>
+          </ac:spMkLst>
+        </pc:spChg>
+        <pc:spChg chg="add mod">
+          <ac:chgData name="Niels Berglund" userId="6462ffc3c746bb1c" providerId="LiveId" clId="{572CFA61-6849-42BD-B1DA-93EA9D7DCECD}" dt="2025-12-12T08:09:00.405" v="1982" actId="14100"/>
+          <ac:spMkLst>
+            <pc:docMk/>
+            <pc:sldMk cId="3979798783" sldId="351"/>
+            <ac:spMk id="18" creationId="{44D3DCA2-0C90-9412-0CD9-EBFD6610F8F5}"/>
+          </ac:spMkLst>
+        </pc:spChg>
+        <pc:spChg chg="add mod">
+          <ac:chgData name="Niels Berglund" userId="6462ffc3c746bb1c" providerId="LiveId" clId="{572CFA61-6849-42BD-B1DA-93EA9D7DCECD}" dt="2025-12-12T08:30:00.582" v="2093" actId="1076"/>
+          <ac:spMkLst>
+            <pc:docMk/>
+            <pc:sldMk cId="3979798783" sldId="351"/>
+            <ac:spMk id="19" creationId="{51029F97-1B9E-2043-7BC8-9A40EC979E39}"/>
+          </ac:spMkLst>
+        </pc:spChg>
+        <pc:spChg chg="add del mod">
+          <ac:chgData name="Niels Berglund" userId="6462ffc3c746bb1c" providerId="LiveId" clId="{572CFA61-6849-42BD-B1DA-93EA9D7DCECD}" dt="2025-12-12T07:59:41.085" v="1906" actId="478"/>
+          <ac:spMkLst>
+            <pc:docMk/>
+            <pc:sldMk cId="3979798783" sldId="351"/>
+            <ac:spMk id="20" creationId="{286287A2-7EC6-DBCC-0F2A-CBB1ED880124}"/>
+          </ac:spMkLst>
+        </pc:spChg>
+        <pc:spChg chg="add del mod">
+          <ac:chgData name="Niels Berglund" userId="6462ffc3c746bb1c" providerId="LiveId" clId="{572CFA61-6849-42BD-B1DA-93EA9D7DCECD}" dt="2025-12-12T06:50:22.926" v="1731" actId="478"/>
+          <ac:spMkLst>
+            <pc:docMk/>
+            <pc:sldMk cId="3979798783" sldId="351"/>
+            <ac:spMk id="21" creationId="{A703CB4F-CFB5-01D8-3784-5E4F68C369A1}"/>
+          </ac:spMkLst>
+        </pc:spChg>
+        <pc:spChg chg="add del mod">
+          <ac:chgData name="Niels Berglund" userId="6462ffc3c746bb1c" providerId="LiveId" clId="{572CFA61-6849-42BD-B1DA-93EA9D7DCECD}" dt="2025-12-12T06:57:44.685" v="1774" actId="478"/>
+          <ac:spMkLst>
+            <pc:docMk/>
+            <pc:sldMk cId="3979798783" sldId="351"/>
+            <ac:spMk id="33" creationId="{86F5834E-D5C0-753C-58C6-14C3AA5FDD04}"/>
+          </ac:spMkLst>
+        </pc:spChg>
+        <pc:spChg chg="add mod">
+          <ac:chgData name="Niels Berglund" userId="6462ffc3c746bb1c" providerId="LiveId" clId="{572CFA61-6849-42BD-B1DA-93EA9D7DCECD}" dt="2025-12-12T08:30:00.582" v="2093" actId="1076"/>
+          <ac:spMkLst>
+            <pc:docMk/>
+            <pc:sldMk cId="3979798783" sldId="351"/>
+            <ac:spMk id="39" creationId="{A835A4D7-EEC0-52A4-2753-C7CA6F5AA464}"/>
+          </ac:spMkLst>
+        </pc:spChg>
+        <pc:spChg chg="add mod topLvl">
+          <ac:chgData name="Niels Berglund" userId="6462ffc3c746bb1c" providerId="LiveId" clId="{572CFA61-6849-42BD-B1DA-93EA9D7DCECD}" dt="2025-12-12T08:46:31.658" v="2378" actId="338"/>
+          <ac:spMkLst>
+            <pc:docMk/>
+            <pc:sldMk cId="3979798783" sldId="351"/>
+            <ac:spMk id="40" creationId="{C2B66571-A3AB-BADC-A3C5-25C1DF5F0BC1}"/>
+          </ac:spMkLst>
+        </pc:spChg>
+        <pc:spChg chg="add mod">
+          <ac:chgData name="Niels Berglund" userId="6462ffc3c746bb1c" providerId="LiveId" clId="{572CFA61-6849-42BD-B1DA-93EA9D7DCECD}" dt="2025-12-12T08:27:17.266" v="2063" actId="1076"/>
+          <ac:spMkLst>
+            <pc:docMk/>
+            <pc:sldMk cId="3979798783" sldId="351"/>
+            <ac:spMk id="46" creationId="{41EE60AF-47B7-2373-3A8A-624D2944744C}"/>
+          </ac:spMkLst>
+        </pc:spChg>
+        <pc:spChg chg="add mod">
+          <ac:chgData name="Niels Berglund" userId="6462ffc3c746bb1c" providerId="LiveId" clId="{572CFA61-6849-42BD-B1DA-93EA9D7DCECD}" dt="2025-12-12T08:30:00.582" v="2093" actId="1076"/>
+          <ac:spMkLst>
+            <pc:docMk/>
+            <pc:sldMk cId="3979798783" sldId="351"/>
+            <ac:spMk id="51" creationId="{6C9D3827-2AA5-159A-A41C-35B4E5FFD62F}"/>
+          </ac:spMkLst>
+        </pc:spChg>
+        <pc:spChg chg="mod">
+          <ac:chgData name="Niels Berglund" userId="6462ffc3c746bb1c" providerId="LiveId" clId="{572CFA61-6849-42BD-B1DA-93EA9D7DCECD}" dt="2025-12-12T08:06:02.933" v="1951" actId="1076"/>
+          <ac:spMkLst>
+            <pc:docMk/>
+            <pc:sldMk cId="3979798783" sldId="351"/>
+            <ac:spMk id="63" creationId="{8A202332-4124-B054-85BB-D1500EB72A50}"/>
+          </ac:spMkLst>
+        </pc:spChg>
+        <pc:spChg chg="mod">
+          <ac:chgData name="Niels Berglund" userId="6462ffc3c746bb1c" providerId="LiveId" clId="{572CFA61-6849-42BD-B1DA-93EA9D7DCECD}" dt="2025-12-12T08:23:15.847" v="2016" actId="1076"/>
+          <ac:spMkLst>
+            <pc:docMk/>
+            <pc:sldMk cId="3979798783" sldId="351"/>
+            <ac:spMk id="66" creationId="{E3122539-1F6B-D3A0-27E9-92127A5FC93B}"/>
+          </ac:spMkLst>
+        </pc:spChg>
+        <pc:spChg chg="mod">
+          <ac:chgData name="Niels Berglund" userId="6462ffc3c746bb1c" providerId="LiveId" clId="{572CFA61-6849-42BD-B1DA-93EA9D7DCECD}" dt="2025-12-12T08:10:28.117" v="1983"/>
+          <ac:spMkLst>
+            <pc:docMk/>
+            <pc:sldMk cId="3979798783" sldId="351"/>
+            <ac:spMk id="73" creationId="{6C27E2FE-A17E-FAF6-38C1-890744A1342E}"/>
+          </ac:spMkLst>
+        </pc:spChg>
+        <pc:spChg chg="add mod">
+          <ac:chgData name="Niels Berglund" userId="6462ffc3c746bb1c" providerId="LiveId" clId="{572CFA61-6849-42BD-B1DA-93EA9D7DCECD}" dt="2025-12-12T08:46:51.602" v="2379" actId="164"/>
+          <ac:spMkLst>
+            <pc:docMk/>
+            <pc:sldMk cId="3979798783" sldId="351"/>
+            <ac:spMk id="76" creationId="{228E896F-F895-B135-99F7-189FEDA3D1C4}"/>
+          </ac:spMkLst>
+        </pc:spChg>
+        <pc:spChg chg="add mod">
+          <ac:chgData name="Niels Berglund" userId="6462ffc3c746bb1c" providerId="LiveId" clId="{572CFA61-6849-42BD-B1DA-93EA9D7DCECD}" dt="2025-12-12T08:50:59.911" v="2398" actId="1076"/>
+          <ac:spMkLst>
+            <pc:docMk/>
+            <pc:sldMk cId="3979798783" sldId="351"/>
+            <ac:spMk id="79" creationId="{6D6A4B01-29C5-21FF-3817-04437F5FBD5D}"/>
+          </ac:spMkLst>
+        </pc:spChg>
+        <pc:spChg chg="add mod topLvl">
+          <ac:chgData name="Niels Berglund" userId="6462ffc3c746bb1c" providerId="LiveId" clId="{572CFA61-6849-42BD-B1DA-93EA9D7DCECD}" dt="2025-12-12T08:51:10.316" v="2399" actId="1076"/>
+          <ac:spMkLst>
+            <pc:docMk/>
+            <pc:sldMk cId="3979798783" sldId="351"/>
+            <ac:spMk id="84" creationId="{FACFBA16-F513-F541-626F-CCF381F37902}"/>
+          </ac:spMkLst>
+        </pc:spChg>
+        <pc:grpChg chg="add del mod">
+          <ac:chgData name="Niels Berglund" userId="6462ffc3c746bb1c" providerId="LiveId" clId="{572CFA61-6849-42BD-B1DA-93EA9D7DCECD}" dt="2025-12-12T08:11:23.036" v="1995" actId="165"/>
+          <ac:grpSpMkLst>
+            <pc:docMk/>
+            <pc:sldMk cId="3979798783" sldId="351"/>
+            <ac:grpSpMk id="47" creationId="{5D4D4C16-5058-06F4-2450-E637576D4777}"/>
+          </ac:grpSpMkLst>
+        </pc:grpChg>
+        <pc:grpChg chg="add mod">
+          <ac:chgData name="Niels Berglund" userId="6462ffc3c746bb1c" providerId="LiveId" clId="{572CFA61-6849-42BD-B1DA-93EA9D7DCECD}" dt="2025-12-12T08:12:02.817" v="2000" actId="1076"/>
+          <ac:grpSpMkLst>
+            <pc:docMk/>
+            <pc:sldMk cId="3979798783" sldId="351"/>
+            <ac:grpSpMk id="60" creationId="{84EBF2EE-2D8D-6A8B-9D09-AF5BF2E0FBF8}"/>
+          </ac:grpSpMkLst>
+        </pc:grpChg>
+        <pc:grpChg chg="add mod">
+          <ac:chgData name="Niels Berglund" userId="6462ffc3c746bb1c" providerId="LiveId" clId="{572CFA61-6849-42BD-B1DA-93EA9D7DCECD}" dt="2025-12-12T08:05:49.167" v="1935" actId="1076"/>
+          <ac:grpSpMkLst>
+            <pc:docMk/>
+            <pc:sldMk cId="3979798783" sldId="351"/>
+            <ac:grpSpMk id="61" creationId="{0C38A0D2-BD5E-DD3C-94DF-DD915A2B3F21}"/>
+          </ac:grpSpMkLst>
+        </pc:grpChg>
+        <pc:grpChg chg="add mod">
+          <ac:chgData name="Niels Berglund" userId="6462ffc3c746bb1c" providerId="LiveId" clId="{572CFA61-6849-42BD-B1DA-93EA9D7DCECD}" dt="2025-12-12T08:06:27.176" v="1955" actId="1076"/>
+          <ac:grpSpMkLst>
+            <pc:docMk/>
+            <pc:sldMk cId="3979798783" sldId="351"/>
+            <ac:grpSpMk id="64" creationId="{E1635DA3-A946-79CF-3F75-7368C224EDEE}"/>
+          </ac:grpSpMkLst>
+        </pc:grpChg>
+        <pc:grpChg chg="add mod">
+          <ac:chgData name="Niels Berglund" userId="6462ffc3c746bb1c" providerId="LiveId" clId="{572CFA61-6849-42BD-B1DA-93EA9D7DCECD}" dt="2025-12-12T08:11:01.511" v="1991" actId="1076"/>
+          <ac:grpSpMkLst>
+            <pc:docMk/>
+            <pc:sldMk cId="3979798783" sldId="351"/>
+            <ac:grpSpMk id="71" creationId="{4F3CA4CF-67FB-75A7-4EEF-514810C809BF}"/>
+          </ac:grpSpMkLst>
+        </pc:grpChg>
+        <pc:grpChg chg="add mod">
+          <ac:chgData name="Niels Berglund" userId="6462ffc3c746bb1c" providerId="LiveId" clId="{572CFA61-6849-42BD-B1DA-93EA9D7DCECD}" dt="2025-12-12T08:46:31.658" v="2378" actId="338"/>
+          <ac:grpSpMkLst>
+            <pc:docMk/>
+            <pc:sldMk cId="3979798783" sldId="351"/>
+            <ac:grpSpMk id="86" creationId="{72605ABB-48D4-80B6-96C2-71340CCD0598}"/>
+          </ac:grpSpMkLst>
+        </pc:grpChg>
+        <pc:grpChg chg="add mod">
+          <ac:chgData name="Niels Berglund" userId="6462ffc3c746bb1c" providerId="LiveId" clId="{572CFA61-6849-42BD-B1DA-93EA9D7DCECD}" dt="2025-12-12T08:46:51.602" v="2379" actId="164"/>
+          <ac:grpSpMkLst>
+            <pc:docMk/>
+            <pc:sldMk cId="3979798783" sldId="351"/>
+            <ac:grpSpMk id="87" creationId="{CBBD5B81-A93F-8D75-EBC8-B2BE3CB2DAEC}"/>
+          </ac:grpSpMkLst>
+        </pc:grpChg>
+        <pc:grpChg chg="add del mod">
+          <ac:chgData name="Niels Berglund" userId="6462ffc3c746bb1c" providerId="LiveId" clId="{572CFA61-6849-42BD-B1DA-93EA9D7DCECD}" dt="2025-12-12T08:49:47.557" v="2391" actId="165"/>
+          <ac:grpSpMkLst>
+            <pc:docMk/>
+            <pc:sldMk cId="3979798783" sldId="351"/>
+            <ac:grpSpMk id="88" creationId="{23A7063C-96B4-683F-33BB-F667383ADF4F}"/>
+          </ac:grpSpMkLst>
+        </pc:grpChg>
+        <pc:grpChg chg="add mod">
+          <ac:chgData name="Niels Berglund" userId="6462ffc3c746bb1c" providerId="LiveId" clId="{572CFA61-6849-42BD-B1DA-93EA9D7DCECD}" dt="2025-12-12T08:47:40.007" v="2381" actId="164"/>
+          <ac:grpSpMkLst>
+            <pc:docMk/>
+            <pc:sldMk cId="3979798783" sldId="351"/>
+            <ac:grpSpMk id="89" creationId="{70D63B72-0CF5-9E5B-F0A0-AD926A5251CB}"/>
+          </ac:grpSpMkLst>
+        </pc:grpChg>
+        <pc:picChg chg="add mod ord">
+          <ac:chgData name="Niels Berglund" userId="6462ffc3c746bb1c" providerId="LiveId" clId="{572CFA61-6849-42BD-B1DA-93EA9D7DCECD}" dt="2025-12-12T08:50:44.198" v="2397" actId="1076"/>
+          <ac:picMkLst>
+            <pc:docMk/>
+            <pc:sldMk cId="3979798783" sldId="351"/>
+            <ac:picMk id="85" creationId="{C410CED1-44B1-604F-A981-EB25D18BFCF5}"/>
+          </ac:picMkLst>
+        </pc:picChg>
+        <pc:cxnChg chg="add del mod">
+          <ac:chgData name="Niels Berglund" userId="6462ffc3c746bb1c" providerId="LiveId" clId="{572CFA61-6849-42BD-B1DA-93EA9D7DCECD}" dt="2025-12-12T06:39:12.869" v="1673" actId="478"/>
+          <ac:cxnSpMkLst>
+            <pc:docMk/>
+            <pc:sldMk cId="3979798783" sldId="351"/>
+            <ac:cxnSpMk id="13" creationId="{6E213A44-7238-E8CB-5D8B-A409062C2A87}"/>
+          </ac:cxnSpMkLst>
+        </pc:cxnChg>
+        <pc:cxnChg chg="add del mod">
+          <ac:chgData name="Niels Berglund" userId="6462ffc3c746bb1c" providerId="LiveId" clId="{572CFA61-6849-42BD-B1DA-93EA9D7DCECD}" dt="2025-12-12T06:39:15.773" v="1674" actId="478"/>
+          <ac:cxnSpMkLst>
+            <pc:docMk/>
+            <pc:sldMk cId="3979798783" sldId="351"/>
+            <ac:cxnSpMk id="14" creationId="{EF5A33EC-93C3-88DE-D45B-F8E7580E1D69}"/>
+          </ac:cxnSpMkLst>
+        </pc:cxnChg>
+        <pc:cxnChg chg="add del mod">
+          <ac:chgData name="Niels Berglund" userId="6462ffc3c746bb1c" providerId="LiveId" clId="{572CFA61-6849-42BD-B1DA-93EA9D7DCECD}" dt="2025-12-12T06:50:50.918" v="1733" actId="478"/>
+          <ac:cxnSpMkLst>
+            <pc:docMk/>
+            <pc:sldMk cId="3979798783" sldId="351"/>
+            <ac:cxnSpMk id="23" creationId="{AE384596-1E73-205C-B412-077CF3BF2023}"/>
+          </ac:cxnSpMkLst>
+        </pc:cxnChg>
+        <pc:cxnChg chg="add del mod">
+          <ac:chgData name="Niels Berglund" userId="6462ffc3c746bb1c" providerId="LiveId" clId="{572CFA61-6849-42BD-B1DA-93EA9D7DCECD}" dt="2025-12-12T08:07:22.407" v="1970" actId="478"/>
+          <ac:cxnSpMkLst>
+            <pc:docMk/>
+            <pc:sldMk cId="3979798783" sldId="351"/>
+            <ac:cxnSpMk id="25" creationId="{823FB217-B0EB-E6AA-2A35-48DF12131579}"/>
+          </ac:cxnSpMkLst>
+        </pc:cxnChg>
+        <pc:cxnChg chg="add del mod">
+          <ac:chgData name="Niels Berglund" userId="6462ffc3c746bb1c" providerId="LiveId" clId="{572CFA61-6849-42BD-B1DA-93EA9D7DCECD}" dt="2025-12-12T06:53:01.040" v="1748" actId="478"/>
+          <ac:cxnSpMkLst>
+            <pc:docMk/>
+            <pc:sldMk cId="3979798783" sldId="351"/>
+            <ac:cxnSpMk id="27" creationId="{F87ACCCA-2AFF-C1DA-0289-80E34DB6C37B}"/>
+          </ac:cxnSpMkLst>
+        </pc:cxnChg>
+        <pc:cxnChg chg="add del mod">
+          <ac:chgData name="Niels Berglund" userId="6462ffc3c746bb1c" providerId="LiveId" clId="{572CFA61-6849-42BD-B1DA-93EA9D7DCECD}" dt="2025-12-12T06:54:47.980" v="1758" actId="478"/>
+          <ac:cxnSpMkLst>
+            <pc:docMk/>
+            <pc:sldMk cId="3979798783" sldId="351"/>
+            <ac:cxnSpMk id="29" creationId="{F289376D-770D-B0C9-5920-B3F230529789}"/>
+          </ac:cxnSpMkLst>
+        </pc:cxnChg>
+        <pc:cxnChg chg="add del mod">
+          <ac:chgData name="Niels Berglund" userId="6462ffc3c746bb1c" providerId="LiveId" clId="{572CFA61-6849-42BD-B1DA-93EA9D7DCECD}" dt="2025-12-12T08:08:04.894" v="1974" actId="478"/>
+          <ac:cxnSpMkLst>
+            <pc:docMk/>
+            <pc:sldMk cId="3979798783" sldId="351"/>
+            <ac:cxnSpMk id="32" creationId="{418C76F5-D037-64EF-E8FF-7474D65C471E}"/>
+          </ac:cxnSpMkLst>
+        </pc:cxnChg>
+        <pc:cxnChg chg="add mod topLvl">
+          <ac:chgData name="Niels Berglund" userId="6462ffc3c746bb1c" providerId="LiveId" clId="{572CFA61-6849-42BD-B1DA-93EA9D7DCECD}" dt="2025-12-12T08:46:31.658" v="2378" actId="338"/>
+          <ac:cxnSpMkLst>
+            <pc:docMk/>
+            <pc:sldMk cId="3979798783" sldId="351"/>
+            <ac:cxnSpMk id="37" creationId="{C267FEDD-D442-9847-6DAD-CFD07E986CAC}"/>
+          </ac:cxnSpMkLst>
+        </pc:cxnChg>
+        <pc:cxnChg chg="add mod">
+          <ac:chgData name="Niels Berglund" userId="6462ffc3c746bb1c" providerId="LiveId" clId="{572CFA61-6849-42BD-B1DA-93EA9D7DCECD}" dt="2025-12-12T08:03:04.708" v="1932" actId="164"/>
+          <ac:cxnSpMkLst>
+            <pc:docMk/>
+            <pc:sldMk cId="3979798783" sldId="351"/>
+            <ac:cxnSpMk id="42" creationId="{9B0E2FC3-2AC1-929B-356F-FFD9EF83BC61}"/>
+          </ac:cxnSpMkLst>
+        </pc:cxnChg>
+        <pc:cxnChg chg="add del mod">
+          <ac:chgData name="Niels Berglund" userId="6462ffc3c746bb1c" providerId="LiveId" clId="{572CFA61-6849-42BD-B1DA-93EA9D7DCECD}" dt="2025-12-12T08:08:07.586" v="1975" actId="478"/>
+          <ac:cxnSpMkLst>
+            <pc:docMk/>
+            <pc:sldMk cId="3979798783" sldId="351"/>
+            <ac:cxnSpMk id="55" creationId="{BEBFF0A8-77E8-A18F-4B1C-2777B9991532}"/>
+          </ac:cxnSpMkLst>
+        </pc:cxnChg>
+        <pc:cxnChg chg="add del mod">
+          <ac:chgData name="Niels Berglund" userId="6462ffc3c746bb1c" providerId="LiveId" clId="{572CFA61-6849-42BD-B1DA-93EA9D7DCECD}" dt="2025-12-12T08:01:46.246" v="1924" actId="478"/>
+          <ac:cxnSpMkLst>
+            <pc:docMk/>
+            <pc:sldMk cId="3979798783" sldId="351"/>
+            <ac:cxnSpMk id="57" creationId="{177AED1C-16C1-0A2A-DC5A-B9CE88C65EBD}"/>
+          </ac:cxnSpMkLst>
+        </pc:cxnChg>
+        <pc:cxnChg chg="add del mod">
+          <ac:chgData name="Niels Berglund" userId="6462ffc3c746bb1c" providerId="LiveId" clId="{572CFA61-6849-42BD-B1DA-93EA9D7DCECD}" dt="2025-12-12T08:08:10.501" v="1976" actId="478"/>
+          <ac:cxnSpMkLst>
+            <pc:docMk/>
+            <pc:sldMk cId="3979798783" sldId="351"/>
+            <ac:cxnSpMk id="59" creationId="{D01EFDE6-0B50-3C36-DEEA-B96C4086DF48}"/>
+          </ac:cxnSpMkLst>
+        </pc:cxnChg>
+        <pc:cxnChg chg="mod">
+          <ac:chgData name="Niels Berglund" userId="6462ffc3c746bb1c" providerId="LiveId" clId="{572CFA61-6849-42BD-B1DA-93EA9D7DCECD}" dt="2025-12-12T08:05:42.751" v="1934"/>
+          <ac:cxnSpMkLst>
+            <pc:docMk/>
+            <pc:sldMk cId="3979798783" sldId="351"/>
+            <ac:cxnSpMk id="62" creationId="{5E9A50E4-2A90-EA88-C17D-AE8FA674C3CC}"/>
+          </ac:cxnSpMkLst>
+        </pc:cxnChg>
+        <pc:cxnChg chg="mod">
+          <ac:chgData name="Niels Berglund" userId="6462ffc3c746bb1c" providerId="LiveId" clId="{572CFA61-6849-42BD-B1DA-93EA9D7DCECD}" dt="2025-12-12T08:06:19.136" v="1954"/>
+          <ac:cxnSpMkLst>
+            <pc:docMk/>
+            <pc:sldMk cId="3979798783" sldId="351"/>
+            <ac:cxnSpMk id="65" creationId="{01D278BB-DFAE-3821-5E48-1F329E4395D8}"/>
+          </ac:cxnSpMkLst>
+        </pc:cxnChg>
+        <pc:cxnChg chg="mod">
+          <ac:chgData name="Niels Berglund" userId="6462ffc3c746bb1c" providerId="LiveId" clId="{572CFA61-6849-42BD-B1DA-93EA9D7DCECD}" dt="2025-12-12T08:10:28.117" v="1983"/>
+          <ac:cxnSpMkLst>
+            <pc:docMk/>
+            <pc:sldMk cId="3979798783" sldId="351"/>
+            <ac:cxnSpMk id="72" creationId="{DF86EB8E-D510-212C-5AF1-84ADCD687B9F}"/>
+          </ac:cxnSpMkLst>
+        </pc:cxnChg>
+        <pc:cxnChg chg="add mod">
+          <ac:chgData name="Niels Berglund" userId="6462ffc3c746bb1c" providerId="LiveId" clId="{572CFA61-6849-42BD-B1DA-93EA9D7DCECD}" dt="2025-12-12T08:46:51.602" v="2379" actId="164"/>
+          <ac:cxnSpMkLst>
+            <pc:docMk/>
+            <pc:sldMk cId="3979798783" sldId="351"/>
+            <ac:cxnSpMk id="75" creationId="{C25B42BB-2D0E-308B-9297-0E32AD0A9BE8}"/>
+          </ac:cxnSpMkLst>
+        </pc:cxnChg>
+        <pc:cxnChg chg="add mod">
+          <ac:chgData name="Niels Berglund" userId="6462ffc3c746bb1c" providerId="LiveId" clId="{572CFA61-6849-42BD-B1DA-93EA9D7DCECD}" dt="2025-12-12T08:47:40.007" v="2381" actId="164"/>
+          <ac:cxnSpMkLst>
+            <pc:docMk/>
+            <pc:sldMk cId="3979798783" sldId="351"/>
+            <ac:cxnSpMk id="78" creationId="{5B3492DA-1616-C2A7-46B1-6D1C9030D72C}"/>
+          </ac:cxnSpMkLst>
+        </pc:cxnChg>
+        <pc:cxnChg chg="add mod topLvl">
+          <ac:chgData name="Niels Berglund" userId="6462ffc3c746bb1c" providerId="LiveId" clId="{572CFA61-6849-42BD-B1DA-93EA9D7DCECD}" dt="2025-12-12T08:50:28.884" v="2395" actId="14100"/>
+          <ac:cxnSpMkLst>
+            <pc:docMk/>
+            <pc:sldMk cId="3979798783" sldId="351"/>
+            <ac:cxnSpMk id="81" creationId="{E1F650DC-C0CE-D604-5429-C3A64070FE6C}"/>
+          </ac:cxnSpMkLst>
+        </pc:cxnChg>
+      </pc:sldChg>
+      <pc:sldChg chg="addSp delSp modSp new mod ord modClrScheme chgLayout">
+        <pc:chgData name="Niels Berglund" userId="6462ffc3c746bb1c" providerId="LiveId" clId="{572CFA61-6849-42BD-B1DA-93EA9D7DCECD}" dt="2025-12-12T09:37:39.597" v="2696" actId="113"/>
+        <pc:sldMkLst>
+          <pc:docMk/>
+          <pc:sldMk cId="143717168" sldId="352"/>
+        </pc:sldMkLst>
+        <pc:spChg chg="del mod ord">
+          <ac:chgData name="Niels Berglund" userId="6462ffc3c746bb1c" providerId="LiveId" clId="{572CFA61-6849-42BD-B1DA-93EA9D7DCECD}" dt="2025-12-12T09:34:29.535" v="2661" actId="700"/>
+          <ac:spMkLst>
+            <pc:docMk/>
+            <pc:sldMk cId="143717168" sldId="352"/>
+            <ac:spMk id="2" creationId="{7EB03461-3561-294B-C61A-3ECAEEB73D4A}"/>
+          </ac:spMkLst>
+        </pc:spChg>
+        <pc:spChg chg="add mod ord">
+          <ac:chgData name="Niels Berglund" userId="6462ffc3c746bb1c" providerId="LiveId" clId="{572CFA61-6849-42BD-B1DA-93EA9D7DCECD}" dt="2025-12-12T09:37:39.597" v="2696" actId="113"/>
+          <ac:spMkLst>
+            <pc:docMk/>
+            <pc:sldMk cId="143717168" sldId="352"/>
+            <ac:spMk id="3" creationId="{B1683D75-E3B4-CB8A-3968-EC211AD134E7}"/>
+          </ac:spMkLst>
+        </pc:spChg>
+        <pc:spChg chg="add del mod ord">
+          <ac:chgData name="Niels Berglund" userId="6462ffc3c746bb1c" providerId="LiveId" clId="{572CFA61-6849-42BD-B1DA-93EA9D7DCECD}" dt="2025-12-12T09:34:53.839" v="2682" actId="478"/>
+          <ac:spMkLst>
+            <pc:docMk/>
+            <pc:sldMk cId="143717168" sldId="352"/>
+            <ac:spMk id="4" creationId="{B2426EA4-33B7-D3D3-57DF-5589026C6418}"/>
+          </ac:spMkLst>
+        </pc:spChg>
+        <pc:picChg chg="add mod ord">
+          <ac:chgData name="Niels Berglund" userId="6462ffc3c746bb1c" providerId="LiveId" clId="{572CFA61-6849-42BD-B1DA-93EA9D7DCECD}" dt="2025-12-12T09:35:48.322" v="2690" actId="1076"/>
+          <ac:picMkLst>
+            <pc:docMk/>
+            <pc:sldMk cId="143717168" sldId="352"/>
+            <ac:picMk id="5" creationId="{09B71819-0AEC-5087-EC25-92494E619E8D}"/>
+          </ac:picMkLst>
+        </pc:picChg>
+      </pc:sldChg>
+      <pc:sldChg chg="new del">
+        <pc:chgData name="Niels Berglund" userId="6462ffc3c746bb1c" providerId="LiveId" clId="{572CFA61-6849-42BD-B1DA-93EA9D7DCECD}" dt="2025-12-12T10:00:34.568" v="2700" actId="47"/>
+        <pc:sldMkLst>
+          <pc:docMk/>
+          <pc:sldMk cId="2990724657" sldId="353"/>
         </pc:sldMkLst>
       </pc:sldChg>
-      <pc:sldChg chg="addSp delSp modSp new del mod">
-        <pc:chgData name="Niels Berglund" userId="6462ffc3c746bb1c" providerId="LiveId" clId="{572CFA61-6849-42BD-B1DA-93EA9D7DCECD}" dt="2025-12-07T16:07:49.793" v="1267" actId="47"/>
+      <pc:sldChg chg="addSp delSp modSp add mod modAnim">
+        <pc:chgData name="Niels Berglund" userId="6462ffc3c746bb1c" providerId="LiveId" clId="{572CFA61-6849-42BD-B1DA-93EA9D7DCECD}" dt="2025-12-12T10:10:15.567" v="2920" actId="1076"/>
         <pc:sldMkLst>
           <pc:docMk/>
-          <pc:sldMk cId="355482602" sldId="350"/>
+          <pc:sldMk cId="3571688598" sldId="354"/>
         </pc:sldMkLst>
+        <pc:spChg chg="mod">
+          <ac:chgData name="Niels Berglund" userId="6462ffc3c746bb1c" providerId="LiveId" clId="{572CFA61-6849-42BD-B1DA-93EA9D7DCECD}" dt="2025-12-12T10:00:45.471" v="2709" actId="20577"/>
+          <ac:spMkLst>
+            <pc:docMk/>
+            <pc:sldMk cId="3571688598" sldId="354"/>
+            <ac:spMk id="2" creationId="{4C8753A7-39CE-7AA5-E00E-90F1A93A162E}"/>
+          </ac:spMkLst>
+        </pc:spChg>
+        <pc:spChg chg="mod">
+          <ac:chgData name="Niels Berglund" userId="6462ffc3c746bb1c" providerId="LiveId" clId="{572CFA61-6849-42BD-B1DA-93EA9D7DCECD}" dt="2025-12-12T10:10:05.054" v="2919" actId="1076"/>
+          <ac:spMkLst>
+            <pc:docMk/>
+            <pc:sldMk cId="3571688598" sldId="354"/>
+            <ac:spMk id="3" creationId="{01E016BE-E415-EEE9-B658-1C0D4ECCE1D9}"/>
+          </ac:spMkLst>
+        </pc:spChg>
+        <pc:spChg chg="mod">
+          <ac:chgData name="Niels Berglund" userId="6462ffc3c746bb1c" providerId="LiveId" clId="{572CFA61-6849-42BD-B1DA-93EA9D7DCECD}" dt="2025-12-12T10:10:05.054" v="2919" actId="1076"/>
+          <ac:spMkLst>
+            <pc:docMk/>
+            <pc:sldMk cId="3571688598" sldId="354"/>
+            <ac:spMk id="4" creationId="{0423445F-FCDD-EC53-CDAA-0C46BEA1AA87}"/>
+          </ac:spMkLst>
+        </pc:spChg>
+        <pc:spChg chg="del">
+          <ac:chgData name="Niels Berglund" userId="6462ffc3c746bb1c" providerId="LiveId" clId="{572CFA61-6849-42BD-B1DA-93EA9D7DCECD}" dt="2025-12-12T10:05:18.001" v="2859" actId="478"/>
+          <ac:spMkLst>
+            <pc:docMk/>
+            <pc:sldMk cId="3571688598" sldId="354"/>
+            <ac:spMk id="5" creationId="{1BDC6E49-89AA-5A16-FD5E-F8F6EA582090}"/>
+          </ac:spMkLst>
+        </pc:spChg>
+        <pc:spChg chg="mod">
+          <ac:chgData name="Niels Berglund" userId="6462ffc3c746bb1c" providerId="LiveId" clId="{572CFA61-6849-42BD-B1DA-93EA9D7DCECD}" dt="2025-12-12T10:10:05.054" v="2919" actId="1076"/>
+          <ac:spMkLst>
+            <pc:docMk/>
+            <pc:sldMk cId="3571688598" sldId="354"/>
+            <ac:spMk id="6" creationId="{46A3F14B-69C6-FCF7-5997-E4BDDCD19D5F}"/>
+          </ac:spMkLst>
+        </pc:spChg>
+        <pc:spChg chg="del mod">
+          <ac:chgData name="Niels Berglund" userId="6462ffc3c746bb1c" providerId="LiveId" clId="{572CFA61-6849-42BD-B1DA-93EA9D7DCECD}" dt="2025-12-12T10:05:24.636" v="2861" actId="478"/>
+          <ac:spMkLst>
+            <pc:docMk/>
+            <pc:sldMk cId="3571688598" sldId="354"/>
+            <ac:spMk id="7" creationId="{505B0CBA-335F-3700-4633-CAA3D4145C51}"/>
+          </ac:spMkLst>
+        </pc:spChg>
+        <pc:spChg chg="add mod">
+          <ac:chgData name="Niels Berglund" userId="6462ffc3c746bb1c" providerId="LiveId" clId="{572CFA61-6849-42BD-B1DA-93EA9D7DCECD}" dt="2025-12-12T10:10:05.054" v="2919" actId="1076"/>
+          <ac:spMkLst>
+            <pc:docMk/>
+            <pc:sldMk cId="3571688598" sldId="354"/>
+            <ac:spMk id="8" creationId="{A7FB5F14-2CDD-7EEF-2C9C-F05493F30813}"/>
+          </ac:spMkLst>
+        </pc:spChg>
+        <pc:spChg chg="add mod">
+          <ac:chgData name="Niels Berglund" userId="6462ffc3c746bb1c" providerId="LiveId" clId="{572CFA61-6849-42BD-B1DA-93EA9D7DCECD}" dt="2025-12-12T10:10:05.054" v="2919" actId="1076"/>
+          <ac:spMkLst>
+            <pc:docMk/>
+            <pc:sldMk cId="3571688598" sldId="354"/>
+            <ac:spMk id="14" creationId="{832FF4DE-8356-9319-2032-636485438A14}"/>
+          </ac:spMkLst>
+        </pc:spChg>
+        <pc:spChg chg="add mod">
+          <ac:chgData name="Niels Berglund" userId="6462ffc3c746bb1c" providerId="LiveId" clId="{572CFA61-6849-42BD-B1DA-93EA9D7DCECD}" dt="2025-12-12T10:10:15.567" v="2920" actId="1076"/>
+          <ac:spMkLst>
+            <pc:docMk/>
+            <pc:sldMk cId="3571688598" sldId="354"/>
+            <ac:spMk id="15" creationId="{64070203-5CE9-BC13-67B6-20D2418FCEA8}"/>
+          </ac:spMkLst>
+        </pc:spChg>
+        <pc:picChg chg="mod">
+          <ac:chgData name="Niels Berglund" userId="6462ffc3c746bb1c" providerId="LiveId" clId="{572CFA61-6849-42BD-B1DA-93EA9D7DCECD}" dt="2025-12-12T10:07:03.021" v="2886" actId="1076"/>
+          <ac:picMkLst>
+            <pc:docMk/>
+            <pc:sldMk cId="3571688598" sldId="354"/>
+            <ac:picMk id="11" creationId="{058CED78-205C-E336-B1E6-DF2BEBF32D08}"/>
+          </ac:picMkLst>
+        </pc:picChg>
+        <pc:cxnChg chg="mod">
+          <ac:chgData name="Niels Berglund" userId="6462ffc3c746bb1c" providerId="LiveId" clId="{572CFA61-6849-42BD-B1DA-93EA9D7DCECD}" dt="2025-12-12T10:10:05.054" v="2919" actId="1076"/>
+          <ac:cxnSpMkLst>
+            <pc:docMk/>
+            <pc:sldMk cId="3571688598" sldId="354"/>
+            <ac:cxnSpMk id="9" creationId="{B324288C-8F15-CF7F-1B17-EF37AE903830}"/>
+          </ac:cxnSpMkLst>
+        </pc:cxnChg>
+        <pc:cxnChg chg="mod">
+          <ac:chgData name="Niels Berglund" userId="6462ffc3c746bb1c" providerId="LiveId" clId="{572CFA61-6849-42BD-B1DA-93EA9D7DCECD}" dt="2025-12-12T10:10:05.054" v="2919" actId="1076"/>
+          <ac:cxnSpMkLst>
+            <pc:docMk/>
+            <pc:sldMk cId="3571688598" sldId="354"/>
+            <ac:cxnSpMk id="10" creationId="{FD61D2F6-762F-C2F5-4291-88432CAFAB82}"/>
+          </ac:cxnSpMkLst>
+        </pc:cxnChg>
+        <pc:cxnChg chg="del mod">
+          <ac:chgData name="Niels Berglund" userId="6462ffc3c746bb1c" providerId="LiveId" clId="{572CFA61-6849-42BD-B1DA-93EA9D7DCECD}" dt="2025-12-12T10:09:52.089" v="2918" actId="478"/>
+          <ac:cxnSpMkLst>
+            <pc:docMk/>
+            <pc:sldMk cId="3571688598" sldId="354"/>
+            <ac:cxnSpMk id="12" creationId="{CE85D72A-1050-D4AA-8FFB-14FCC5EDE8EC}"/>
+          </ac:cxnSpMkLst>
+        </pc:cxnChg>
+        <pc:cxnChg chg="del mod">
+          <ac:chgData name="Niels Berglund" userId="6462ffc3c746bb1c" providerId="LiveId" clId="{572CFA61-6849-42BD-B1DA-93EA9D7DCECD}" dt="2025-12-12T10:09:49.342" v="2917" actId="478"/>
+          <ac:cxnSpMkLst>
+            <pc:docMk/>
+            <pc:sldMk cId="3571688598" sldId="354"/>
+            <ac:cxnSpMk id="13" creationId="{604E7BDE-9CEE-484E-D74A-376FB9197EDE}"/>
+          </ac:cxnSpMkLst>
+        </pc:cxnChg>
+      </pc:sldChg>
+      <pc:sldChg chg="addSp delSp modSp new mod modClrScheme chgLayout">
+        <pc:chgData name="Niels Berglund" userId="6462ffc3c746bb1c" providerId="LiveId" clId="{572CFA61-6849-42BD-B1DA-93EA9D7DCECD}" dt="2025-12-12T10:13:08.017" v="2926" actId="14100"/>
+        <pc:sldMkLst>
+          <pc:docMk/>
+          <pc:sldMk cId="3205467808" sldId="355"/>
+        </pc:sldMkLst>
+        <pc:spChg chg="del">
+          <ac:chgData name="Niels Berglund" userId="6462ffc3c746bb1c" providerId="LiveId" clId="{572CFA61-6849-42BD-B1DA-93EA9D7DCECD}" dt="2025-12-12T10:12:56.013" v="2922" actId="700"/>
+          <ac:spMkLst>
+            <pc:docMk/>
+            <pc:sldMk cId="3205467808" sldId="355"/>
+            <ac:spMk id="2" creationId="{314D3259-8C35-8E52-999C-A72F53A94CCA}"/>
+          </ac:spMkLst>
+        </pc:spChg>
+        <pc:spChg chg="del">
+          <ac:chgData name="Niels Berglund" userId="6462ffc3c746bb1c" providerId="LiveId" clId="{572CFA61-6849-42BD-B1DA-93EA9D7DCECD}" dt="2025-12-12T10:12:56.013" v="2922" actId="700"/>
+          <ac:spMkLst>
+            <pc:docMk/>
+            <pc:sldMk cId="3205467808" sldId="355"/>
+            <ac:spMk id="3" creationId="{727460DE-E396-64A9-4FC5-DBE304EEA8AC}"/>
+          </ac:spMkLst>
+        </pc:spChg>
+        <pc:picChg chg="add mod">
+          <ac:chgData name="Niels Berglund" userId="6462ffc3c746bb1c" providerId="LiveId" clId="{572CFA61-6849-42BD-B1DA-93EA9D7DCECD}" dt="2025-12-12T10:13:08.017" v="2926" actId="14100"/>
+          <ac:picMkLst>
+            <pc:docMk/>
+            <pc:sldMk cId="3205467808" sldId="355"/>
+            <ac:picMk id="5" creationId="{C3CFA695-6AE5-6D9E-AAC3-EDEE96D3E72D}"/>
+          </ac:picMkLst>
+        </pc:picChg>
+      </pc:sldChg>
+      <pc:sldChg chg="addSp delSp modSp new mod modClrScheme chgLayout">
+        <pc:chgData name="Niels Berglund" userId="6462ffc3c746bb1c" providerId="LiveId" clId="{572CFA61-6849-42BD-B1DA-93EA9D7DCECD}" dt="2025-12-12T10:13:30.357" v="2931" actId="962"/>
+        <pc:sldMkLst>
+          <pc:docMk/>
+          <pc:sldMk cId="1566257432" sldId="356"/>
+        </pc:sldMkLst>
+        <pc:spChg chg="del">
+          <ac:chgData name="Niels Berglund" userId="6462ffc3c746bb1c" providerId="LiveId" clId="{572CFA61-6849-42BD-B1DA-93EA9D7DCECD}" dt="2025-12-12T10:13:25.993" v="2928" actId="700"/>
+          <ac:spMkLst>
+            <pc:docMk/>
+            <pc:sldMk cId="1566257432" sldId="356"/>
+            <ac:spMk id="2" creationId="{83077875-C64E-5498-EC83-DCC87F964C72}"/>
+          </ac:spMkLst>
+        </pc:spChg>
+        <pc:spChg chg="del">
+          <ac:chgData name="Niels Berglund" userId="6462ffc3c746bb1c" providerId="LiveId" clId="{572CFA61-6849-42BD-B1DA-93EA9D7DCECD}" dt="2025-12-12T10:13:25.993" v="2928" actId="700"/>
+          <ac:spMkLst>
+            <pc:docMk/>
+            <pc:sldMk cId="1566257432" sldId="356"/>
+            <ac:spMk id="3" creationId="{C6994F7C-BE69-88EC-17D6-7FBB2506C896}"/>
+          </ac:spMkLst>
+        </pc:spChg>
+        <pc:picChg chg="add mod">
+          <ac:chgData name="Niels Berglund" userId="6462ffc3c746bb1c" providerId="LiveId" clId="{572CFA61-6849-42BD-B1DA-93EA9D7DCECD}" dt="2025-12-12T10:13:30.357" v="2931" actId="962"/>
+          <ac:picMkLst>
+            <pc:docMk/>
+            <pc:sldMk cId="1566257432" sldId="356"/>
+            <ac:picMk id="5" creationId="{40258954-5039-7402-5778-5276957E2512}"/>
+          </ac:picMkLst>
+        </pc:picChg>
       </pc:sldChg>
     </pc:docChg>
   </pc:docChgLst>
@@ -464,7 +1255,7 @@
           <a:p>
             <a:fld id="{C01FF5A2-7221-4D0A-BA7E-3E97D457CE20}" type="datetimeFigureOut">
               <a:rPr lang="en-US" smtClean="0"/>
-              <a:t>2025-12-07</a:t>
+              <a:t>2025-12-09</a:t>
             </a:fld>
             <a:endParaRPr lang="en-US"/>
           </a:p>
@@ -863,7 +1654,7 @@
                 <a:tabLst/>
                 <a:defRPr/>
               </a:pPr>
-              <a:t>2</a:t>
+              <a:t>3</a:t>
             </a:fld>
             <a:endParaRPr kumimoji="0" lang="en-GB" sz="1200" b="0" i="0" u="none" strike="noStrike" kern="1200" cap="none" spc="0" normalizeH="0" baseline="0" noProof="0">
               <a:ln>
@@ -963,7 +1754,7 @@
           <a:p>
             <a:fld id="{63CB3EF4-88E8-4C44-ACD9-4A29BA467B38}" type="slidenum">
               <a:rPr lang="en-US" smtClean="0"/>
-              <a:t>3</a:t>
+              <a:t>4</a:t>
             </a:fld>
             <a:endParaRPr lang="en-US"/>
           </a:p>
@@ -1026,7 +1817,10 @@
           <a:bodyPr/>
           <a:lstStyle/>
           <a:p>
-            <a:endParaRPr lang="en-US" dirty="0"/>
+            <a:r>
+              <a:rPr lang="en-US" dirty="0"/>
+              <a:t>Before opening the black box, let's talk a bit about MCP</a:t>
+            </a:r>
           </a:p>
         </p:txBody>
       </p:sp>
@@ -1047,7 +1841,7 @@
           <a:p>
             <a:fld id="{63CB3EF4-88E8-4C44-ACD9-4A29BA467B38}" type="slidenum">
               <a:rPr lang="en-US" smtClean="0"/>
-              <a:t>7</a:t>
+              <a:t>6</a:t>
             </a:fld>
             <a:endParaRPr lang="en-US"/>
           </a:p>
@@ -1056,7 +1850,7 @@
     </p:spTree>
     <p:extLst>
       <p:ext uri="{BB962C8B-B14F-4D97-AF65-F5344CB8AC3E}">
-        <p14:creationId xmlns:p14="http://schemas.microsoft.com/office/powerpoint/2010/main" val="25354960"/>
+        <p14:creationId xmlns:p14="http://schemas.microsoft.com/office/powerpoint/2010/main" val="2330046989"/>
       </p:ext>
     </p:extLst>
   </p:cSld>
@@ -1110,64 +1904,6 @@
           <a:bodyPr/>
           <a:lstStyle/>
           <a:p>
-            <a:r>
-              <a:rPr lang="en-US" dirty="0"/>
-              <a:t>"Look, here's why this actually matters in your enterprise app. Without MCP, every time you want to connect AI to a database, or a CRM, or a file system, you're writing custom integration code. Custom auth, custom error handling, custom everything. And if you want to switch from Azure OpenAI to Claude? Good luck - you're rewriting everything.</a:t>
-            </a:r>
-          </a:p>
-          <a:p>
-            <a:r>
-              <a:rPr lang="en-US" dirty="0"/>
-              <a:t>MCP changes this. It's a standard protocol - think of it like REST for AI-to-tool communication. The MSSQL MCP Server we're using today? I could use it from a Python app tomorrow. Or a Node.js app. Or with Claude instead of Azure AI. Same server, zero code changes.</a:t>
-            </a:r>
-          </a:p>
-          <a:p>
-            <a:r>
-              <a:rPr lang="en-US" dirty="0"/>
-              <a:t>Security-wise, MCP gives you a proper boundary. The AI isn't executing arbitrary SQL - it's calling tools that the MCP server exposes. Want to prevent DELETE operations? Configure the MCP server. Want audit logs? They're built in.</a:t>
-            </a:r>
-          </a:p>
-          <a:p>
-            <a:r>
-              <a:rPr lang="en-US" dirty="0"/>
-              <a:t>Context wise: the AI tools need to know about the </a:t>
-            </a:r>
-            <a:r>
-              <a:rPr lang="en-US" dirty="0" err="1"/>
-              <a:t>db</a:t>
-            </a:r>
-            <a:r>
-              <a:rPr lang="en-US" dirty="0"/>
-              <a:t> schema, and you stuff that in the context </a:t>
-            </a:r>
-            <a:r>
-              <a:rPr lang="en-US" dirty="0" err="1"/>
-              <a:t>everytime</a:t>
-            </a:r>
-            <a:r>
-              <a:rPr lang="en-US" dirty="0"/>
-              <a:t>. Here the MCP Server provides tools that the AI can ask</a:t>
-            </a:r>
-          </a:p>
-          <a:p>
-            <a:r>
-              <a:rPr lang="en-US" dirty="0"/>
-              <a:t>Tool discovery: the MCP Server tells the AI what tools are available</a:t>
-            </a:r>
-          </a:p>
-          <a:p>
-            <a:r>
-              <a:rPr lang="en-US" dirty="0"/>
-              <a:t>And here's the business case: companies building AI apps right now are spending 80% of their time on integration plumbing and 20% on actual features. MCP flips that. You spend your time building features, not reinventing authentication and error handling.</a:t>
-            </a:r>
-          </a:p>
-          <a:p>
-            <a:r>
-              <a:rPr lang="en-US" dirty="0"/>
-              <a:t>This isn't academic. Microsoft is betting on this. They built the MSSQL MCP Server we're using. They're integrating MCP into VS Code, into Azure. This is becoming the standard, and if you're building enterprise AI apps, you want to be on the right side of that standard."</a:t>
-            </a:r>
-          </a:p>
-          <a:p>
             <a:endParaRPr lang="en-US" dirty="0"/>
           </a:p>
         </p:txBody>
@@ -1198,7 +1934,7 @@
     </p:spTree>
     <p:extLst>
       <p:ext uri="{BB962C8B-B14F-4D97-AF65-F5344CB8AC3E}">
-        <p14:creationId xmlns:p14="http://schemas.microsoft.com/office/powerpoint/2010/main" val="2610471502"/>
+        <p14:creationId xmlns:p14="http://schemas.microsoft.com/office/powerpoint/2010/main" val="25354960"/>
       </p:ext>
     </p:extLst>
   </p:cSld>
@@ -1209,6 +1945,372 @@
 </file>
 
 <file path=ppt/notesSlides/notesSlide5.xml><?xml version="1.0" encoding="utf-8"?>
+<p:notes xmlns:a="http://schemas.openxmlformats.org/drawingml/2006/main" xmlns:r="http://schemas.openxmlformats.org/officeDocument/2006/relationships" xmlns:p="http://schemas.openxmlformats.org/presentationml/2006/main">
+  <p:cSld>
+    <p:spTree>
+      <p:nvGrpSpPr>
+        <p:cNvPr id="1" name=""/>
+        <p:cNvGrpSpPr/>
+        <p:nvPr/>
+      </p:nvGrpSpPr>
+      <p:grpSpPr>
+        <a:xfrm>
+          <a:off x="0" y="0"/>
+          <a:ext cx="0" cy="0"/>
+          <a:chOff x="0" y="0"/>
+          <a:chExt cx="0" cy="0"/>
+        </a:xfrm>
+      </p:grpSpPr>
+      <p:sp>
+        <p:nvSpPr>
+          <p:cNvPr id="2" name="Slide Image Placeholder 1"/>
+          <p:cNvSpPr>
+            <a:spLocks noGrp="1" noRot="1" noChangeAspect="1"/>
+          </p:cNvSpPr>
+          <p:nvPr>
+            <p:ph type="sldImg"/>
+          </p:nvPr>
+        </p:nvSpPr>
+        <p:spPr/>
+      </p:sp>
+      <p:sp>
+        <p:nvSpPr>
+          <p:cNvPr id="3" name="Notes Placeholder 2"/>
+          <p:cNvSpPr>
+            <a:spLocks noGrp="1"/>
+          </p:cNvSpPr>
+          <p:nvPr>
+            <p:ph type="body" idx="1"/>
+          </p:nvPr>
+        </p:nvSpPr>
+        <p:spPr/>
+        <p:txBody>
+          <a:bodyPr/>
+          <a:lstStyle/>
+          <a:p>
+            <a:endParaRPr lang="en-US" dirty="0"/>
+          </a:p>
+        </p:txBody>
+      </p:sp>
+      <p:sp>
+        <p:nvSpPr>
+          <p:cNvPr id="4" name="Slide Number Placeholder 3"/>
+          <p:cNvSpPr>
+            <a:spLocks noGrp="1"/>
+          </p:cNvSpPr>
+          <p:nvPr>
+            <p:ph type="sldNum" sz="quarter" idx="5"/>
+          </p:nvPr>
+        </p:nvSpPr>
+        <p:spPr/>
+        <p:txBody>
+          <a:bodyPr/>
+          <a:lstStyle/>
+          <a:p>
+            <a:fld id="{63CB3EF4-88E8-4C44-ACD9-4A29BA467B38}" type="slidenum">
+              <a:rPr lang="en-US" smtClean="0"/>
+              <a:t>9</a:t>
+            </a:fld>
+            <a:endParaRPr lang="en-US"/>
+          </a:p>
+        </p:txBody>
+      </p:sp>
+    </p:spTree>
+    <p:extLst>
+      <p:ext uri="{BB962C8B-B14F-4D97-AF65-F5344CB8AC3E}">
+        <p14:creationId xmlns:p14="http://schemas.microsoft.com/office/powerpoint/2010/main" val="3938685079"/>
+      </p:ext>
+    </p:extLst>
+  </p:cSld>
+  <p:clrMapOvr>
+    <a:masterClrMapping/>
+  </p:clrMapOvr>
+</p:notes>
+</file>
+
+<file path=ppt/notesSlides/notesSlide6.xml><?xml version="1.0" encoding="utf-8"?>
+<p:notes xmlns:a="http://schemas.openxmlformats.org/drawingml/2006/main" xmlns:r="http://schemas.openxmlformats.org/officeDocument/2006/relationships" xmlns:p="http://schemas.openxmlformats.org/presentationml/2006/main">
+  <p:cSld>
+    <p:spTree>
+      <p:nvGrpSpPr>
+        <p:cNvPr id="1" name="">
+          <a:extLst>
+            <a:ext uri="{FF2B5EF4-FFF2-40B4-BE49-F238E27FC236}">
+              <a16:creationId xmlns:a16="http://schemas.microsoft.com/office/drawing/2014/main" id="{3D2A0827-972C-FC90-802B-28121C5DC704}"/>
+            </a:ext>
+          </a:extLst>
+        </p:cNvPr>
+        <p:cNvGrpSpPr/>
+        <p:nvPr/>
+      </p:nvGrpSpPr>
+      <p:grpSpPr>
+        <a:xfrm>
+          <a:off x="0" y="0"/>
+          <a:ext cx="0" cy="0"/>
+          <a:chOff x="0" y="0"/>
+          <a:chExt cx="0" cy="0"/>
+        </a:xfrm>
+      </p:grpSpPr>
+      <p:sp>
+        <p:nvSpPr>
+          <p:cNvPr id="2" name="Slide Image Placeholder 1">
+            <a:extLst>
+              <a:ext uri="{FF2B5EF4-FFF2-40B4-BE49-F238E27FC236}">
+                <a16:creationId xmlns:a16="http://schemas.microsoft.com/office/drawing/2014/main" id="{A7000FD7-A90B-02A4-11C3-C3C55C3AB83E}"/>
+              </a:ext>
+            </a:extLst>
+          </p:cNvPr>
+          <p:cNvSpPr>
+            <a:spLocks noGrp="1" noRot="1" noChangeAspect="1"/>
+          </p:cNvSpPr>
+          <p:nvPr>
+            <p:ph type="sldImg"/>
+          </p:nvPr>
+        </p:nvSpPr>
+        <p:spPr/>
+      </p:sp>
+      <p:sp>
+        <p:nvSpPr>
+          <p:cNvPr id="3" name="Notes Placeholder 2">
+            <a:extLst>
+              <a:ext uri="{FF2B5EF4-FFF2-40B4-BE49-F238E27FC236}">
+                <a16:creationId xmlns:a16="http://schemas.microsoft.com/office/drawing/2014/main" id="{D4A13D92-F105-A5FF-4AAC-6BB0A06F6A14}"/>
+              </a:ext>
+            </a:extLst>
+          </p:cNvPr>
+          <p:cNvSpPr>
+            <a:spLocks noGrp="1"/>
+          </p:cNvSpPr>
+          <p:nvPr>
+            <p:ph type="body" idx="1"/>
+          </p:nvPr>
+        </p:nvSpPr>
+        <p:spPr/>
+        <p:txBody>
+          <a:bodyPr/>
+          <a:lstStyle/>
+          <a:p>
+            <a:r>
+              <a:rPr lang="en-US" dirty="0"/>
+              <a:t>Before opening the black box, let's talk a bit about MCP</a:t>
+            </a:r>
+          </a:p>
+        </p:txBody>
+      </p:sp>
+      <p:sp>
+        <p:nvSpPr>
+          <p:cNvPr id="4" name="Slide Number Placeholder 3">
+            <a:extLst>
+              <a:ext uri="{FF2B5EF4-FFF2-40B4-BE49-F238E27FC236}">
+                <a16:creationId xmlns:a16="http://schemas.microsoft.com/office/drawing/2014/main" id="{55A47F9B-D22B-1EA0-32F7-5C042AB9B043}"/>
+              </a:ext>
+            </a:extLst>
+          </p:cNvPr>
+          <p:cNvSpPr>
+            <a:spLocks noGrp="1"/>
+          </p:cNvSpPr>
+          <p:nvPr>
+            <p:ph type="sldNum" sz="quarter" idx="5"/>
+          </p:nvPr>
+        </p:nvSpPr>
+        <p:spPr/>
+        <p:txBody>
+          <a:bodyPr/>
+          <a:lstStyle/>
+          <a:p>
+            <a:fld id="{63CB3EF4-88E8-4C44-ACD9-4A29BA467B38}" type="slidenum">
+              <a:rPr lang="en-US" smtClean="0"/>
+              <a:t>11</a:t>
+            </a:fld>
+            <a:endParaRPr lang="en-US"/>
+          </a:p>
+        </p:txBody>
+      </p:sp>
+    </p:spTree>
+    <p:extLst>
+      <p:ext uri="{BB962C8B-B14F-4D97-AF65-F5344CB8AC3E}">
+        <p14:creationId xmlns:p14="http://schemas.microsoft.com/office/powerpoint/2010/main" val="2429221700"/>
+      </p:ext>
+    </p:extLst>
+  </p:cSld>
+  <p:clrMapOvr>
+    <a:masterClrMapping/>
+  </p:clrMapOvr>
+</p:notes>
+</file>
+
+<file path=ppt/notesSlides/notesSlide7.xml><?xml version="1.0" encoding="utf-8"?>
+<p:notes xmlns:a="http://schemas.openxmlformats.org/drawingml/2006/main" xmlns:r="http://schemas.openxmlformats.org/officeDocument/2006/relationships" xmlns:p="http://schemas.openxmlformats.org/presentationml/2006/main">
+  <p:cSld>
+    <p:spTree>
+      <p:nvGrpSpPr>
+        <p:cNvPr id="1" name=""/>
+        <p:cNvGrpSpPr/>
+        <p:nvPr/>
+      </p:nvGrpSpPr>
+      <p:grpSpPr>
+        <a:xfrm>
+          <a:off x="0" y="0"/>
+          <a:ext cx="0" cy="0"/>
+          <a:chOff x="0" y="0"/>
+          <a:chExt cx="0" cy="0"/>
+        </a:xfrm>
+      </p:grpSpPr>
+      <p:sp>
+        <p:nvSpPr>
+          <p:cNvPr id="2" name="Slide Image Placeholder 1"/>
+          <p:cNvSpPr>
+            <a:spLocks noGrp="1" noRot="1" noChangeAspect="1"/>
+          </p:cNvSpPr>
+          <p:nvPr>
+            <p:ph type="sldImg"/>
+          </p:nvPr>
+        </p:nvSpPr>
+        <p:spPr/>
+      </p:sp>
+      <p:sp>
+        <p:nvSpPr>
+          <p:cNvPr id="3" name="Notes Placeholder 2"/>
+          <p:cNvSpPr>
+            <a:spLocks noGrp="1"/>
+          </p:cNvSpPr>
+          <p:nvPr>
+            <p:ph type="body" idx="1"/>
+          </p:nvPr>
+        </p:nvSpPr>
+        <p:spPr/>
+        <p:txBody>
+          <a:bodyPr/>
+          <a:lstStyle/>
+          <a:p>
+            <a:r>
+              <a:rPr lang="en-US" dirty="0"/>
+              <a:t>Enough slides, let's look at code</a:t>
+            </a:r>
+          </a:p>
+        </p:txBody>
+      </p:sp>
+      <p:sp>
+        <p:nvSpPr>
+          <p:cNvPr id="4" name="Slide Number Placeholder 3"/>
+          <p:cNvSpPr>
+            <a:spLocks noGrp="1"/>
+          </p:cNvSpPr>
+          <p:nvPr>
+            <p:ph type="sldNum" sz="quarter" idx="5"/>
+          </p:nvPr>
+        </p:nvSpPr>
+        <p:spPr/>
+        <p:txBody>
+          <a:bodyPr/>
+          <a:lstStyle/>
+          <a:p>
+            <a:fld id="{63CB3EF4-88E8-4C44-ACD9-4A29BA467B38}" type="slidenum">
+              <a:rPr lang="en-US" smtClean="0"/>
+              <a:t>12</a:t>
+            </a:fld>
+            <a:endParaRPr lang="en-US"/>
+          </a:p>
+        </p:txBody>
+      </p:sp>
+    </p:spTree>
+    <p:extLst>
+      <p:ext uri="{BB962C8B-B14F-4D97-AF65-F5344CB8AC3E}">
+        <p14:creationId xmlns:p14="http://schemas.microsoft.com/office/powerpoint/2010/main" val="2623830994"/>
+      </p:ext>
+    </p:extLst>
+  </p:cSld>
+  <p:clrMapOvr>
+    <a:masterClrMapping/>
+  </p:clrMapOvr>
+</p:notes>
+</file>
+
+<file path=ppt/notesSlides/notesSlide8.xml><?xml version="1.0" encoding="utf-8"?>
+<p:notes xmlns:a="http://schemas.openxmlformats.org/drawingml/2006/main" xmlns:r="http://schemas.openxmlformats.org/officeDocument/2006/relationships" xmlns:p="http://schemas.openxmlformats.org/presentationml/2006/main">
+  <p:cSld>
+    <p:spTree>
+      <p:nvGrpSpPr>
+        <p:cNvPr id="1" name=""/>
+        <p:cNvGrpSpPr/>
+        <p:nvPr/>
+      </p:nvGrpSpPr>
+      <p:grpSpPr>
+        <a:xfrm>
+          <a:off x="0" y="0"/>
+          <a:ext cx="0" cy="0"/>
+          <a:chOff x="0" y="0"/>
+          <a:chExt cx="0" cy="0"/>
+        </a:xfrm>
+      </p:grpSpPr>
+      <p:sp>
+        <p:nvSpPr>
+          <p:cNvPr id="2" name="Slide Image Placeholder 1"/>
+          <p:cNvSpPr>
+            <a:spLocks noGrp="1" noRot="1" noChangeAspect="1"/>
+          </p:cNvSpPr>
+          <p:nvPr>
+            <p:ph type="sldImg"/>
+          </p:nvPr>
+        </p:nvSpPr>
+        <p:spPr/>
+      </p:sp>
+      <p:sp>
+        <p:nvSpPr>
+          <p:cNvPr id="3" name="Notes Placeholder 2"/>
+          <p:cNvSpPr>
+            <a:spLocks noGrp="1"/>
+          </p:cNvSpPr>
+          <p:nvPr>
+            <p:ph type="body" idx="1"/>
+          </p:nvPr>
+        </p:nvSpPr>
+        <p:spPr/>
+        <p:txBody>
+          <a:bodyPr/>
+          <a:lstStyle/>
+          <a:p>
+            <a:endParaRPr lang="en-US" dirty="0"/>
+          </a:p>
+        </p:txBody>
+      </p:sp>
+      <p:sp>
+        <p:nvSpPr>
+          <p:cNvPr id="4" name="Slide Number Placeholder 3"/>
+          <p:cNvSpPr>
+            <a:spLocks noGrp="1"/>
+          </p:cNvSpPr>
+          <p:nvPr>
+            <p:ph type="sldNum" sz="quarter" idx="5"/>
+          </p:nvPr>
+        </p:nvSpPr>
+        <p:spPr/>
+        <p:txBody>
+          <a:bodyPr/>
+          <a:lstStyle/>
+          <a:p>
+            <a:fld id="{63CB3EF4-88E8-4C44-ACD9-4A29BA467B38}" type="slidenum">
+              <a:rPr lang="en-US" smtClean="0"/>
+              <a:t>14</a:t>
+            </a:fld>
+            <a:endParaRPr lang="en-US"/>
+          </a:p>
+        </p:txBody>
+      </p:sp>
+    </p:spTree>
+    <p:extLst>
+      <p:ext uri="{BB962C8B-B14F-4D97-AF65-F5344CB8AC3E}">
+        <p14:creationId xmlns:p14="http://schemas.microsoft.com/office/powerpoint/2010/main" val="3059632841"/>
+      </p:ext>
+    </p:extLst>
+  </p:cSld>
+  <p:clrMapOvr>
+    <a:masterClrMapping/>
+  </p:clrMapOvr>
+</p:notes>
+</file>
+
+<file path=ppt/notesSlides/notesSlide9.xml><?xml version="1.0" encoding="utf-8"?>
 <p:notes xmlns:a="http://schemas.openxmlformats.org/drawingml/2006/main" xmlns:r="http://schemas.openxmlformats.org/officeDocument/2006/relationships" xmlns:p="http://schemas.openxmlformats.org/presentationml/2006/main">
   <p:cSld>
     <p:spTree>
@@ -1320,7 +2422,7 @@
                 <a:tabLst/>
                 <a:defRPr/>
               </a:pPr>
-              <a:t>14</a:t>
+              <a:t>16</a:t>
             </a:fld>
             <a:endParaRPr kumimoji="0" lang="en-US" sz="1200" b="0" i="0" u="none" strike="noStrike" kern="1200" cap="none" spc="0" normalizeH="0" baseline="0" noProof="0">
               <a:ln>
@@ -1499,7 +2601,7 @@
           <a:p>
             <a:fld id="{2C846FF3-5801-4186-ADA5-4C3C17C77B4C}" type="datetimeFigureOut">
               <a:rPr lang="en-US" smtClean="0"/>
-              <a:t>2025-12-07</a:t>
+              <a:t>2025-12-09</a:t>
             </a:fld>
             <a:endParaRPr lang="en-US"/>
           </a:p>
@@ -1697,7 +2799,7 @@
           <a:p>
             <a:fld id="{2C846FF3-5801-4186-ADA5-4C3C17C77B4C}" type="datetimeFigureOut">
               <a:rPr lang="en-US" smtClean="0"/>
-              <a:t>2025-12-07</a:t>
+              <a:t>2025-12-09</a:t>
             </a:fld>
             <a:endParaRPr lang="en-US"/>
           </a:p>
@@ -1905,7 +3007,7 @@
           <a:p>
             <a:fld id="{2C846FF3-5801-4186-ADA5-4C3C17C77B4C}" type="datetimeFigureOut">
               <a:rPr lang="en-US" smtClean="0"/>
-              <a:t>2025-12-07</a:t>
+              <a:t>2025-12-09</a:t>
             </a:fld>
             <a:endParaRPr lang="en-US"/>
           </a:p>
@@ -2125,7 +3227,7 @@
           <a:p>
             <a:fld id="{35E7EF3B-1460-4EE6-BB1F-95D983DE5504}" type="datetimeFigureOut">
               <a:rPr lang="en-US" smtClean="0"/>
-              <a:t>2025-12-07</a:t>
+              <a:t>2025-12-09</a:t>
             </a:fld>
             <a:endParaRPr lang="en-US"/>
           </a:p>
@@ -2323,7 +3425,7 @@
           <a:p>
             <a:fld id="{35E7EF3B-1460-4EE6-BB1F-95D983DE5504}" type="datetimeFigureOut">
               <a:rPr lang="en-US" smtClean="0"/>
-              <a:t>2025-12-07</a:t>
+              <a:t>2025-12-09</a:t>
             </a:fld>
             <a:endParaRPr lang="en-US"/>
           </a:p>
@@ -2598,7 +3700,7 @@
           <a:p>
             <a:fld id="{35E7EF3B-1460-4EE6-BB1F-95D983DE5504}" type="datetimeFigureOut">
               <a:rPr lang="en-US" smtClean="0"/>
-              <a:t>2025-12-07</a:t>
+              <a:t>2025-12-09</a:t>
             </a:fld>
             <a:endParaRPr lang="en-US"/>
           </a:p>
@@ -2863,7 +3965,7 @@
           <a:p>
             <a:fld id="{35E7EF3B-1460-4EE6-BB1F-95D983DE5504}" type="datetimeFigureOut">
               <a:rPr lang="en-US" smtClean="0"/>
-              <a:t>2025-12-07</a:t>
+              <a:t>2025-12-09</a:t>
             </a:fld>
             <a:endParaRPr lang="en-US"/>
           </a:p>
@@ -3275,7 +4377,7 @@
           <a:p>
             <a:fld id="{35E7EF3B-1460-4EE6-BB1F-95D983DE5504}" type="datetimeFigureOut">
               <a:rPr lang="en-US" smtClean="0"/>
-              <a:t>2025-12-07</a:t>
+              <a:t>2025-12-09</a:t>
             </a:fld>
             <a:endParaRPr lang="en-US"/>
           </a:p>
@@ -3416,7 +4518,7 @@
           <a:p>
             <a:fld id="{35E7EF3B-1460-4EE6-BB1F-95D983DE5504}" type="datetimeFigureOut">
               <a:rPr lang="en-US" smtClean="0"/>
-              <a:t>2025-12-07</a:t>
+              <a:t>2025-12-09</a:t>
             </a:fld>
             <a:endParaRPr lang="en-US"/>
           </a:p>
@@ -3529,7 +4631,7 @@
           <a:p>
             <a:fld id="{35E7EF3B-1460-4EE6-BB1F-95D983DE5504}" type="datetimeFigureOut">
               <a:rPr lang="en-US" smtClean="0"/>
-              <a:t>2025-12-07</a:t>
+              <a:t>2025-12-09</a:t>
             </a:fld>
             <a:endParaRPr lang="en-US"/>
           </a:p>
@@ -3840,7 +4942,7 @@
           <a:p>
             <a:fld id="{35E7EF3B-1460-4EE6-BB1F-95D983DE5504}" type="datetimeFigureOut">
               <a:rPr lang="en-US" smtClean="0"/>
-              <a:t>2025-12-07</a:t>
+              <a:t>2025-12-09</a:t>
             </a:fld>
             <a:endParaRPr lang="en-US"/>
           </a:p>
@@ -4038,7 +5140,7 @@
           <a:p>
             <a:fld id="{2C846FF3-5801-4186-ADA5-4C3C17C77B4C}" type="datetimeFigureOut">
               <a:rPr lang="en-US" smtClean="0"/>
-              <a:t>2025-12-07</a:t>
+              <a:t>2025-12-09</a:t>
             </a:fld>
             <a:endParaRPr lang="en-US"/>
           </a:p>
@@ -4326,7 +5428,7 @@
           <a:p>
             <a:fld id="{35E7EF3B-1460-4EE6-BB1F-95D983DE5504}" type="datetimeFigureOut">
               <a:rPr lang="en-US" smtClean="0"/>
-              <a:t>2025-12-07</a:t>
+              <a:t>2025-12-09</a:t>
             </a:fld>
             <a:endParaRPr lang="en-US"/>
           </a:p>
@@ -4524,7 +5626,7 @@
           <a:p>
             <a:fld id="{35E7EF3B-1460-4EE6-BB1F-95D983DE5504}" type="datetimeFigureOut">
               <a:rPr lang="en-US" smtClean="0"/>
-              <a:t>2025-12-07</a:t>
+              <a:t>2025-12-09</a:t>
             </a:fld>
             <a:endParaRPr lang="en-US"/>
           </a:p>
@@ -4732,7 +5834,7 @@
           <a:p>
             <a:fld id="{35E7EF3B-1460-4EE6-BB1F-95D983DE5504}" type="datetimeFigureOut">
               <a:rPr lang="en-US" smtClean="0"/>
-              <a:t>2025-12-07</a:t>
+              <a:t>2025-12-09</a:t>
             </a:fld>
             <a:endParaRPr lang="en-US"/>
           </a:p>
@@ -5080,7 +6182,7 @@
           <a:p>
             <a:fld id="{2C846FF3-5801-4186-ADA5-4C3C17C77B4C}" type="datetimeFigureOut">
               <a:rPr lang="en-US" smtClean="0"/>
-              <a:t>2025-12-07</a:t>
+              <a:t>2025-12-09</a:t>
             </a:fld>
             <a:endParaRPr lang="en-US"/>
           </a:p>
@@ -5345,7 +6447,7 @@
           <a:p>
             <a:fld id="{2C846FF3-5801-4186-ADA5-4C3C17C77B4C}" type="datetimeFigureOut">
               <a:rPr lang="en-US" smtClean="0"/>
-              <a:t>2025-12-07</a:t>
+              <a:t>2025-12-09</a:t>
             </a:fld>
             <a:endParaRPr lang="en-US"/>
           </a:p>
@@ -5757,7 +6859,7 @@
           <a:p>
             <a:fld id="{2C846FF3-5801-4186-ADA5-4C3C17C77B4C}" type="datetimeFigureOut">
               <a:rPr lang="en-US" smtClean="0"/>
-              <a:t>2025-12-07</a:t>
+              <a:t>2025-12-09</a:t>
             </a:fld>
             <a:endParaRPr lang="en-US"/>
           </a:p>
@@ -5898,7 +7000,7 @@
           <a:p>
             <a:fld id="{2C846FF3-5801-4186-ADA5-4C3C17C77B4C}" type="datetimeFigureOut">
               <a:rPr lang="en-US" smtClean="0"/>
-              <a:t>2025-12-07</a:t>
+              <a:t>2025-12-09</a:t>
             </a:fld>
             <a:endParaRPr lang="en-US"/>
           </a:p>
@@ -6011,7 +7113,7 @@
           <a:p>
             <a:fld id="{2C846FF3-5801-4186-ADA5-4C3C17C77B4C}" type="datetimeFigureOut">
               <a:rPr lang="en-US" smtClean="0"/>
-              <a:t>2025-12-07</a:t>
+              <a:t>2025-12-09</a:t>
             </a:fld>
             <a:endParaRPr lang="en-US"/>
           </a:p>
@@ -6322,7 +7424,7 @@
           <a:p>
             <a:fld id="{2C846FF3-5801-4186-ADA5-4C3C17C77B4C}" type="datetimeFigureOut">
               <a:rPr lang="en-US" smtClean="0"/>
-              <a:t>2025-12-07</a:t>
+              <a:t>2025-12-09</a:t>
             </a:fld>
             <a:endParaRPr lang="en-US"/>
           </a:p>
@@ -6610,7 +7712,7 @@
           <a:p>
             <a:fld id="{2C846FF3-5801-4186-ADA5-4C3C17C77B4C}" type="datetimeFigureOut">
               <a:rPr lang="en-US" smtClean="0"/>
-              <a:t>2025-12-07</a:t>
+              <a:t>2025-12-09</a:t>
             </a:fld>
             <a:endParaRPr lang="en-US"/>
           </a:p>
@@ -6851,7 +7953,7 @@
           <a:p>
             <a:fld id="{2C846FF3-5801-4186-ADA5-4C3C17C77B4C}" type="datetimeFigureOut">
               <a:rPr lang="en-US" smtClean="0"/>
-              <a:t>2025-12-07</a:t>
+              <a:t>2025-12-09</a:t>
             </a:fld>
             <a:endParaRPr lang="en-US"/>
           </a:p>
@@ -7419,7 +8521,7 @@
           <a:p>
             <a:fld id="{35E7EF3B-1460-4EE6-BB1F-95D983DE5504}" type="datetimeFigureOut">
               <a:rPr lang="en-US" smtClean="0"/>
-              <a:t>2025-12-07</a:t>
+              <a:t>2025-12-09</a:t>
             </a:fld>
             <a:endParaRPr lang="en-US"/>
           </a:p>
@@ -8311,6 +9413,97 @@
 </file>
 
 <file path=ppt/slides/slide10.xml><?xml version="1.0" encoding="utf-8"?>
+<p:sld xmlns:a="http://schemas.openxmlformats.org/drawingml/2006/main" xmlns:r="http://schemas.openxmlformats.org/officeDocument/2006/relationships" xmlns:p="http://schemas.openxmlformats.org/presentationml/2006/main" show="0">
+  <p:cSld>
+    <p:spTree>
+      <p:nvGrpSpPr>
+        <p:cNvPr id="1" name=""/>
+        <p:cNvGrpSpPr/>
+        <p:nvPr/>
+      </p:nvGrpSpPr>
+      <p:grpSpPr>
+        <a:xfrm>
+          <a:off x="0" y="0"/>
+          <a:ext cx="0" cy="0"/>
+          <a:chOff x="0" y="0"/>
+          <a:chExt cx="0" cy="0"/>
+        </a:xfrm>
+      </p:grpSpPr>
+      <p:sp>
+        <p:nvSpPr>
+          <p:cNvPr id="7" name="Title 6">
+            <a:extLst>
+              <a:ext uri="{FF2B5EF4-FFF2-40B4-BE49-F238E27FC236}">
+                <a16:creationId xmlns:a16="http://schemas.microsoft.com/office/drawing/2014/main" id="{4306E063-265B-3AFD-CB9A-BE86B0F1042D}"/>
+              </a:ext>
+            </a:extLst>
+          </p:cNvPr>
+          <p:cNvSpPr>
+            <a:spLocks noGrp="1"/>
+          </p:cNvSpPr>
+          <p:nvPr>
+            <p:ph type="title"/>
+          </p:nvPr>
+        </p:nvSpPr>
+        <p:spPr/>
+        <p:txBody>
+          <a:bodyPr/>
+          <a:lstStyle/>
+          <a:p>
+            <a:endParaRPr lang="en-US"/>
+          </a:p>
+        </p:txBody>
+      </p:sp>
+      <p:pic>
+        <p:nvPicPr>
+          <p:cNvPr id="9" name="Picture 8" descr="A diagram of a flowchart&#10;&#10;AI-generated content may be incorrect.">
+            <a:extLst>
+              <a:ext uri="{FF2B5EF4-FFF2-40B4-BE49-F238E27FC236}">
+                <a16:creationId xmlns:a16="http://schemas.microsoft.com/office/drawing/2014/main" id="{1C5077C3-D9C2-DF5A-808F-88E4E0309E65}"/>
+              </a:ext>
+            </a:extLst>
+          </p:cNvPr>
+          <p:cNvPicPr>
+            <a:picLocks noChangeAspect="1"/>
+          </p:cNvPicPr>
+          <p:nvPr/>
+        </p:nvPicPr>
+        <p:blipFill>
+          <a:blip r:embed="rId2">
+            <a:extLst>
+              <a:ext uri="{28A0092B-C50C-407E-A947-70E740481C1C}">
+                <a14:useLocalDpi xmlns:a14="http://schemas.microsoft.com/office/drawing/2010/main" val="0"/>
+              </a:ext>
+            </a:extLst>
+          </a:blip>
+          <a:stretch>
+            <a:fillRect/>
+          </a:stretch>
+        </p:blipFill>
+        <p:spPr>
+          <a:xfrm>
+            <a:off x="494041" y="1802675"/>
+            <a:ext cx="11203917" cy="4533446"/>
+          </a:xfrm>
+          <a:prstGeom prst="rect">
+            <a:avLst/>
+          </a:prstGeom>
+        </p:spPr>
+      </p:pic>
+    </p:spTree>
+    <p:extLst>
+      <p:ext uri="{BB962C8B-B14F-4D97-AF65-F5344CB8AC3E}">
+        <p14:creationId xmlns:p14="http://schemas.microsoft.com/office/powerpoint/2010/main" val="1954068189"/>
+      </p:ext>
+    </p:extLst>
+  </p:cSld>
+  <p:clrMapOvr>
+    <a:masterClrMapping/>
+  </p:clrMapOvr>
+</p:sld>
+</file>
+
+<file path=ppt/slides/slide11.xml><?xml version="1.0" encoding="utf-8"?>
 <p:sld xmlns:a="http://schemas.openxmlformats.org/drawingml/2006/main" xmlns:r="http://schemas.openxmlformats.org/officeDocument/2006/relationships" xmlns:p="http://schemas.openxmlformats.org/presentationml/2006/main">
   <p:cSld>
     <p:spTree>
@@ -8318,7 +9511,7 @@
         <p:cNvPr id="1" name="">
           <a:extLst>
             <a:ext uri="{FF2B5EF4-FFF2-40B4-BE49-F238E27FC236}">
-              <a16:creationId xmlns:a16="http://schemas.microsoft.com/office/drawing/2014/main" id="{C388E8A5-BD65-7336-7770-6E8D27EE2117}"/>
+              <a16:creationId xmlns:a16="http://schemas.microsoft.com/office/drawing/2014/main" id="{928E33F9-69AE-1539-C53A-942A08552594}"/>
             </a:ext>
           </a:extLst>
         </p:cNvPr>
@@ -8335,10 +9528,10 @@
       </p:grpSpPr>
       <p:pic>
         <p:nvPicPr>
-          <p:cNvPr id="13" name="Picture 12" descr="A white background with blue waves&#10;&#10;AI-generated content may be incorrect.">
-            <a:extLst>
-              <a:ext uri="{FF2B5EF4-FFF2-40B4-BE49-F238E27FC236}">
-                <a16:creationId xmlns:a16="http://schemas.microsoft.com/office/drawing/2014/main" id="{42BE72AD-CAB0-8545-8CEB-E663801DA230}"/>
+          <p:cNvPr id="11" name="Picture 10" descr="A white background with blue waves&#10;&#10;AI-generated content may be incorrect.">
+            <a:extLst>
+              <a:ext uri="{FF2B5EF4-FFF2-40B4-BE49-F238E27FC236}">
+                <a16:creationId xmlns:a16="http://schemas.microsoft.com/office/drawing/2014/main" id="{058CED78-205C-E336-B1E6-DF2BEBF32D08}"/>
               </a:ext>
             </a:extLst>
           </p:cNvPr>
@@ -8348,7 +9541,7 @@
           <p:nvPr/>
         </p:nvPicPr>
         <p:blipFill>
-          <a:blip r:embed="rId2">
+          <a:blip r:embed="rId3">
             <a:extLst>
               <a:ext uri="{28A0092B-C50C-407E-A947-70E740481C1C}">
                 <a14:useLocalDpi xmlns:a14="http://schemas.microsoft.com/office/drawing/2010/main" val="0"/>
@@ -8361,7 +9554,7 @@
         </p:blipFill>
         <p:spPr>
           <a:xfrm>
-            <a:off x="0" y="4281"/>
+            <a:off x="0" y="0"/>
             <a:ext cx="12192000" cy="6849438"/>
           </a:xfrm>
           <a:prstGeom prst="rect">
@@ -8374,7 +9567,7 @@
           <p:cNvPr id="2" name="Title 1">
             <a:extLst>
               <a:ext uri="{FF2B5EF4-FFF2-40B4-BE49-F238E27FC236}">
-                <a16:creationId xmlns:a16="http://schemas.microsoft.com/office/drawing/2014/main" id="{D535998D-4277-DE5E-EABF-6DE51048015D}"/>
+                <a16:creationId xmlns:a16="http://schemas.microsoft.com/office/drawing/2014/main" id="{4C8753A7-39CE-7AA5-E00E-90F1A93A162E}"/>
               </a:ext>
             </a:extLst>
           </p:cNvPr>
@@ -8385,12 +9578,7 @@
             <p:ph type="title"/>
           </p:nvPr>
         </p:nvSpPr>
-        <p:spPr>
-          <a:xfrm>
-            <a:off x="839788" y="365125"/>
-            <a:ext cx="10869282" cy="1325563"/>
-          </a:xfrm>
-        </p:spPr>
+        <p:spPr/>
         <p:txBody>
           <a:bodyPr/>
           <a:lstStyle/>
@@ -8399,275 +9587,505 @@
               <a:rPr lang="en-US" dirty="0">
                 <a:latin typeface="Arial Rounded MT Bold" panose="020F0704030504030204" pitchFamily="34" charset="0"/>
               </a:rPr>
-              <a:t>Our Architecture Today</a:t>
-            </a:r>
-          </a:p>
-        </p:txBody>
-      </p:sp>
-      <p:sp>
-        <p:nvSpPr>
-          <p:cNvPr id="5" name="Rectangle: Rounded Corners 4">
-            <a:extLst>
-              <a:ext uri="{FF2B5EF4-FFF2-40B4-BE49-F238E27FC236}">
-                <a16:creationId xmlns:a16="http://schemas.microsoft.com/office/drawing/2014/main" id="{AC9B4D44-2D85-B13A-CE4D-5E7B47B70B46}"/>
-              </a:ext>
-            </a:extLst>
-          </p:cNvPr>
-          <p:cNvSpPr/>
-          <p:nvPr/>
+              <a:t>The Setup</a:t>
+            </a:r>
+          </a:p>
+        </p:txBody>
+      </p:sp>
+      <p:sp>
+        <p:nvSpPr>
+          <p:cNvPr id="6" name="Text Placeholder 5">
+            <a:extLst>
+              <a:ext uri="{FF2B5EF4-FFF2-40B4-BE49-F238E27FC236}">
+                <a16:creationId xmlns:a16="http://schemas.microsoft.com/office/drawing/2014/main" id="{46A3F14B-69C6-FCF7-5997-E4BDDCD19D5F}"/>
+              </a:ext>
+            </a:extLst>
+          </p:cNvPr>
+          <p:cNvSpPr>
+            <a:spLocks noGrp="1"/>
+          </p:cNvSpPr>
+          <p:nvPr>
+            <p:ph type="body" idx="1"/>
+          </p:nvPr>
         </p:nvSpPr>
         <p:spPr>
           <a:xfrm>
-            <a:off x="3906981" y="1702564"/>
-            <a:ext cx="3716977" cy="1325564"/>
+            <a:off x="865187" y="1809863"/>
+            <a:ext cx="4343400" cy="1037415"/>
           </a:xfrm>
-          <a:prstGeom prst="roundRect">
+          <a:ln>
+            <a:solidFill>
+              <a:schemeClr val="tx1"/>
+            </a:solidFill>
+          </a:ln>
+        </p:spPr>
+        <p:txBody>
+          <a:bodyPr anchor="ctr" anchorCtr="0">
+            <a:noAutofit/>
+          </a:bodyPr>
+          <a:lstStyle/>
+          <a:p>
+            <a:r>
+              <a:rPr lang="en-US" sz="2800" b="0" dirty="0">
+                <a:latin typeface="Arial Rounded MT Bold" panose="020F0704030504030204" pitchFamily="34" charset="0"/>
+              </a:rPr>
+              <a:t>Console App + Azure AI </a:t>
+            </a:r>
+          </a:p>
+          <a:p>
+            <a:r>
+              <a:rPr lang="en-US" sz="2800" b="0" dirty="0">
+                <a:latin typeface="Arial Rounded MT Bold" panose="020F0704030504030204" pitchFamily="34" charset="0"/>
+              </a:rPr>
+              <a:t>+ MCP Client</a:t>
+            </a:r>
+          </a:p>
+        </p:txBody>
+      </p:sp>
+      <p:sp>
+        <p:nvSpPr>
+          <p:cNvPr id="3" name="Text Placeholder 5">
+            <a:extLst>
+              <a:ext uri="{FF2B5EF4-FFF2-40B4-BE49-F238E27FC236}">
+                <a16:creationId xmlns:a16="http://schemas.microsoft.com/office/drawing/2014/main" id="{01E016BE-E415-EEE9-B658-1C0D4ECCE1D9}"/>
+              </a:ext>
+            </a:extLst>
+          </p:cNvPr>
+          <p:cNvSpPr txBox="1">
+            <a:spLocks/>
+          </p:cNvSpPr>
+          <p:nvPr/>
+        </p:nvSpPr>
+        <p:spPr>
+          <a:xfrm>
+            <a:off x="865186" y="3833655"/>
+            <a:ext cx="4343399" cy="1198883"/>
+          </a:xfrm>
+          <a:prstGeom prst="rect">
             <a:avLst/>
           </a:prstGeom>
-          <a:noFill/>
+          <a:ln>
+            <a:solidFill>
+              <a:schemeClr val="tx1"/>
+            </a:solidFill>
+          </a:ln>
         </p:spPr>
-        <p:style>
-          <a:lnRef idx="2">
-            <a:schemeClr val="accent1">
-              <a:shade val="15000"/>
-            </a:schemeClr>
-          </a:lnRef>
-          <a:fillRef idx="1">
-            <a:schemeClr val="accent1"/>
-          </a:fillRef>
-          <a:effectRef idx="0">
-            <a:schemeClr val="accent1"/>
-          </a:effectRef>
-          <a:fontRef idx="minor">
-            <a:schemeClr val="lt1"/>
-          </a:fontRef>
-        </p:style>
-        <p:txBody>
-          <a:bodyPr rtlCol="0" anchor="ctr"/>
-          <a:lstStyle/>
-          <a:p>
-            <a:r>
-              <a:rPr lang="en-US" dirty="0">
+        <p:txBody>
+          <a:bodyPr vert="horz" lIns="91440" tIns="45720" rIns="91440" bIns="45720" rtlCol="0" anchor="ctr" anchorCtr="0">
+            <a:noAutofit/>
+          </a:bodyPr>
+          <a:lstStyle>
+            <a:lvl1pPr marL="0" indent="0" algn="l" defTabSz="914400" rtl="0" eaLnBrk="1" latinLnBrk="0" hangingPunct="1">
+              <a:lnSpc>
+                <a:spcPct val="90000"/>
+              </a:lnSpc>
+              <a:spcBef>
+                <a:spcPts val="1000"/>
+              </a:spcBef>
+              <a:buFont typeface="Arial" panose="020B0604020202020204" pitchFamily="34" charset="0"/>
+              <a:buNone/>
+              <a:defRPr sz="2400" b="1" kern="1200">
                 <a:solidFill>
                   <a:schemeClr val="tx1"/>
                 </a:solidFill>
-                <a:latin typeface="Arial Rounded MT Bold" panose="020F0704030504030204" pitchFamily="34" charset="0"/>
-              </a:rPr>
-              <a:t>ASP.NET Core Web App</a:t>
-            </a:r>
-          </a:p>
-          <a:p>
-            <a:r>
-              <a:rPr lang="en-US" dirty="0">
+                <a:latin typeface="+mn-lt"/>
+                <a:ea typeface="+mn-ea"/>
+                <a:cs typeface="+mn-cs"/>
+              </a:defRPr>
+            </a:lvl1pPr>
+            <a:lvl2pPr marL="457200" indent="0" algn="l" defTabSz="914400" rtl="0" eaLnBrk="1" latinLnBrk="0" hangingPunct="1">
+              <a:lnSpc>
+                <a:spcPct val="90000"/>
+              </a:lnSpc>
+              <a:spcBef>
+                <a:spcPts val="500"/>
+              </a:spcBef>
+              <a:buFont typeface="Arial" panose="020B0604020202020204" pitchFamily="34" charset="0"/>
+              <a:buNone/>
+              <a:defRPr sz="2000" b="1" kern="1200">
                 <a:solidFill>
                   <a:schemeClr val="tx1"/>
                 </a:solidFill>
-                <a:latin typeface="Arial Rounded MT Bold" panose="020F0704030504030204" pitchFamily="34" charset="0"/>
-              </a:rPr>
-              <a:t>  |-- </a:t>
-            </a:r>
-            <a:r>
-              <a:rPr lang="en-US" sz="1600" dirty="0">
+                <a:latin typeface="+mn-lt"/>
+                <a:ea typeface="+mn-ea"/>
+                <a:cs typeface="+mn-cs"/>
+              </a:defRPr>
+            </a:lvl2pPr>
+            <a:lvl3pPr marL="914400" indent="0" algn="l" defTabSz="914400" rtl="0" eaLnBrk="1" latinLnBrk="0" hangingPunct="1">
+              <a:lnSpc>
+                <a:spcPct val="90000"/>
+              </a:lnSpc>
+              <a:spcBef>
+                <a:spcPts val="500"/>
+              </a:spcBef>
+              <a:buFont typeface="Arial" panose="020B0604020202020204" pitchFamily="34" charset="0"/>
+              <a:buNone/>
+              <a:defRPr sz="1800" b="1" kern="1200">
                 <a:solidFill>
                   <a:schemeClr val="tx1"/>
                 </a:solidFill>
-                <a:latin typeface="Arial Rounded MT Bold" panose="020F0704030504030204" pitchFamily="34" charset="0"/>
-              </a:rPr>
-              <a:t>UI (Chat)</a:t>
-            </a:r>
-          </a:p>
-          <a:p>
-            <a:r>
-              <a:rPr lang="en-US" dirty="0">
+                <a:latin typeface="+mn-lt"/>
+                <a:ea typeface="+mn-ea"/>
+                <a:cs typeface="+mn-cs"/>
+              </a:defRPr>
+            </a:lvl3pPr>
+            <a:lvl4pPr marL="1371600" indent="0" algn="l" defTabSz="914400" rtl="0" eaLnBrk="1" latinLnBrk="0" hangingPunct="1">
+              <a:lnSpc>
+                <a:spcPct val="90000"/>
+              </a:lnSpc>
+              <a:spcBef>
+                <a:spcPts val="500"/>
+              </a:spcBef>
+              <a:buFont typeface="Arial" panose="020B0604020202020204" pitchFamily="34" charset="0"/>
+              <a:buNone/>
+              <a:defRPr sz="1600" b="1" kern="1200">
                 <a:solidFill>
                   <a:schemeClr val="tx1"/>
                 </a:solidFill>
-                <a:latin typeface="Arial Rounded MT Bold" panose="020F0704030504030204" pitchFamily="34" charset="0"/>
-              </a:rPr>
-              <a:t>  |-- </a:t>
-            </a:r>
-            <a:r>
-              <a:rPr lang="en-US" sz="1600" dirty="0">
+                <a:latin typeface="+mn-lt"/>
+                <a:ea typeface="+mn-ea"/>
+                <a:cs typeface="+mn-cs"/>
+              </a:defRPr>
+            </a:lvl4pPr>
+            <a:lvl5pPr marL="1828800" indent="0" algn="l" defTabSz="914400" rtl="0" eaLnBrk="1" latinLnBrk="0" hangingPunct="1">
+              <a:lnSpc>
+                <a:spcPct val="90000"/>
+              </a:lnSpc>
+              <a:spcBef>
+                <a:spcPts val="500"/>
+              </a:spcBef>
+              <a:buFont typeface="Arial" panose="020B0604020202020204" pitchFamily="34" charset="0"/>
+              <a:buNone/>
+              <a:defRPr sz="1600" b="1" kern="1200">
                 <a:solidFill>
                   <a:schemeClr val="tx1"/>
                 </a:solidFill>
-                <a:latin typeface="Arial Rounded MT Bold" panose="020F0704030504030204" pitchFamily="34" charset="0"/>
-              </a:rPr>
-              <a:t>C# Backend</a:t>
-            </a:r>
-          </a:p>
-          <a:p>
-            <a:r>
-              <a:rPr lang="en-US" dirty="0">
+                <a:latin typeface="+mn-lt"/>
+                <a:ea typeface="+mn-ea"/>
+                <a:cs typeface="+mn-cs"/>
+              </a:defRPr>
+            </a:lvl5pPr>
+            <a:lvl6pPr marL="2286000" indent="0" algn="l" defTabSz="914400" rtl="0" eaLnBrk="1" latinLnBrk="0" hangingPunct="1">
+              <a:lnSpc>
+                <a:spcPct val="90000"/>
+              </a:lnSpc>
+              <a:spcBef>
+                <a:spcPts val="500"/>
+              </a:spcBef>
+              <a:buFont typeface="Arial" panose="020B0604020202020204" pitchFamily="34" charset="0"/>
+              <a:buNone/>
+              <a:defRPr sz="1600" b="1" kern="1200">
                 <a:solidFill>
                   <a:schemeClr val="tx1"/>
                 </a:solidFill>
-                <a:latin typeface="Arial Rounded MT Bold" panose="020F0704030504030204" pitchFamily="34" charset="0"/>
-              </a:rPr>
-              <a:t>  |-- </a:t>
-            </a:r>
-            <a:r>
-              <a:rPr lang="en-US" sz="1600" dirty="0">
+                <a:latin typeface="+mn-lt"/>
+                <a:ea typeface="+mn-ea"/>
+                <a:cs typeface="+mn-cs"/>
+              </a:defRPr>
+            </a:lvl6pPr>
+            <a:lvl7pPr marL="2743200" indent="0" algn="l" defTabSz="914400" rtl="0" eaLnBrk="1" latinLnBrk="0" hangingPunct="1">
+              <a:lnSpc>
+                <a:spcPct val="90000"/>
+              </a:lnSpc>
+              <a:spcBef>
+                <a:spcPts val="500"/>
+              </a:spcBef>
+              <a:buFont typeface="Arial" panose="020B0604020202020204" pitchFamily="34" charset="0"/>
+              <a:buNone/>
+              <a:defRPr sz="1600" b="1" kern="1200">
                 <a:solidFill>
                   <a:schemeClr val="tx1"/>
                 </a:solidFill>
-                <a:latin typeface="Arial Rounded MT Bold" panose="020F0704030504030204" pitchFamily="34" charset="0"/>
-              </a:rPr>
-              <a:t>Azure AI Integration</a:t>
-            </a:r>
-          </a:p>
-        </p:txBody>
-      </p:sp>
-      <p:sp>
-        <p:nvSpPr>
-          <p:cNvPr id="7" name="Rectangle: Rounded Corners 6">
-            <a:extLst>
-              <a:ext uri="{FF2B5EF4-FFF2-40B4-BE49-F238E27FC236}">
-                <a16:creationId xmlns:a16="http://schemas.microsoft.com/office/drawing/2014/main" id="{C29DC265-E4B4-7C3A-8554-A09D8035BA56}"/>
-              </a:ext>
-            </a:extLst>
-          </p:cNvPr>
-          <p:cNvSpPr/>
-          <p:nvPr/>
-        </p:nvSpPr>
-        <p:spPr>
-          <a:xfrm>
-            <a:off x="3906980" y="3746745"/>
-            <a:ext cx="3716977" cy="765879"/>
-          </a:xfrm>
-          <a:prstGeom prst="roundRect">
-            <a:avLst/>
-          </a:prstGeom>
-          <a:noFill/>
-        </p:spPr>
-        <p:style>
-          <a:lnRef idx="2">
-            <a:schemeClr val="accent1">
-              <a:shade val="15000"/>
-            </a:schemeClr>
-          </a:lnRef>
-          <a:fillRef idx="1">
-            <a:schemeClr val="accent1"/>
-          </a:fillRef>
-          <a:effectRef idx="0">
-            <a:schemeClr val="accent1"/>
-          </a:effectRef>
-          <a:fontRef idx="minor">
-            <a:schemeClr val="lt1"/>
-          </a:fontRef>
-        </p:style>
-        <p:txBody>
-          <a:bodyPr rtlCol="0" anchor="ctr"/>
-          <a:lstStyle/>
-          <a:p>
-            <a:pPr algn="ctr"/>
-            <a:r>
-              <a:rPr lang="en-US" dirty="0">
+                <a:latin typeface="+mn-lt"/>
+                <a:ea typeface="+mn-ea"/>
+                <a:cs typeface="+mn-cs"/>
+              </a:defRPr>
+            </a:lvl7pPr>
+            <a:lvl8pPr marL="3200400" indent="0" algn="l" defTabSz="914400" rtl="0" eaLnBrk="1" latinLnBrk="0" hangingPunct="1">
+              <a:lnSpc>
+                <a:spcPct val="90000"/>
+              </a:lnSpc>
+              <a:spcBef>
+                <a:spcPts val="500"/>
+              </a:spcBef>
+              <a:buFont typeface="Arial" panose="020B0604020202020204" pitchFamily="34" charset="0"/>
+              <a:buNone/>
+              <a:defRPr sz="1600" b="1" kern="1200">
                 <a:solidFill>
                   <a:schemeClr val="tx1"/>
                 </a:solidFill>
-                <a:latin typeface="Arial Rounded MT Bold" panose="020F0704030504030204" pitchFamily="34" charset="0"/>
-              </a:rPr>
-              <a:t>MSSQL MCP Server (Node.js)</a:t>
-            </a:r>
-          </a:p>
-        </p:txBody>
-      </p:sp>
-      <p:sp>
-        <p:nvSpPr>
-          <p:cNvPr id="8" name="Rectangle: Rounded Corners 7">
-            <a:extLst>
-              <a:ext uri="{FF2B5EF4-FFF2-40B4-BE49-F238E27FC236}">
-                <a16:creationId xmlns:a16="http://schemas.microsoft.com/office/drawing/2014/main" id="{4621B28D-C0E6-9999-8137-CE577A140E5E}"/>
-              </a:ext>
-            </a:extLst>
-          </p:cNvPr>
-          <p:cNvSpPr/>
-          <p:nvPr/>
-        </p:nvSpPr>
-        <p:spPr>
-          <a:xfrm>
-            <a:off x="3906980" y="5258162"/>
-            <a:ext cx="3716977" cy="871131"/>
-          </a:xfrm>
-          <a:prstGeom prst="roundRect">
-            <a:avLst/>
-          </a:prstGeom>
-          <a:noFill/>
-        </p:spPr>
-        <p:style>
-          <a:lnRef idx="2">
-            <a:schemeClr val="accent1">
-              <a:shade val="15000"/>
-            </a:schemeClr>
-          </a:lnRef>
-          <a:fillRef idx="1">
-            <a:schemeClr val="accent1"/>
-          </a:fillRef>
-          <a:effectRef idx="0">
-            <a:schemeClr val="accent1"/>
-          </a:effectRef>
-          <a:fontRef idx="minor">
-            <a:schemeClr val="lt1"/>
-          </a:fontRef>
-        </p:style>
-        <p:txBody>
-          <a:bodyPr rtlCol="0" anchor="ctr"/>
-          <a:lstStyle/>
-          <a:p>
-            <a:pPr algn="ctr"/>
-            <a:r>
-              <a:rPr lang="en-US" dirty="0">
+                <a:latin typeface="+mn-lt"/>
+                <a:ea typeface="+mn-ea"/>
+                <a:cs typeface="+mn-cs"/>
+              </a:defRPr>
+            </a:lvl8pPr>
+            <a:lvl9pPr marL="3657600" indent="0" algn="l" defTabSz="914400" rtl="0" eaLnBrk="1" latinLnBrk="0" hangingPunct="1">
+              <a:lnSpc>
+                <a:spcPct val="90000"/>
+              </a:lnSpc>
+              <a:spcBef>
+                <a:spcPts val="500"/>
+              </a:spcBef>
+              <a:buFont typeface="Arial" panose="020B0604020202020204" pitchFamily="34" charset="0"/>
+              <a:buNone/>
+              <a:defRPr sz="1600" b="1" kern="1200">
                 <a:solidFill>
                   <a:schemeClr val="tx1"/>
                 </a:solidFill>
+                <a:latin typeface="+mn-lt"/>
+                <a:ea typeface="+mn-ea"/>
+                <a:cs typeface="+mn-cs"/>
+              </a:defRPr>
+            </a:lvl9pPr>
+          </a:lstStyle>
+          <a:p>
+            <a:r>
+              <a:rPr lang="en-US" sz="2800" b="0" dirty="0">
                 <a:latin typeface="Arial Rounded MT Bold" panose="020F0704030504030204" pitchFamily="34" charset="0"/>
               </a:rPr>
-              <a:t>SQL Server Database</a:t>
-            </a:r>
-          </a:p>
-          <a:p>
-            <a:pPr algn="ctr"/>
-            <a:r>
-              <a:rPr lang="en-US" dirty="0">
+              <a:t>MS SQL MCP Server</a:t>
+            </a:r>
+          </a:p>
+          <a:p>
+            <a:r>
+              <a:rPr lang="en-US" sz="2000" b="0" dirty="0">
+                <a:latin typeface="Arial Rounded MT Bold" panose="020F0704030504030204" pitchFamily="34" charset="0"/>
+              </a:rPr>
+              <a:t>(Node.js)</a:t>
+            </a:r>
+          </a:p>
+        </p:txBody>
+      </p:sp>
+      <p:sp>
+        <p:nvSpPr>
+          <p:cNvPr id="4" name="Text Placeholder 5">
+            <a:extLst>
+              <a:ext uri="{FF2B5EF4-FFF2-40B4-BE49-F238E27FC236}">
+                <a16:creationId xmlns:a16="http://schemas.microsoft.com/office/drawing/2014/main" id="{0423445F-FCDD-EC53-CDAA-0C46BEA1AA87}"/>
+              </a:ext>
+            </a:extLst>
+          </p:cNvPr>
+          <p:cNvSpPr txBox="1">
+            <a:spLocks/>
+          </p:cNvSpPr>
+          <p:nvPr/>
+        </p:nvSpPr>
+        <p:spPr>
+          <a:xfrm>
+            <a:off x="839788" y="5668963"/>
+            <a:ext cx="4343399" cy="823912"/>
+          </a:xfrm>
+          <a:prstGeom prst="rect">
+            <a:avLst/>
+          </a:prstGeom>
+          <a:ln>
+            <a:solidFill>
+              <a:schemeClr val="tx1"/>
+            </a:solidFill>
+          </a:ln>
+        </p:spPr>
+        <p:txBody>
+          <a:bodyPr vert="horz" lIns="91440" tIns="45720" rIns="91440" bIns="45720" rtlCol="0" anchor="ctr" anchorCtr="0">
+            <a:noAutofit/>
+          </a:bodyPr>
+          <a:lstStyle>
+            <a:lvl1pPr marL="0" indent="0" algn="l" defTabSz="914400" rtl="0" eaLnBrk="1" latinLnBrk="0" hangingPunct="1">
+              <a:lnSpc>
+                <a:spcPct val="90000"/>
+              </a:lnSpc>
+              <a:spcBef>
+                <a:spcPts val="1000"/>
+              </a:spcBef>
+              <a:buFont typeface="Arial" panose="020B0604020202020204" pitchFamily="34" charset="0"/>
+              <a:buNone/>
+              <a:defRPr sz="2400" b="1" kern="1200">
                 <a:solidFill>
                   <a:schemeClr val="tx1"/>
                 </a:solidFill>
+                <a:latin typeface="+mn-lt"/>
+                <a:ea typeface="+mn-ea"/>
+                <a:cs typeface="+mn-cs"/>
+              </a:defRPr>
+            </a:lvl1pPr>
+            <a:lvl2pPr marL="457200" indent="0" algn="l" defTabSz="914400" rtl="0" eaLnBrk="1" latinLnBrk="0" hangingPunct="1">
+              <a:lnSpc>
+                <a:spcPct val="90000"/>
+              </a:lnSpc>
+              <a:spcBef>
+                <a:spcPts val="500"/>
+              </a:spcBef>
+              <a:buFont typeface="Arial" panose="020B0604020202020204" pitchFamily="34" charset="0"/>
+              <a:buNone/>
+              <a:defRPr sz="2000" b="1" kern="1200">
+                <a:solidFill>
+                  <a:schemeClr val="tx1"/>
+                </a:solidFill>
+                <a:latin typeface="+mn-lt"/>
+                <a:ea typeface="+mn-ea"/>
+                <a:cs typeface="+mn-cs"/>
+              </a:defRPr>
+            </a:lvl2pPr>
+            <a:lvl3pPr marL="914400" indent="0" algn="l" defTabSz="914400" rtl="0" eaLnBrk="1" latinLnBrk="0" hangingPunct="1">
+              <a:lnSpc>
+                <a:spcPct val="90000"/>
+              </a:lnSpc>
+              <a:spcBef>
+                <a:spcPts val="500"/>
+              </a:spcBef>
+              <a:buFont typeface="Arial" panose="020B0604020202020204" pitchFamily="34" charset="0"/>
+              <a:buNone/>
+              <a:defRPr sz="1800" b="1" kern="1200">
+                <a:solidFill>
+                  <a:schemeClr val="tx1"/>
+                </a:solidFill>
+                <a:latin typeface="+mn-lt"/>
+                <a:ea typeface="+mn-ea"/>
+                <a:cs typeface="+mn-cs"/>
+              </a:defRPr>
+            </a:lvl3pPr>
+            <a:lvl4pPr marL="1371600" indent="0" algn="l" defTabSz="914400" rtl="0" eaLnBrk="1" latinLnBrk="0" hangingPunct="1">
+              <a:lnSpc>
+                <a:spcPct val="90000"/>
+              </a:lnSpc>
+              <a:spcBef>
+                <a:spcPts val="500"/>
+              </a:spcBef>
+              <a:buFont typeface="Arial" panose="020B0604020202020204" pitchFamily="34" charset="0"/>
+              <a:buNone/>
+              <a:defRPr sz="1600" b="1" kern="1200">
+                <a:solidFill>
+                  <a:schemeClr val="tx1"/>
+                </a:solidFill>
+                <a:latin typeface="+mn-lt"/>
+                <a:ea typeface="+mn-ea"/>
+                <a:cs typeface="+mn-cs"/>
+              </a:defRPr>
+            </a:lvl4pPr>
+            <a:lvl5pPr marL="1828800" indent="0" algn="l" defTabSz="914400" rtl="0" eaLnBrk="1" latinLnBrk="0" hangingPunct="1">
+              <a:lnSpc>
+                <a:spcPct val="90000"/>
+              </a:lnSpc>
+              <a:spcBef>
+                <a:spcPts val="500"/>
+              </a:spcBef>
+              <a:buFont typeface="Arial" panose="020B0604020202020204" pitchFamily="34" charset="0"/>
+              <a:buNone/>
+              <a:defRPr sz="1600" b="1" kern="1200">
+                <a:solidFill>
+                  <a:schemeClr val="tx1"/>
+                </a:solidFill>
+                <a:latin typeface="+mn-lt"/>
+                <a:ea typeface="+mn-ea"/>
+                <a:cs typeface="+mn-cs"/>
+              </a:defRPr>
+            </a:lvl5pPr>
+            <a:lvl6pPr marL="2286000" indent="0" algn="l" defTabSz="914400" rtl="0" eaLnBrk="1" latinLnBrk="0" hangingPunct="1">
+              <a:lnSpc>
+                <a:spcPct val="90000"/>
+              </a:lnSpc>
+              <a:spcBef>
+                <a:spcPts val="500"/>
+              </a:spcBef>
+              <a:buFont typeface="Arial" panose="020B0604020202020204" pitchFamily="34" charset="0"/>
+              <a:buNone/>
+              <a:defRPr sz="1600" b="1" kern="1200">
+                <a:solidFill>
+                  <a:schemeClr val="tx1"/>
+                </a:solidFill>
+                <a:latin typeface="+mn-lt"/>
+                <a:ea typeface="+mn-ea"/>
+                <a:cs typeface="+mn-cs"/>
+              </a:defRPr>
+            </a:lvl6pPr>
+            <a:lvl7pPr marL="2743200" indent="0" algn="l" defTabSz="914400" rtl="0" eaLnBrk="1" latinLnBrk="0" hangingPunct="1">
+              <a:lnSpc>
+                <a:spcPct val="90000"/>
+              </a:lnSpc>
+              <a:spcBef>
+                <a:spcPts val="500"/>
+              </a:spcBef>
+              <a:buFont typeface="Arial" panose="020B0604020202020204" pitchFamily="34" charset="0"/>
+              <a:buNone/>
+              <a:defRPr sz="1600" b="1" kern="1200">
+                <a:solidFill>
+                  <a:schemeClr val="tx1"/>
+                </a:solidFill>
+                <a:latin typeface="+mn-lt"/>
+                <a:ea typeface="+mn-ea"/>
+                <a:cs typeface="+mn-cs"/>
+              </a:defRPr>
+            </a:lvl7pPr>
+            <a:lvl8pPr marL="3200400" indent="0" algn="l" defTabSz="914400" rtl="0" eaLnBrk="1" latinLnBrk="0" hangingPunct="1">
+              <a:lnSpc>
+                <a:spcPct val="90000"/>
+              </a:lnSpc>
+              <a:spcBef>
+                <a:spcPts val="500"/>
+              </a:spcBef>
+              <a:buFont typeface="Arial" panose="020B0604020202020204" pitchFamily="34" charset="0"/>
+              <a:buNone/>
+              <a:defRPr sz="1600" b="1" kern="1200">
+                <a:solidFill>
+                  <a:schemeClr val="tx1"/>
+                </a:solidFill>
+                <a:latin typeface="+mn-lt"/>
+                <a:ea typeface="+mn-ea"/>
+                <a:cs typeface="+mn-cs"/>
+              </a:defRPr>
+            </a:lvl8pPr>
+            <a:lvl9pPr marL="3657600" indent="0" algn="l" defTabSz="914400" rtl="0" eaLnBrk="1" latinLnBrk="0" hangingPunct="1">
+              <a:lnSpc>
+                <a:spcPct val="90000"/>
+              </a:lnSpc>
+              <a:spcBef>
+                <a:spcPts val="500"/>
+              </a:spcBef>
+              <a:buFont typeface="Arial" panose="020B0604020202020204" pitchFamily="34" charset="0"/>
+              <a:buNone/>
+              <a:defRPr sz="1600" b="1" kern="1200">
+                <a:solidFill>
+                  <a:schemeClr val="tx1"/>
+                </a:solidFill>
+                <a:latin typeface="+mn-lt"/>
+                <a:ea typeface="+mn-ea"/>
+                <a:cs typeface="+mn-cs"/>
+              </a:defRPr>
+            </a:lvl9pPr>
+          </a:lstStyle>
+          <a:p>
+            <a:r>
+              <a:rPr lang="en-US" sz="2800" b="0" dirty="0">
                 <a:latin typeface="Arial Rounded MT Bold" panose="020F0704030504030204" pitchFamily="34" charset="0"/>
               </a:rPr>
-              <a:t>(Event Management Schema</a:t>
+              <a:t>SQL Server</a:t>
             </a:r>
           </a:p>
         </p:txBody>
       </p:sp>
       <p:cxnSp>
         <p:nvCxnSpPr>
-          <p:cNvPr id="10" name="Straight Arrow Connector 9">
-            <a:extLst>
-              <a:ext uri="{FF2B5EF4-FFF2-40B4-BE49-F238E27FC236}">
-                <a16:creationId xmlns:a16="http://schemas.microsoft.com/office/drawing/2014/main" id="{99FC591E-6F09-C5CA-59AD-530D032DD6A8}"/>
-              </a:ext>
-            </a:extLst>
-          </p:cNvPr>
-          <p:cNvCxnSpPr>
-            <a:stCxn id="5" idx="2"/>
-            <a:endCxn id="7" idx="0"/>
-          </p:cNvCxnSpPr>
+          <p:cNvPr id="9" name="Straight Arrow Connector 8">
+            <a:extLst>
+              <a:ext uri="{FF2B5EF4-FFF2-40B4-BE49-F238E27FC236}">
+                <a16:creationId xmlns:a16="http://schemas.microsoft.com/office/drawing/2014/main" id="{B324288C-8F15-CF7F-1B17-EF37AE903830}"/>
+              </a:ext>
+            </a:extLst>
+          </p:cNvPr>
+          <p:cNvCxnSpPr/>
           <p:nvPr/>
         </p:nvCxnSpPr>
         <p:spPr>
-          <a:xfrm flipH="1">
-            <a:off x="5765469" y="3028128"/>
-            <a:ext cx="1" cy="718617"/>
+          <a:xfrm>
+            <a:off x="2878974" y="2988122"/>
+            <a:ext cx="0" cy="561703"/>
           </a:xfrm>
           <a:prstGeom prst="straightConnector1">
             <a:avLst/>
           </a:prstGeom>
-          <a:ln w="38100">
+          <a:ln w="50800">
             <a:solidFill>
               <a:schemeClr val="tx1"/>
             </a:solidFill>
-            <a:prstDash val="dash"/>
             <a:tailEnd type="triangle"/>
           </a:ln>
         </p:spPr>
@@ -8688,10 +10106,10 @@
       </p:cxnSp>
       <p:cxnSp>
         <p:nvCxnSpPr>
-          <p:cNvPr id="11" name="Straight Arrow Connector 10">
-            <a:extLst>
-              <a:ext uri="{FF2B5EF4-FFF2-40B4-BE49-F238E27FC236}">
-                <a16:creationId xmlns:a16="http://schemas.microsoft.com/office/drawing/2014/main" id="{BB15B4B5-0784-70AC-E43D-3C46EF6FDBB1}"/>
+          <p:cNvPr id="10" name="Straight Arrow Connector 9">
+            <a:extLst>
+              <a:ext uri="{FF2B5EF4-FFF2-40B4-BE49-F238E27FC236}">
+                <a16:creationId xmlns:a16="http://schemas.microsoft.com/office/drawing/2014/main" id="{FD61D2F6-762F-C2F5-4291-88432CAFAB82}"/>
               </a:ext>
             </a:extLst>
           </p:cNvPr>
@@ -8699,18 +10117,17 @@
           <p:nvPr/>
         </p:nvCxnSpPr>
         <p:spPr>
-          <a:xfrm flipH="1">
-            <a:off x="5765467" y="4512624"/>
-            <a:ext cx="1" cy="718617"/>
+          <a:xfrm>
+            <a:off x="2878974" y="5032538"/>
+            <a:ext cx="0" cy="561703"/>
           </a:xfrm>
           <a:prstGeom prst="straightConnector1">
             <a:avLst/>
           </a:prstGeom>
-          <a:ln w="38100">
+          <a:ln w="50800">
             <a:solidFill>
               <a:schemeClr val="tx1"/>
             </a:solidFill>
-            <a:prstDash val="dash"/>
             <a:tailEnd type="triangle"/>
           </a:ln>
         </p:spPr>
@@ -8729,10 +10146,121 @@
           </a:fontRef>
         </p:style>
       </p:cxnSp>
+      <p:sp>
+        <p:nvSpPr>
+          <p:cNvPr id="8" name="TextBox 7">
+            <a:extLst>
+              <a:ext uri="{FF2B5EF4-FFF2-40B4-BE49-F238E27FC236}">
+                <a16:creationId xmlns:a16="http://schemas.microsoft.com/office/drawing/2014/main" id="{A7FB5F14-2CDD-7EEF-2C9C-F05493F30813}"/>
+              </a:ext>
+            </a:extLst>
+          </p:cNvPr>
+          <p:cNvSpPr txBox="1"/>
+          <p:nvPr/>
+        </p:nvSpPr>
+        <p:spPr>
+          <a:xfrm>
+            <a:off x="5347856" y="2086794"/>
+            <a:ext cx="4115037" cy="523220"/>
+          </a:xfrm>
+          <a:prstGeom prst="rect">
+            <a:avLst/>
+          </a:prstGeom>
+          <a:noFill/>
+        </p:spPr>
+        <p:txBody>
+          <a:bodyPr wrap="none" rtlCol="0">
+            <a:spAutoFit/>
+          </a:bodyPr>
+          <a:lstStyle/>
+          <a:p>
+            <a:r>
+              <a:rPr lang="en-US" sz="2800" dirty="0">
+                <a:latin typeface="Arial Rounded MT Bold" panose="020F0704030504030204" pitchFamily="34" charset="0"/>
+              </a:rPr>
+              <a:t>&lt;- We'll instrument this</a:t>
+            </a:r>
+          </a:p>
+        </p:txBody>
+      </p:sp>
+      <p:sp>
+        <p:nvSpPr>
+          <p:cNvPr id="14" name="TextBox 13">
+            <a:extLst>
+              <a:ext uri="{FF2B5EF4-FFF2-40B4-BE49-F238E27FC236}">
+                <a16:creationId xmlns:a16="http://schemas.microsoft.com/office/drawing/2014/main" id="{832FF4DE-8356-9319-2032-636485438A14}"/>
+              </a:ext>
+            </a:extLst>
+          </p:cNvPr>
+          <p:cNvSpPr txBox="1"/>
+          <p:nvPr/>
+        </p:nvSpPr>
+        <p:spPr>
+          <a:xfrm>
+            <a:off x="5347856" y="4115264"/>
+            <a:ext cx="3816558" cy="523220"/>
+          </a:xfrm>
+          <a:prstGeom prst="rect">
+            <a:avLst/>
+          </a:prstGeom>
+          <a:noFill/>
+        </p:spPr>
+        <p:txBody>
+          <a:bodyPr wrap="none" rtlCol="0">
+            <a:spAutoFit/>
+          </a:bodyPr>
+          <a:lstStyle/>
+          <a:p>
+            <a:r>
+              <a:rPr lang="en-US" sz="2800" dirty="0">
+                <a:latin typeface="Arial Rounded MT Bold" panose="020F0704030504030204" pitchFamily="34" charset="0"/>
+              </a:rPr>
+              <a:t>&lt;- We'll intercept this</a:t>
+            </a:r>
+          </a:p>
+        </p:txBody>
+      </p:sp>
+      <p:sp>
+        <p:nvSpPr>
+          <p:cNvPr id="15" name="TextBox 14">
+            <a:extLst>
+              <a:ext uri="{FF2B5EF4-FFF2-40B4-BE49-F238E27FC236}">
+                <a16:creationId xmlns:a16="http://schemas.microsoft.com/office/drawing/2014/main" id="{64070203-5CE9-BC13-67B6-20D2418FCEA8}"/>
+              </a:ext>
+            </a:extLst>
+          </p:cNvPr>
+          <p:cNvSpPr txBox="1"/>
+          <p:nvPr/>
+        </p:nvSpPr>
+        <p:spPr>
+          <a:xfrm>
+            <a:off x="5347856" y="5819309"/>
+            <a:ext cx="3280642" cy="523220"/>
+          </a:xfrm>
+          <a:prstGeom prst="rect">
+            <a:avLst/>
+          </a:prstGeom>
+          <a:noFill/>
+        </p:spPr>
+        <p:txBody>
+          <a:bodyPr wrap="none" rtlCol="0">
+            <a:spAutoFit/>
+          </a:bodyPr>
+          <a:lstStyle/>
+          <a:p>
+            <a:r>
+              <a:rPr lang="en-US" sz="2800" dirty="0">
+                <a:latin typeface="Arial Rounded MT Bold" panose="020F0704030504030204" pitchFamily="34" charset="0"/>
+              </a:rPr>
+              <a:t>&lt;- We'll watch this</a:t>
+            </a:r>
+          </a:p>
+        </p:txBody>
+      </p:sp>
     </p:spTree>
     <p:extLst>
       <p:ext uri="{BB962C8B-B14F-4D97-AF65-F5344CB8AC3E}">
-        <p14:creationId xmlns:p14="http://schemas.microsoft.com/office/powerpoint/2010/main" val="2328144897"/>
+        <p14:creationId xmlns:p14="http://schemas.microsoft.com/office/powerpoint/2010/main" val="3571688598"/>
       </p:ext>
     </p:extLst>
   </p:cSld>
@@ -8742,7 +10270,7 @@
 </p:sld>
 </file>
 
-<file path=ppt/slides/slide11.xml><?xml version="1.0" encoding="utf-8"?>
+<file path=ppt/slides/slide12.xml><?xml version="1.0" encoding="utf-8"?>
 <p:sld xmlns:a="http://schemas.openxmlformats.org/drawingml/2006/main" xmlns:r="http://schemas.openxmlformats.org/officeDocument/2006/relationships" xmlns:p="http://schemas.openxmlformats.org/presentationml/2006/main">
   <p:cSld>
     <p:spTree>
@@ -8774,7 +10302,7 @@
           <p:nvPr/>
         </p:nvPicPr>
         <p:blipFill>
-          <a:blip r:embed="rId2">
+          <a:blip r:embed="rId3">
             <a:extLst>
               <a:ext uri="{28A0092B-C50C-407E-A947-70E740481C1C}">
                 <a14:useLocalDpi xmlns:a14="http://schemas.microsoft.com/office/drawing/2010/main" val="0"/>
@@ -8820,7 +10348,7 @@
               <a:rPr lang="en-US" dirty="0">
                 <a:latin typeface="Arial Rounded MT Bold" panose="020F0704030504030204" pitchFamily="34" charset="0"/>
               </a:rPr>
-              <a:t>Demo Roadmap: Our Coding Path</a:t>
+              <a:t>Demo Roadmap</a:t>
             </a:r>
           </a:p>
         </p:txBody>
@@ -8850,7 +10378,7 @@
               <a:rPr lang="en-US" dirty="0">
                 <a:latin typeface="Arial Rounded MT Bold" panose="020F0704030504030204" pitchFamily="34" charset="0"/>
               </a:rPr>
-              <a:t>Setting up the solution &amp; MCP connection</a:t>
+              <a:t>Implementing an MCP Client in your code</a:t>
             </a:r>
           </a:p>
           <a:p>
@@ -8858,7 +10386,7 @@
               <a:rPr lang="en-US" dirty="0">
                 <a:latin typeface="Arial Rounded MT Bold" panose="020F0704030504030204" pitchFamily="34" charset="0"/>
               </a:rPr>
-              <a:t>Building the chat interface</a:t>
+              <a:t>Connection &amp; Discovery of MCP Server</a:t>
             </a:r>
           </a:p>
           <a:p>
@@ -8866,7 +10394,7 @@
               <a:rPr lang="en-US" dirty="0">
                 <a:latin typeface="Arial Rounded MT Bold" panose="020F0704030504030204" pitchFamily="34" charset="0"/>
               </a:rPr>
-              <a:t>Schema creation through conversation</a:t>
+              <a:t>AI Orchestration</a:t>
             </a:r>
           </a:p>
           <a:p>
@@ -8874,7 +10402,7 @@
               <a:rPr lang="en-US" dirty="0">
                 <a:latin typeface="Arial Rounded MT Bold" panose="020F0704030504030204" pitchFamily="34" charset="0"/>
               </a:rPr>
-              <a:t>Adding speakers and sessions</a:t>
+              <a:t>Tool Invocation</a:t>
             </a:r>
           </a:p>
           <a:p>
@@ -8882,18 +10410,13 @@
               <a:rPr lang="en-US" dirty="0">
                 <a:latin typeface="Arial Rounded MT Bold" panose="020F0704030504030204" pitchFamily="34" charset="0"/>
               </a:rPr>
-              <a:t>Handling registration logic</a:t>
-            </a:r>
-          </a:p>
-          <a:p>
-            <a:r>
-              <a:rPr lang="en-US" dirty="0">
-                <a:latin typeface="Arial Rounded MT Bold" panose="020F0704030504030204" pitchFamily="34" charset="0"/>
-              </a:rPr>
-              <a:t>Generating reports</a:t>
-            </a:r>
-          </a:p>
-          <a:p>
+              <a:t>Multi-Step Workflows</a:t>
+            </a:r>
+          </a:p>
+          <a:p>
+            <a:pPr marL="0" indent="0">
+              <a:buNone/>
+            </a:pPr>
             <a:endParaRPr lang="en-US" dirty="0">
               <a:latin typeface="Arial Rounded MT Bold" panose="020F0704030504030204" pitchFamily="34" charset="0"/>
             </a:endParaRPr>
@@ -8913,18 +10436,12 @@
 </p:sld>
 </file>
 
-<file path=ppt/slides/slide12.xml><?xml version="1.0" encoding="utf-8"?>
+<file path=ppt/slides/slide13.xml><?xml version="1.0" encoding="utf-8"?>
 <p:sld xmlns:a="http://schemas.openxmlformats.org/drawingml/2006/main" xmlns:r="http://schemas.openxmlformats.org/officeDocument/2006/relationships" xmlns:p="http://schemas.openxmlformats.org/presentationml/2006/main">
   <p:cSld>
     <p:spTree>
       <p:nvGrpSpPr>
-        <p:cNvPr id="1" name="">
-          <a:extLst>
-            <a:ext uri="{FF2B5EF4-FFF2-40B4-BE49-F238E27FC236}">
-              <a16:creationId xmlns:a16="http://schemas.microsoft.com/office/drawing/2014/main" id="{A0BA4E7B-A0A7-00F8-2905-EC855AD5F287}"/>
-            </a:ext>
-          </a:extLst>
-        </p:cNvPr>
+        <p:cNvPr id="1" name=""/>
         <p:cNvGrpSpPr/>
         <p:nvPr/>
       </p:nvGrpSpPr>
@@ -8938,10 +10455,10 @@
       </p:grpSpPr>
       <p:pic>
         <p:nvPicPr>
-          <p:cNvPr id="10" name="Picture 9" descr="A white background with blue waves&#10;&#10;AI-generated content may be incorrect.">
-            <a:extLst>
-              <a:ext uri="{FF2B5EF4-FFF2-40B4-BE49-F238E27FC236}">
-                <a16:creationId xmlns:a16="http://schemas.microsoft.com/office/drawing/2014/main" id="{E2A16ECC-BE87-7958-27B4-4CD21F739DC9}"/>
+          <p:cNvPr id="5" name="Picture 4" descr="A white background with blue waves&#10;&#10;AI-generated content may be incorrect.">
+            <a:extLst>
+              <a:ext uri="{FF2B5EF4-FFF2-40B4-BE49-F238E27FC236}">
+                <a16:creationId xmlns:a16="http://schemas.microsoft.com/office/drawing/2014/main" id="{09B71819-0AEC-5087-EC25-92494E619E8D}"/>
               </a:ext>
             </a:extLst>
           </p:cNvPr>
@@ -8964,8 +10481,8 @@
         </p:blipFill>
         <p:spPr>
           <a:xfrm>
-            <a:off x="0" y="4281"/>
-            <a:ext cx="12192000" cy="6849438"/>
+            <a:off x="0" y="8562"/>
+            <a:ext cx="12938760" cy="6849438"/>
           </a:xfrm>
           <a:prstGeom prst="rect">
             <a:avLst/>
@@ -8974,10 +10491,10 @@
       </p:pic>
       <p:sp>
         <p:nvSpPr>
-          <p:cNvPr id="7" name="Title 6">
-            <a:extLst>
-              <a:ext uri="{FF2B5EF4-FFF2-40B4-BE49-F238E27FC236}">
-                <a16:creationId xmlns:a16="http://schemas.microsoft.com/office/drawing/2014/main" id="{F4DD4E89-EA22-FCFA-C850-2A57E1B75A8F}"/>
+          <p:cNvPr id="3" name="Title 2">
+            <a:extLst>
+              <a:ext uri="{FF2B5EF4-FFF2-40B4-BE49-F238E27FC236}">
+                <a16:creationId xmlns:a16="http://schemas.microsoft.com/office/drawing/2014/main" id="{B1683D75-E3B4-CB8A-3968-EC211AD134E7}"/>
               </a:ext>
             </a:extLst>
           </p:cNvPr>
@@ -8988,105 +10505,31 @@
             <p:ph type="title"/>
           </p:nvPr>
         </p:nvSpPr>
-        <p:spPr/>
-        <p:txBody>
-          <a:bodyPr/>
+        <p:spPr>
+          <a:xfrm>
+            <a:off x="1090930" y="2524125"/>
+            <a:ext cx="10515600" cy="904875"/>
+          </a:xfrm>
+        </p:spPr>
+        <p:txBody>
+          <a:bodyPr>
+            <a:noAutofit/>
+          </a:bodyPr>
           <a:lstStyle/>
           <a:p>
             <a:r>
-              <a:rPr lang="en-US" dirty="0">
+              <a:rPr lang="en-US" b="1" dirty="0">
                 <a:latin typeface="Arial Rounded MT Bold" panose="020F0704030504030204" pitchFamily="34" charset="0"/>
               </a:rPr>
-              <a:t>What We Actually Built</a:t>
-            </a:r>
-          </a:p>
-        </p:txBody>
-      </p:sp>
-      <p:sp>
-        <p:nvSpPr>
-          <p:cNvPr id="8" name="Content Placeholder 7">
-            <a:extLst>
-              <a:ext uri="{FF2B5EF4-FFF2-40B4-BE49-F238E27FC236}">
-                <a16:creationId xmlns:a16="http://schemas.microsoft.com/office/drawing/2014/main" id="{5913A615-D061-3423-AD6B-E1B21F3E6802}"/>
-              </a:ext>
-            </a:extLst>
-          </p:cNvPr>
-          <p:cNvSpPr>
-            <a:spLocks noGrp="1"/>
-          </p:cNvSpPr>
-          <p:nvPr>
-            <p:ph idx="1"/>
-          </p:nvPr>
-        </p:nvSpPr>
-        <p:spPr>
-          <a:xfrm>
-            <a:off x="838200" y="1825625"/>
-            <a:ext cx="10515600" cy="2734500"/>
-          </a:xfrm>
-        </p:spPr>
-        <p:txBody>
-          <a:bodyPr>
-            <a:normAutofit/>
-          </a:bodyPr>
-          <a:lstStyle/>
-          <a:p>
-            <a:r>
-              <a:rPr lang="en-US" dirty="0">
-                <a:latin typeface="Arial Rounded MT Bold" panose="020F0704030504030204" pitchFamily="34" charset="0"/>
-              </a:rPr>
-              <a:t>Quick stats:</a:t>
-            </a:r>
-          </a:p>
-          <a:p>
-            <a:pPr lvl="1"/>
-            <a:r>
-              <a:rPr lang="en-US" dirty="0">
-                <a:latin typeface="Arial Rounded MT Bold" panose="020F0704030504030204" pitchFamily="34" charset="0"/>
-              </a:rPr>
-              <a:t>Lines of C# code: ~500</a:t>
-            </a:r>
-          </a:p>
-          <a:p>
-            <a:pPr lvl="1"/>
-            <a:r>
-              <a:rPr lang="en-US" dirty="0">
-                <a:latin typeface="Arial Rounded MT Bold" panose="020F0704030504030204" pitchFamily="34" charset="0"/>
-              </a:rPr>
-              <a:t>MCP tool calls: ~7.</a:t>
-            </a:r>
-          </a:p>
-          <a:p>
-            <a:pPr lvl="1"/>
-            <a:r>
-              <a:rPr lang="en-US" dirty="0">
-                <a:latin typeface="Arial Rounded MT Bold" panose="020F0704030504030204" pitchFamily="34" charset="0"/>
-              </a:rPr>
-              <a:t>Zero explicit tool calls chosen by the user.</a:t>
-            </a:r>
-          </a:p>
-          <a:p>
-            <a:pPr lvl="1"/>
-            <a:r>
-              <a:rPr lang="en-US" dirty="0">
-                <a:latin typeface="Arial Rounded MT Bold" panose="020F0704030504030204" pitchFamily="34" charset="0"/>
-              </a:rPr>
-              <a:t>Zero SQL written by user.</a:t>
-            </a:r>
-          </a:p>
-          <a:p>
-            <a:pPr marL="0" indent="0">
-              <a:buNone/>
-            </a:pPr>
-            <a:endParaRPr lang="en-US" dirty="0">
-              <a:latin typeface="Arial Rounded MT Bold" panose="020F0704030504030204" pitchFamily="34" charset="0"/>
-            </a:endParaRPr>
+              <a:t>Code, glorious Code!</a:t>
+            </a:r>
           </a:p>
         </p:txBody>
       </p:sp>
     </p:spTree>
     <p:extLst>
       <p:ext uri="{BB962C8B-B14F-4D97-AF65-F5344CB8AC3E}">
-        <p14:creationId xmlns:p14="http://schemas.microsoft.com/office/powerpoint/2010/main" val="1006093960"/>
+        <p14:creationId xmlns:p14="http://schemas.microsoft.com/office/powerpoint/2010/main" val="143717168"/>
       </p:ext>
     </p:extLst>
   </p:cSld>
@@ -9096,7 +10539,7 @@
 </p:sld>
 </file>
 
-<file path=ppt/slides/slide13.xml><?xml version="1.0" encoding="utf-8"?>
+<file path=ppt/slides/slide14.xml><?xml version="1.0" encoding="utf-8"?>
 <p:sld xmlns:a="http://schemas.openxmlformats.org/drawingml/2006/main" xmlns:r="http://schemas.openxmlformats.org/officeDocument/2006/relationships" xmlns:p="http://schemas.openxmlformats.org/presentationml/2006/main">
   <p:cSld>
     <p:spTree>
@@ -9134,7 +10577,7 @@
           <p:nvPr/>
         </p:nvPicPr>
         <p:blipFill>
-          <a:blip r:embed="rId2">
+          <a:blip r:embed="rId3">
             <a:extLst>
               <a:ext uri="{28A0092B-C50C-407E-A947-70E740481C1C}">
                 <a14:useLocalDpi xmlns:a14="http://schemas.microsoft.com/office/drawing/2010/main" val="0"/>
@@ -9210,21 +10653,22 @@
               <a:rPr lang="en-US" dirty="0">
                 <a:latin typeface="Arial Rounded MT Bold" panose="020F0704030504030204" pitchFamily="34" charset="0"/>
               </a:rPr>
-              <a:t>Integration &gt; Creation: Use existing MCP servers</a:t>
-            </a:r>
-          </a:p>
-          <a:p>
-            <a:r>
-              <a:rPr lang="en-US">
+              <a:t> MCP is a </a:t>
+            </a:r>
+            <a:r>
+              <a:rPr lang="en-US" dirty="0">
+                <a:solidFill>
+                  <a:srgbClr val="C00000"/>
+                </a:solidFill>
                 <a:latin typeface="Arial Rounded MT Bold" panose="020F0704030504030204" pitchFamily="34" charset="0"/>
               </a:rPr>
-              <a:t>LLM as </a:t>
+              <a:t>PROTOCOL</a:t>
             </a:r>
             <a:r>
               <a:rPr lang="en-US" dirty="0">
                 <a:latin typeface="Arial Rounded MT Bold" panose="020F0704030504030204" pitchFamily="34" charset="0"/>
               </a:rPr>
-              <a:t>Orchestrator: Let it handle the tool selection</a:t>
+              <a:t> with structured message</a:t>
             </a:r>
           </a:p>
           <a:p>
@@ -9232,16 +10676,100 @@
               <a:rPr lang="en-US" dirty="0">
                 <a:latin typeface="Arial Rounded MT Bold" panose="020F0704030504030204" pitchFamily="34" charset="0"/>
               </a:rPr>
-              <a:t>Business Logic Matters: Validation, error handling, UX</a:t>
-            </a:r>
-          </a:p>
-          <a:p>
+              <a:t> AI </a:t>
+            </a:r>
+            <a:r>
+              <a:rPr lang="en-US" dirty="0">
+                <a:solidFill>
+                  <a:srgbClr val="C00000"/>
+                </a:solidFill>
+                <a:latin typeface="Arial Rounded MT Bold" panose="020F0704030504030204" pitchFamily="34" charset="0"/>
+              </a:rPr>
+              <a:t>DISCOVERS</a:t>
+            </a:r>
             <a:r>
               <a:rPr lang="en-US" dirty="0">
                 <a:latin typeface="Arial Rounded MT Bold" panose="020F0704030504030204" pitchFamily="34" charset="0"/>
               </a:rPr>
-              <a:t>Prompt Engineering: Clear, specific instructions</a:t>
-            </a:r>
+              <a:t> tools, doesn't know them upfront</a:t>
+            </a:r>
+          </a:p>
+          <a:p>
+            <a:r>
+              <a:rPr lang="en-US" dirty="0">
+                <a:latin typeface="Arial Rounded MT Bold" panose="020F0704030504030204" pitchFamily="34" charset="0"/>
+              </a:rPr>
+              <a:t> AI handles </a:t>
+            </a:r>
+            <a:r>
+              <a:rPr lang="en-US" dirty="0">
+                <a:solidFill>
+                  <a:srgbClr val="C00000"/>
+                </a:solidFill>
+                <a:latin typeface="Arial Rounded MT Bold" panose="020F0704030504030204" pitchFamily="34" charset="0"/>
+              </a:rPr>
+              <a:t>ORCHESTRATION</a:t>
+            </a:r>
+          </a:p>
+          <a:p>
+            <a:r>
+              <a:rPr lang="en-US" dirty="0">
+                <a:latin typeface="Arial Rounded MT Bold" panose="020F0704030504030204" pitchFamily="34" charset="0"/>
+              </a:rPr>
+              <a:t> MCP Server implements </a:t>
+            </a:r>
+            <a:r>
+              <a:rPr lang="en-US" dirty="0">
+                <a:solidFill>
+                  <a:srgbClr val="C00000"/>
+                </a:solidFill>
+                <a:latin typeface="Arial Rounded MT Bold" panose="020F0704030504030204" pitchFamily="34" charset="0"/>
+              </a:rPr>
+              <a:t>SECURITY BOUNDARIES</a:t>
+            </a:r>
+            <a:endParaRPr lang="en-US" dirty="0">
+              <a:latin typeface="Arial Rounded MT Bold" panose="020F0704030504030204" pitchFamily="34" charset="0"/>
+            </a:endParaRPr>
+          </a:p>
+          <a:p>
+            <a:r>
+              <a:rPr lang="en-US" dirty="0">
+                <a:latin typeface="Arial Rounded MT Bold" panose="020F0704030504030204" pitchFamily="34" charset="0"/>
+              </a:rPr>
+              <a:t> </a:t>
+            </a:r>
+            <a:r>
+              <a:rPr lang="en-US" dirty="0">
+                <a:solidFill>
+                  <a:srgbClr val="C00000"/>
+                </a:solidFill>
+                <a:latin typeface="Arial Rounded MT Bold" panose="020F0704030504030204" pitchFamily="34" charset="0"/>
+              </a:rPr>
+              <a:t>DEBUGGING</a:t>
+            </a:r>
+            <a:r>
+              <a:rPr lang="en-US" dirty="0">
+                <a:latin typeface="Arial Rounded MT Bold" panose="020F0704030504030204" pitchFamily="34" charset="0"/>
+              </a:rPr>
+              <a:t> requires intercepting the right layer</a:t>
+            </a:r>
+            <a:endParaRPr lang="en-US" dirty="0">
+              <a:solidFill>
+                <a:srgbClr val="C00000"/>
+              </a:solidFill>
+              <a:latin typeface="Arial Rounded MT Bold" panose="020F0704030504030204" pitchFamily="34" charset="0"/>
+            </a:endParaRPr>
+          </a:p>
+          <a:p>
+            <a:pPr marL="0" indent="0">
+              <a:buNone/>
+            </a:pPr>
+            <a:endParaRPr lang="en-US" dirty="0">
+              <a:solidFill>
+                <a:srgbClr val="C00000"/>
+              </a:solidFill>
+              <a:latin typeface="Arial Rounded MT Bold" panose="020F0704030504030204" pitchFamily="34" charset="0"/>
+            </a:endParaRPr>
           </a:p>
           <a:p>
             <a:pPr marL="0" indent="0">
@@ -9250,6 +10778,43 @@
             <a:endParaRPr lang="en-US" dirty="0">
               <a:latin typeface="Arial Rounded MT Bold" panose="020F0704030504030204" pitchFamily="34" charset="0"/>
             </a:endParaRPr>
+          </a:p>
+        </p:txBody>
+      </p:sp>
+      <p:sp>
+        <p:nvSpPr>
+          <p:cNvPr id="2" name="TextBox 1">
+            <a:extLst>
+              <a:ext uri="{FF2B5EF4-FFF2-40B4-BE49-F238E27FC236}">
+                <a16:creationId xmlns:a16="http://schemas.microsoft.com/office/drawing/2014/main" id="{67C0E2B5-E493-9633-229F-2CA9C6780685}"/>
+              </a:ext>
+            </a:extLst>
+          </p:cNvPr>
+          <p:cNvSpPr txBox="1"/>
+          <p:nvPr/>
+        </p:nvSpPr>
+        <p:spPr>
+          <a:xfrm>
+            <a:off x="3458643" y="4728755"/>
+            <a:ext cx="5274714" cy="523220"/>
+          </a:xfrm>
+          <a:prstGeom prst="rect">
+            <a:avLst/>
+          </a:prstGeom>
+          <a:noFill/>
+        </p:spPr>
+        <p:txBody>
+          <a:bodyPr wrap="none" rtlCol="0">
+            <a:spAutoFit/>
+          </a:bodyPr>
+          <a:lstStyle/>
+          <a:p>
+            <a:r>
+              <a:rPr lang="en-US" sz="2800" dirty="0">
+                <a:latin typeface="Arial Rounded MT Bold" panose="020F0704030504030204" pitchFamily="34" charset="0"/>
+              </a:rPr>
+              <a:t>The Black Box -&gt; Transparent</a:t>
+            </a:r>
           </a:p>
         </p:txBody>
       </p:sp>
@@ -9263,10 +10828,154 @@
   <p:clrMapOvr>
     <a:masterClrMapping/>
   </p:clrMapOvr>
+  <p:timing>
+    <p:tnLst>
+      <p:par>
+        <p:cTn id="1" dur="indefinite" restart="never" nodeType="tmRoot">
+          <p:childTnLst>
+            <p:seq concurrent="1" nextAc="seek">
+              <p:cTn id="2" dur="indefinite" nodeType="mainSeq">
+                <p:childTnLst>
+                  <p:par>
+                    <p:cTn id="3" fill="hold">
+                      <p:stCondLst>
+                        <p:cond delay="indefinite"/>
+                      </p:stCondLst>
+                      <p:childTnLst>
+                        <p:par>
+                          <p:cTn id="4" fill="hold">
+                            <p:stCondLst>
+                              <p:cond delay="0"/>
+                            </p:stCondLst>
+                            <p:childTnLst>
+                              <p:par>
+                                <p:cTn id="5" presetID="1" presetClass="entr" presetSubtype="0" fill="hold" grpId="0" nodeType="clickEffect">
+                                  <p:stCondLst>
+                                    <p:cond delay="0"/>
+                                  </p:stCondLst>
+                                  <p:childTnLst>
+                                    <p:set>
+                                      <p:cBhvr>
+                                        <p:cTn id="6" dur="1" fill="hold">
+                                          <p:stCondLst>
+                                            <p:cond delay="0"/>
+                                          </p:stCondLst>
+                                        </p:cTn>
+                                        <p:tgtEl>
+                                          <p:spTgt spid="2"/>
+                                        </p:tgtEl>
+                                        <p:attrNameLst>
+                                          <p:attrName>style.visibility</p:attrName>
+                                        </p:attrNameLst>
+                                      </p:cBhvr>
+                                      <p:to>
+                                        <p:strVal val="visible"/>
+                                      </p:to>
+                                    </p:set>
+                                  </p:childTnLst>
+                                </p:cTn>
+                              </p:par>
+                            </p:childTnLst>
+                          </p:cTn>
+                        </p:par>
+                      </p:childTnLst>
+                    </p:cTn>
+                  </p:par>
+                </p:childTnLst>
+              </p:cTn>
+              <p:prevCondLst>
+                <p:cond evt="onPrev" delay="0">
+                  <p:tgtEl>
+                    <p:sldTgt/>
+                  </p:tgtEl>
+                </p:cond>
+              </p:prevCondLst>
+              <p:nextCondLst>
+                <p:cond evt="onNext" delay="0">
+                  <p:tgtEl>
+                    <p:sldTgt/>
+                  </p:tgtEl>
+                </p:cond>
+              </p:nextCondLst>
+            </p:seq>
+          </p:childTnLst>
+        </p:cTn>
+      </p:par>
+    </p:tnLst>
+    <p:bldLst>
+      <p:bldP spid="2" grpId="0"/>
+    </p:bldLst>
+  </p:timing>
 </p:sld>
 </file>
 
-<file path=ppt/slides/slide14.xml><?xml version="1.0" encoding="utf-8"?>
+<file path=ppt/slides/slide15.xml><?xml version="1.0" encoding="utf-8"?>
+<p:sld xmlns:a="http://schemas.openxmlformats.org/drawingml/2006/main" xmlns:r="http://schemas.openxmlformats.org/officeDocument/2006/relationships" xmlns:p="http://schemas.openxmlformats.org/presentationml/2006/main">
+  <p:cSld>
+    <p:spTree>
+      <p:nvGrpSpPr>
+        <p:cNvPr id="1" name=""/>
+        <p:cNvGrpSpPr/>
+        <p:nvPr/>
+      </p:nvGrpSpPr>
+      <p:grpSpPr>
+        <a:xfrm>
+          <a:off x="0" y="0"/>
+          <a:ext cx="0" cy="0"/>
+          <a:chOff x="0" y="0"/>
+          <a:chExt cx="0" cy="0"/>
+        </a:xfrm>
+      </p:grpSpPr>
+      <p:pic>
+        <p:nvPicPr>
+          <p:cNvPr id="5" name="Picture 4" descr="A qr code on a card&#10;&#10;AI-generated content may be incorrect.">
+            <a:extLst>
+              <a:ext uri="{FF2B5EF4-FFF2-40B4-BE49-F238E27FC236}">
+                <a16:creationId xmlns:a16="http://schemas.microsoft.com/office/drawing/2014/main" id="{40258954-5039-7402-5778-5276957E2512}"/>
+              </a:ext>
+            </a:extLst>
+          </p:cNvPr>
+          <p:cNvPicPr>
+            <a:picLocks noChangeAspect="1"/>
+          </p:cNvPicPr>
+          <p:nvPr/>
+        </p:nvPicPr>
+        <p:blipFill>
+          <a:blip r:embed="rId2">
+            <a:extLst>
+              <a:ext uri="{28A0092B-C50C-407E-A947-70E740481C1C}">
+                <a14:useLocalDpi xmlns:a14="http://schemas.microsoft.com/office/drawing/2010/main" val="0"/>
+              </a:ext>
+            </a:extLst>
+          </a:blip>
+          <a:stretch>
+            <a:fillRect/>
+          </a:stretch>
+        </p:blipFill>
+        <p:spPr>
+          <a:xfrm>
+            <a:off x="16886" y="0"/>
+            <a:ext cx="12158227" cy="6858000"/>
+          </a:xfrm>
+          <a:prstGeom prst="rect">
+            <a:avLst/>
+          </a:prstGeom>
+        </p:spPr>
+      </p:pic>
+    </p:spTree>
+    <p:extLst>
+      <p:ext uri="{BB962C8B-B14F-4D97-AF65-F5344CB8AC3E}">
+        <p14:creationId xmlns:p14="http://schemas.microsoft.com/office/powerpoint/2010/main" val="1566257432"/>
+      </p:ext>
+    </p:extLst>
+  </p:cSld>
+  <p:clrMapOvr>
+    <a:masterClrMapping/>
+  </p:clrMapOvr>
+</p:sld>
+</file>
+
+<file path=ppt/slides/slide16.xml><?xml version="1.0" encoding="utf-8"?>
 <p:sld xmlns:a="http://schemas.openxmlformats.org/drawingml/2006/main" xmlns:r="http://schemas.openxmlformats.org/officeDocument/2006/relationships" xmlns:p="http://schemas.openxmlformats.org/presentationml/2006/main">
   <p:cSld>
     <p:spTree>
@@ -9805,6 +11514,72 @@
 </file>
 
 <file path=ppt/slides/slide2.xml><?xml version="1.0" encoding="utf-8"?>
+<p:sld xmlns:a="http://schemas.openxmlformats.org/drawingml/2006/main" xmlns:r="http://schemas.openxmlformats.org/officeDocument/2006/relationships" xmlns:p="http://schemas.openxmlformats.org/presentationml/2006/main">
+  <p:cSld>
+    <p:spTree>
+      <p:nvGrpSpPr>
+        <p:cNvPr id="1" name=""/>
+        <p:cNvGrpSpPr/>
+        <p:nvPr/>
+      </p:nvGrpSpPr>
+      <p:grpSpPr>
+        <a:xfrm>
+          <a:off x="0" y="0"/>
+          <a:ext cx="0" cy="0"/>
+          <a:chOff x="0" y="0"/>
+          <a:chExt cx="0" cy="0"/>
+        </a:xfrm>
+      </p:grpSpPr>
+      <p:pic>
+        <p:nvPicPr>
+          <p:cNvPr id="5" name="Picture 4" descr="A group of logos on a white background&#10;&#10;AI-generated content may be incorrect.">
+            <a:extLst>
+              <a:ext uri="{FF2B5EF4-FFF2-40B4-BE49-F238E27FC236}">
+                <a16:creationId xmlns:a16="http://schemas.microsoft.com/office/drawing/2014/main" id="{C3CFA695-6AE5-6D9E-AAC3-EDEE96D3E72D}"/>
+              </a:ext>
+            </a:extLst>
+          </p:cNvPr>
+          <p:cNvPicPr>
+            <a:picLocks noChangeAspect="1"/>
+          </p:cNvPicPr>
+          <p:nvPr/>
+        </p:nvPicPr>
+        <p:blipFill>
+          <a:blip r:embed="rId2">
+            <a:extLst>
+              <a:ext uri="{28A0092B-C50C-407E-A947-70E740481C1C}">
+                <a14:useLocalDpi xmlns:a14="http://schemas.microsoft.com/office/drawing/2010/main" val="0"/>
+              </a:ext>
+            </a:extLst>
+          </a:blip>
+          <a:stretch>
+            <a:fillRect/>
+          </a:stretch>
+        </p:blipFill>
+        <p:spPr>
+          <a:xfrm>
+            <a:off x="16886" y="0"/>
+            <a:ext cx="12158227" cy="6858000"/>
+          </a:xfrm>
+          <a:prstGeom prst="rect">
+            <a:avLst/>
+          </a:prstGeom>
+        </p:spPr>
+      </p:pic>
+    </p:spTree>
+    <p:extLst>
+      <p:ext uri="{BB962C8B-B14F-4D97-AF65-F5344CB8AC3E}">
+        <p14:creationId xmlns:p14="http://schemas.microsoft.com/office/powerpoint/2010/main" val="3205467808"/>
+      </p:ext>
+    </p:extLst>
+  </p:cSld>
+  <p:clrMapOvr>
+    <a:masterClrMapping/>
+  </p:clrMapOvr>
+</p:sld>
+</file>
+
+<file path=ppt/slides/slide3.xml><?xml version="1.0" encoding="utf-8"?>
 <p:sld xmlns:a="http://schemas.openxmlformats.org/drawingml/2006/main" xmlns:r="http://schemas.openxmlformats.org/officeDocument/2006/relationships" xmlns:p="http://schemas.openxmlformats.org/presentationml/2006/main">
   <p:cSld>
     <p:spTree>
@@ -10146,7 +11921,7 @@
 </p:sld>
 </file>
 
-<file path=ppt/slides/slide3.xml><?xml version="1.0" encoding="utf-8"?>
+<file path=ppt/slides/slide4.xml><?xml version="1.0" encoding="utf-8"?>
 <p:sld xmlns:a="http://schemas.openxmlformats.org/drawingml/2006/main" xmlns:r="http://schemas.openxmlformats.org/officeDocument/2006/relationships" xmlns:p="http://schemas.openxmlformats.org/presentationml/2006/main">
   <p:cSld>
     <p:spTree>
@@ -10434,7 +12209,7 @@
 </p:sld>
 </file>
 
-<file path=ppt/slides/slide4.xml><?xml version="1.0" encoding="utf-8"?>
+<file path=ppt/slides/slide5.xml><?xml version="1.0" encoding="utf-8"?>
 <p:sld xmlns:a="http://schemas.openxmlformats.org/drawingml/2006/main" xmlns:r="http://schemas.openxmlformats.org/officeDocument/2006/relationships" xmlns:p="http://schemas.openxmlformats.org/presentationml/2006/main">
   <p:cSld>
     <p:spTree>
@@ -10546,7 +12321,7 @@
           <a:lstStyle/>
           <a:p>
             <a:r>
-              <a:rPr lang="en-US" sz="4400" b="0" dirty="0">
+              <a:rPr lang="en-US" sz="4400" dirty="0">
                 <a:latin typeface="Arial Rounded MT Bold" panose="020F0704030504030204" pitchFamily="34" charset="0"/>
               </a:rPr>
               <a:t>Demo</a:t>
@@ -10567,7 +12342,7 @@
 </p:sld>
 </file>
 
-<file path=ppt/slides/slide5.xml><?xml version="1.0" encoding="utf-8"?>
+<file path=ppt/slides/slide6.xml><?xml version="1.0" encoding="utf-8"?>
 <p:sld xmlns:a="http://schemas.openxmlformats.org/drawingml/2006/main" xmlns:r="http://schemas.openxmlformats.org/officeDocument/2006/relationships" xmlns:p="http://schemas.openxmlformats.org/presentationml/2006/main">
   <p:cSld>
     <p:spTree>
@@ -10605,7 +12380,7 @@
           <p:nvPr/>
         </p:nvPicPr>
         <p:blipFill>
-          <a:blip r:embed="rId2">
+          <a:blip r:embed="rId3">
             <a:extLst>
               <a:ext uri="{28A0092B-C50C-407E-A947-70E740481C1C}">
                 <a14:useLocalDpi xmlns:a14="http://schemas.microsoft.com/office/drawing/2010/main" val="0"/>
@@ -12056,7 +13831,7 @@
 </p:sld>
 </file>
 
-<file path=ppt/slides/slide6.xml><?xml version="1.0" encoding="utf-8"?>
+<file path=ppt/slides/slide7.xml><?xml version="1.0" encoding="utf-8"?>
 <p:sld xmlns:a="http://schemas.openxmlformats.org/drawingml/2006/main" xmlns:r="http://schemas.openxmlformats.org/officeDocument/2006/relationships" xmlns:p="http://schemas.openxmlformats.org/presentationml/2006/main">
   <p:cSld>
     <p:spTree>
@@ -12209,8 +13984,8 @@
         </p:nvSpPr>
         <p:spPr>
           <a:xfrm>
-            <a:off x="1428576" y="2867797"/>
-            <a:ext cx="9334848" cy="571559"/>
+            <a:off x="736464" y="2857441"/>
+            <a:ext cx="11075930" cy="571559"/>
           </a:xfrm>
           <a:prstGeom prst="rect">
             <a:avLst/>
@@ -12222,7 +13997,7 @@
           <a:bodyPr wrap="square" lIns="0" tIns="0" rIns="0" bIns="0" rtlCol="0" anchor="t"/>
           <a:lstStyle/>
           <a:p>
-            <a:pPr marL="0" indent="0" algn="ctr">
+            <a:pPr algn="ctr">
               <a:lnSpc>
                 <a:spcPts val="2640"/>
               </a:lnSpc>
@@ -12232,10 +14007,9 @@
               <a:spcAft>
                 <a:spcPts val="1200"/>
               </a:spcAft>
-              <a:buNone/>
             </a:pPr>
             <a:r>
-              <a:rPr lang="en-US" sz="2400" dirty="0">
+              <a:rPr lang="en-US" sz="2800" dirty="0">
                 <a:solidFill>
                   <a:srgbClr val="000000"/>
                 </a:solidFill>
@@ -12243,9 +14017,9 @@
                 <a:ea typeface="Arial Rounded MT Bold" pitchFamily="34" charset="-122"/>
                 <a:cs typeface="Arial Rounded MT Bold" pitchFamily="34" charset="-120"/>
               </a:rPr>
-              <a:t>Your C# App ↔ MCP Protocol ↔ MCP Server ↔ SQL Database</a:t>
-            </a:r>
-            <a:endParaRPr lang="en-US" sz="2400" dirty="0"/>
+              <a:t>Your App ↔ AI ↔ MCP Protocol ↔ MCP Server ↔ SQL Database</a:t>
+            </a:r>
+            <a:endParaRPr lang="en-US" sz="2800" dirty="0"/>
           </a:p>
         </p:txBody>
       </p:sp>
@@ -12486,8 +14260,8 @@
 </p:sld>
 </file>
 
-<file path=ppt/slides/slide7.xml><?xml version="1.0" encoding="utf-8"?>
-<p:sld xmlns:a="http://schemas.openxmlformats.org/drawingml/2006/main" xmlns:r="http://schemas.openxmlformats.org/officeDocument/2006/relationships" xmlns:p="http://schemas.openxmlformats.org/presentationml/2006/main">
+<file path=ppt/slides/slide8.xml><?xml version="1.0" encoding="utf-8"?>
+<p:sld xmlns:a="http://schemas.openxmlformats.org/drawingml/2006/main" xmlns:r="http://schemas.openxmlformats.org/officeDocument/2006/relationships" xmlns:p="http://schemas.openxmlformats.org/presentationml/2006/main" show="0">
   <p:cSld>
     <p:spTree>
       <p:nvGrpSpPr>
@@ -12575,7 +14349,7 @@
               <a:rPr lang="en-US" dirty="0">
                 <a:latin typeface="Arial Rounded MT Bold" panose="020F0704030504030204" pitchFamily="34" charset="0"/>
               </a:rPr>
-              <a:t>MCP Architecture Components</a:t>
+              <a:t>MCP Architecture</a:t>
             </a:r>
           </a:p>
         </p:txBody>
@@ -13407,18 +15181,12 @@
 </p:sld>
 </file>
 
-<file path=ppt/slides/slide8.xml><?xml version="1.0" encoding="utf-8"?>
+<file path=ppt/slides/slide9.xml><?xml version="1.0" encoding="utf-8"?>
 <p:sld xmlns:a="http://schemas.openxmlformats.org/drawingml/2006/main" xmlns:r="http://schemas.openxmlformats.org/officeDocument/2006/relationships" xmlns:p="http://schemas.openxmlformats.org/presentationml/2006/main">
   <p:cSld>
     <p:spTree>
       <p:nvGrpSpPr>
-        <p:cNvPr id="1" name="">
-          <a:extLst>
-            <a:ext uri="{FF2B5EF4-FFF2-40B4-BE49-F238E27FC236}">
-              <a16:creationId xmlns:a16="http://schemas.microsoft.com/office/drawing/2014/main" id="{01295547-3BBF-5B15-8BB8-D67B7CDA7CA8}"/>
-            </a:ext>
-          </a:extLst>
-        </p:cNvPr>
+        <p:cNvPr id="1" name=""/>
         <p:cNvGrpSpPr/>
         <p:nvPr/>
       </p:nvGrpSpPr>
@@ -13432,10 +15200,10 @@
       </p:grpSpPr>
       <p:pic>
         <p:nvPicPr>
-          <p:cNvPr id="8" name="Picture 7" descr="A white background with blue waves&#10;&#10;AI-generated content may be incorrect.">
-            <a:extLst>
-              <a:ext uri="{FF2B5EF4-FFF2-40B4-BE49-F238E27FC236}">
-                <a16:creationId xmlns:a16="http://schemas.microsoft.com/office/drawing/2014/main" id="{524B3845-D817-BBA5-70C3-AE072C416E6F}"/>
+          <p:cNvPr id="85" name="Picture 84" descr="A white background with blue waves&#10;&#10;AI-generated content may be incorrect.">
+            <a:extLst>
+              <a:ext uri="{FF2B5EF4-FFF2-40B4-BE49-F238E27FC236}">
+                <a16:creationId xmlns:a16="http://schemas.microsoft.com/office/drawing/2014/main" id="{C410CED1-44B1-604F-A981-EB25D18BFCF5}"/>
               </a:ext>
             </a:extLst>
           </p:cNvPr>
@@ -13458,7 +15226,7 @@
         </p:blipFill>
         <p:spPr>
           <a:xfrm>
-            <a:off x="0" y="4281"/>
+            <a:off x="0" y="-4214"/>
             <a:ext cx="12192000" cy="6849438"/>
           </a:xfrm>
           <a:prstGeom prst="rect">
@@ -13468,10 +15236,10 @@
       </p:pic>
       <p:sp>
         <p:nvSpPr>
-          <p:cNvPr id="2" name="Title 1">
-            <a:extLst>
-              <a:ext uri="{FF2B5EF4-FFF2-40B4-BE49-F238E27FC236}">
-                <a16:creationId xmlns:a16="http://schemas.microsoft.com/office/drawing/2014/main" id="{8A20AAF8-CCFF-3109-3C19-47166D30559F}"/>
+          <p:cNvPr id="7" name="Title 6">
+            <a:extLst>
+              <a:ext uri="{FF2B5EF4-FFF2-40B4-BE49-F238E27FC236}">
+                <a16:creationId xmlns:a16="http://schemas.microsoft.com/office/drawing/2014/main" id="{7A22CA21-E1B3-1015-956A-9169EB320B95}"/>
               </a:ext>
             </a:extLst>
           </p:cNvPr>
@@ -13491,365 +15259,1756 @@
               <a:rPr lang="en-US" dirty="0">
                 <a:latin typeface="Arial Rounded MT Bold" panose="020F0704030504030204" pitchFamily="34" charset="0"/>
               </a:rPr>
-              <a:t>Why MCP Matters for Enterprise Apps</a:t>
-            </a:r>
-          </a:p>
-        </p:txBody>
-      </p:sp>
-      <p:sp>
-        <p:nvSpPr>
-          <p:cNvPr id="7" name="Content Placeholder 6">
-            <a:extLst>
-              <a:ext uri="{FF2B5EF4-FFF2-40B4-BE49-F238E27FC236}">
-                <a16:creationId xmlns:a16="http://schemas.microsoft.com/office/drawing/2014/main" id="{BFC21551-8FAA-233C-0913-C73F209D0C3F}"/>
-              </a:ext>
-            </a:extLst>
-          </p:cNvPr>
-          <p:cNvSpPr>
-            <a:spLocks noGrp="1"/>
-          </p:cNvSpPr>
-          <p:nvPr>
-            <p:ph sz="half" idx="2"/>
-          </p:nvPr>
+              <a:t>MCP Architecture</a:t>
+            </a:r>
+            <a:endParaRPr lang="en-US" dirty="0"/>
+          </a:p>
+        </p:txBody>
+      </p:sp>
+      <p:sp>
+        <p:nvSpPr>
+          <p:cNvPr id="8" name="Rectangle: Rounded Corners 7">
+            <a:extLst>
+              <a:ext uri="{FF2B5EF4-FFF2-40B4-BE49-F238E27FC236}">
+                <a16:creationId xmlns:a16="http://schemas.microsoft.com/office/drawing/2014/main" id="{D68C2F14-EBBE-4C10-D51C-47CFD129C58A}"/>
+              </a:ext>
+            </a:extLst>
+          </p:cNvPr>
+          <p:cNvSpPr/>
+          <p:nvPr/>
         </p:nvSpPr>
         <p:spPr>
           <a:xfrm>
-            <a:off x="839788" y="1816306"/>
-            <a:ext cx="10762404" cy="3684588"/>
+            <a:off x="568583" y="2423480"/>
+            <a:ext cx="4755227" cy="2767259"/>
           </a:xfrm>
+          <a:prstGeom prst="roundRect">
+            <a:avLst/>
+          </a:prstGeom>
+          <a:noFill/>
         </p:spPr>
-        <p:txBody>
-          <a:bodyPr/>
+        <p:style>
+          <a:lnRef idx="2">
+            <a:schemeClr val="accent1">
+              <a:shade val="15000"/>
+            </a:schemeClr>
+          </a:lnRef>
+          <a:fillRef idx="1">
+            <a:schemeClr val="accent1"/>
+          </a:fillRef>
+          <a:effectRef idx="0">
+            <a:schemeClr val="accent1"/>
+          </a:effectRef>
+          <a:fontRef idx="minor">
+            <a:schemeClr val="lt1"/>
+          </a:fontRef>
+        </p:style>
+        <p:txBody>
+          <a:bodyPr rtlCol="0" anchor="ctr"/>
           <a:lstStyle/>
           <a:p>
-            <a:r>
-              <a:rPr lang="en-US" dirty="0"/>
-              <a:t>✅ </a:t>
-            </a:r>
+            <a:pPr algn="ctr"/>
+            <a:endParaRPr lang="en-US"/>
+          </a:p>
+        </p:txBody>
+      </p:sp>
+      <p:sp>
+        <p:nvSpPr>
+          <p:cNvPr id="9" name="Text 4">
+            <a:extLst>
+              <a:ext uri="{FF2B5EF4-FFF2-40B4-BE49-F238E27FC236}">
+                <a16:creationId xmlns:a16="http://schemas.microsoft.com/office/drawing/2014/main" id="{F7D93BC4-AA89-CEFB-3B37-A4A1B6BEBABF}"/>
+              </a:ext>
+            </a:extLst>
+          </p:cNvPr>
+          <p:cNvSpPr/>
+          <p:nvPr/>
+        </p:nvSpPr>
+        <p:spPr>
+          <a:xfrm>
+            <a:off x="1076253" y="2539399"/>
+            <a:ext cx="3921013" cy="464292"/>
+          </a:xfrm>
+          <a:prstGeom prst="rect">
+            <a:avLst/>
+          </a:prstGeom>
+          <a:noFill/>
+          <a:ln/>
+        </p:spPr>
+        <p:txBody>
+          <a:bodyPr wrap="square" lIns="0" tIns="0" rIns="0" bIns="0" rtlCol="0" anchor="t"/>
+          <a:lstStyle/>
+          <a:p>
+            <a:pPr algn="ctr">
+              <a:spcAft>
+                <a:spcPts val="1000"/>
+              </a:spcAft>
+            </a:pPr>
+            <a:r>
+              <a:rPr lang="en-US" sz="2400" dirty="0">
+                <a:solidFill>
+                  <a:srgbClr val="000000"/>
+                </a:solidFill>
+                <a:latin typeface="Arial Rounded MT Bold" pitchFamily="34" charset="0"/>
+                <a:ea typeface="Arial Rounded MT Bold" pitchFamily="34" charset="-122"/>
+                <a:cs typeface="Arial Rounded MT Bold" pitchFamily="34" charset="-120"/>
+              </a:rPr>
+              <a:t>App</a:t>
+            </a:r>
+            <a:endParaRPr lang="en-US" sz="2400" dirty="0"/>
+          </a:p>
+          <a:p>
+            <a:pPr marL="0" indent="0" algn="ctr">
+              <a:spcAft>
+                <a:spcPts val="1000"/>
+              </a:spcAft>
+              <a:buNone/>
+            </a:pPr>
+            <a:endParaRPr lang="en-US" sz="2400" dirty="0"/>
+          </a:p>
+        </p:txBody>
+      </p:sp>
+      <p:sp>
+        <p:nvSpPr>
+          <p:cNvPr id="11" name="Rectangle: Rounded Corners 29">
+            <a:extLst>
+              <a:ext uri="{FF2B5EF4-FFF2-40B4-BE49-F238E27FC236}">
+                <a16:creationId xmlns:a16="http://schemas.microsoft.com/office/drawing/2014/main" id="{36F4207A-B716-E3BC-3A1F-92AC32C0E11D}"/>
+              </a:ext>
+            </a:extLst>
+          </p:cNvPr>
+          <p:cNvSpPr/>
+          <p:nvPr/>
+        </p:nvSpPr>
+        <p:spPr>
+          <a:xfrm>
+            <a:off x="3857834" y="3561993"/>
+            <a:ext cx="1316736" cy="954869"/>
+          </a:xfrm>
+          <a:prstGeom prst="roundRect">
+            <a:avLst/>
+          </a:prstGeom>
+          <a:noFill/>
+        </p:spPr>
+        <p:style>
+          <a:lnRef idx="2">
+            <a:schemeClr val="accent1">
+              <a:shade val="15000"/>
+            </a:schemeClr>
+          </a:lnRef>
+          <a:fillRef idx="1">
+            <a:schemeClr val="accent1"/>
+          </a:fillRef>
+          <a:effectRef idx="0">
+            <a:schemeClr val="accent1"/>
+          </a:effectRef>
+          <a:fontRef idx="minor">
+            <a:schemeClr val="lt1"/>
+          </a:fontRef>
+        </p:style>
+        <p:txBody>
+          <a:bodyPr rtlCol="0" anchor="ctr"/>
+          <a:lstStyle/>
+          <a:p>
+            <a:pPr algn="ctr"/>
+            <a:r>
+              <a:rPr lang="en-US" sz="2000" dirty="0">
+                <a:solidFill>
+                  <a:schemeClr val="tx1"/>
+                </a:solidFill>
+                <a:latin typeface="Arial Rounded MT Bold" panose="020F0704030504030204" pitchFamily="34" charset="0"/>
+              </a:rPr>
+              <a:t>MCP Client</a:t>
+            </a:r>
+          </a:p>
+        </p:txBody>
+      </p:sp>
+      <p:sp>
+        <p:nvSpPr>
+          <p:cNvPr id="12" name="Rectangle: Rounded Corners 29">
+            <a:extLst>
+              <a:ext uri="{FF2B5EF4-FFF2-40B4-BE49-F238E27FC236}">
+                <a16:creationId xmlns:a16="http://schemas.microsoft.com/office/drawing/2014/main" id="{56FF9F36-F327-BDE8-8F11-BC4D13B8C719}"/>
+              </a:ext>
+            </a:extLst>
+          </p:cNvPr>
+          <p:cNvSpPr/>
+          <p:nvPr/>
+        </p:nvSpPr>
+        <p:spPr>
+          <a:xfrm>
+            <a:off x="6888001" y="3614095"/>
+            <a:ext cx="1122594" cy="975544"/>
+          </a:xfrm>
+          <a:prstGeom prst="roundRect">
+            <a:avLst/>
+          </a:prstGeom>
+          <a:noFill/>
+        </p:spPr>
+        <p:style>
+          <a:lnRef idx="2">
+            <a:schemeClr val="accent1">
+              <a:shade val="15000"/>
+            </a:schemeClr>
+          </a:lnRef>
+          <a:fillRef idx="1">
+            <a:schemeClr val="accent1"/>
+          </a:fillRef>
+          <a:effectRef idx="0">
+            <a:schemeClr val="accent1"/>
+          </a:effectRef>
+          <a:fontRef idx="minor">
+            <a:schemeClr val="lt1"/>
+          </a:fontRef>
+        </p:style>
+        <p:txBody>
+          <a:bodyPr rtlCol="0" anchor="ctr"/>
+          <a:lstStyle/>
+          <a:p>
+            <a:pPr algn="ctr"/>
+            <a:r>
+              <a:rPr lang="en-US" sz="2000" dirty="0">
+                <a:solidFill>
+                  <a:schemeClr val="tx1"/>
+                </a:solidFill>
+                <a:latin typeface="Arial Rounded MT Bold" panose="020F0704030504030204" pitchFamily="34" charset="0"/>
+              </a:rPr>
+              <a:t>MCP Server</a:t>
+            </a:r>
+          </a:p>
+        </p:txBody>
+      </p:sp>
+      <p:sp>
+        <p:nvSpPr>
+          <p:cNvPr id="15" name="Text 4">
+            <a:extLst>
+              <a:ext uri="{FF2B5EF4-FFF2-40B4-BE49-F238E27FC236}">
+                <a16:creationId xmlns:a16="http://schemas.microsoft.com/office/drawing/2014/main" id="{8D8F5D63-2BE1-39FE-D17B-5360648D2ECB}"/>
+              </a:ext>
+            </a:extLst>
+          </p:cNvPr>
+          <p:cNvSpPr/>
+          <p:nvPr/>
+        </p:nvSpPr>
+        <p:spPr>
+          <a:xfrm>
+            <a:off x="1164905" y="2977712"/>
+            <a:ext cx="3921013" cy="464292"/>
+          </a:xfrm>
+          <a:prstGeom prst="rect">
+            <a:avLst/>
+          </a:prstGeom>
+          <a:noFill/>
+          <a:ln/>
+        </p:spPr>
+        <p:txBody>
+          <a:bodyPr wrap="square" lIns="0" tIns="0" rIns="0" bIns="0" rtlCol="0" anchor="t"/>
+          <a:lstStyle/>
+          <a:p>
+            <a:pPr marL="0" indent="0" algn="ctr">
+              <a:spcAft>
+                <a:spcPts val="1000"/>
+              </a:spcAft>
+              <a:buNone/>
+            </a:pPr>
+            <a:endParaRPr lang="en-US" sz="2400" dirty="0"/>
+          </a:p>
+        </p:txBody>
+      </p:sp>
+      <p:sp>
+        <p:nvSpPr>
+          <p:cNvPr id="18" name="Rectangle: Rounded Corners 26">
+            <a:extLst>
+              <a:ext uri="{FF2B5EF4-FFF2-40B4-BE49-F238E27FC236}">
+                <a16:creationId xmlns:a16="http://schemas.microsoft.com/office/drawing/2014/main" id="{44D3DCA2-0C90-9412-0CD9-EBFD6610F8F5}"/>
+              </a:ext>
+            </a:extLst>
+          </p:cNvPr>
+          <p:cNvSpPr/>
+          <p:nvPr/>
+        </p:nvSpPr>
+        <p:spPr>
+          <a:xfrm>
+            <a:off x="692572" y="3509621"/>
+            <a:ext cx="729058" cy="1007241"/>
+          </a:xfrm>
+          <a:prstGeom prst="roundRect">
+            <a:avLst/>
+          </a:prstGeom>
+          <a:noFill/>
+        </p:spPr>
+        <p:style>
+          <a:lnRef idx="2">
+            <a:schemeClr val="accent1">
+              <a:shade val="15000"/>
+            </a:schemeClr>
+          </a:lnRef>
+          <a:fillRef idx="1">
+            <a:schemeClr val="accent1"/>
+          </a:fillRef>
+          <a:effectRef idx="0">
+            <a:schemeClr val="accent1"/>
+          </a:effectRef>
+          <a:fontRef idx="minor">
+            <a:schemeClr val="lt1"/>
+          </a:fontRef>
+        </p:style>
+        <p:txBody>
+          <a:bodyPr rtlCol="0" anchor="ctr"/>
+          <a:lstStyle/>
+          <a:p>
+            <a:pPr algn="ctr"/>
+            <a:r>
+              <a:rPr lang="en-US" sz="2000" dirty="0">
+                <a:solidFill>
+                  <a:schemeClr val="tx1"/>
+                </a:solidFill>
+                <a:latin typeface="Arial Rounded MT Bold" panose="020F0704030504030204" pitchFamily="34" charset="0"/>
+              </a:rPr>
+              <a:t>UI</a:t>
+            </a:r>
+          </a:p>
+        </p:txBody>
+      </p:sp>
+      <p:sp>
+        <p:nvSpPr>
+          <p:cNvPr id="19" name="Text 4">
+            <a:extLst>
+              <a:ext uri="{FF2B5EF4-FFF2-40B4-BE49-F238E27FC236}">
+                <a16:creationId xmlns:a16="http://schemas.microsoft.com/office/drawing/2014/main" id="{51029F97-1B9E-2043-7BC8-9A40EC979E39}"/>
+              </a:ext>
+            </a:extLst>
+          </p:cNvPr>
+          <p:cNvSpPr/>
+          <p:nvPr/>
+        </p:nvSpPr>
+        <p:spPr>
+          <a:xfrm>
+            <a:off x="1066614" y="2956213"/>
+            <a:ext cx="3921013" cy="464292"/>
+          </a:xfrm>
+          <a:prstGeom prst="rect">
+            <a:avLst/>
+          </a:prstGeom>
+          <a:noFill/>
+          <a:ln/>
+        </p:spPr>
+        <p:txBody>
+          <a:bodyPr wrap="square" lIns="0" tIns="0" rIns="0" bIns="0" rtlCol="0" anchor="t"/>
+          <a:lstStyle/>
+          <a:p>
+            <a:pPr algn="ctr">
+              <a:spcAft>
+                <a:spcPts val="1000"/>
+              </a:spcAft>
+            </a:pPr>
+            <a:r>
+              <a:rPr lang="en-US" sz="2400" dirty="0">
+                <a:solidFill>
+                  <a:srgbClr val="000000"/>
+                </a:solidFill>
+                <a:latin typeface="Arial Rounded MT Bold" pitchFamily="34" charset="0"/>
+                <a:ea typeface="Arial Rounded MT Bold" pitchFamily="34" charset="-122"/>
+                <a:cs typeface="Arial Rounded MT Bold" pitchFamily="34" charset="-120"/>
+              </a:rPr>
+              <a:t>MCP Host</a:t>
+            </a:r>
+            <a:endParaRPr lang="en-US" sz="2400" dirty="0"/>
+          </a:p>
+          <a:p>
+            <a:pPr marL="0" indent="0" algn="ctr">
+              <a:spcAft>
+                <a:spcPts val="1000"/>
+              </a:spcAft>
+              <a:buNone/>
+            </a:pPr>
+            <a:endParaRPr lang="en-US" sz="2400" dirty="0"/>
+          </a:p>
+        </p:txBody>
+      </p:sp>
+      <p:sp>
+        <p:nvSpPr>
+          <p:cNvPr id="39" name="Rectangle: Rounded Corners 29">
+            <a:extLst>
+              <a:ext uri="{FF2B5EF4-FFF2-40B4-BE49-F238E27FC236}">
+                <a16:creationId xmlns:a16="http://schemas.microsoft.com/office/drawing/2014/main" id="{A835A4D7-EEC0-52A4-2753-C7CA6F5AA464}"/>
+              </a:ext>
+            </a:extLst>
+          </p:cNvPr>
+          <p:cNvSpPr/>
+          <p:nvPr/>
+        </p:nvSpPr>
+        <p:spPr>
+          <a:xfrm>
+            <a:off x="9853454" y="3646752"/>
+            <a:ext cx="1870064" cy="975544"/>
+          </a:xfrm>
+          <a:prstGeom prst="roundRect">
+            <a:avLst/>
+          </a:prstGeom>
+          <a:noFill/>
+        </p:spPr>
+        <p:style>
+          <a:lnRef idx="2">
+            <a:schemeClr val="accent1">
+              <a:shade val="15000"/>
+            </a:schemeClr>
+          </a:lnRef>
+          <a:fillRef idx="1">
+            <a:schemeClr val="accent1"/>
+          </a:fillRef>
+          <a:effectRef idx="0">
+            <a:schemeClr val="accent1"/>
+          </a:effectRef>
+          <a:fontRef idx="minor">
+            <a:schemeClr val="lt1"/>
+          </a:fontRef>
+        </p:style>
+        <p:txBody>
+          <a:bodyPr rtlCol="0" anchor="t" anchorCtr="0"/>
+          <a:lstStyle/>
+          <a:p>
+            <a:pPr algn="ctr"/>
+            <a:r>
+              <a:rPr lang="en-US" sz="2000" dirty="0">
+                <a:solidFill>
+                  <a:schemeClr val="tx1"/>
+                </a:solidFill>
+                <a:latin typeface="Arial Rounded MT Bold" panose="020F0704030504030204" pitchFamily="34" charset="0"/>
+              </a:rPr>
+              <a:t>Data Source</a:t>
+            </a:r>
+          </a:p>
+          <a:p>
+            <a:pPr algn="ctr"/>
+            <a:r>
+              <a:rPr lang="en-US" sz="1600" dirty="0">
+                <a:solidFill>
+                  <a:schemeClr val="tx1"/>
+                </a:solidFill>
+                <a:latin typeface="Arial Rounded MT Bold" panose="020F0704030504030204" pitchFamily="34" charset="0"/>
+              </a:rPr>
+              <a:t>(Files, databases, </a:t>
+            </a:r>
+            <a:r>
+              <a:rPr lang="en-US" sz="1600" dirty="0" err="1">
+                <a:solidFill>
+                  <a:schemeClr val="tx1"/>
+                </a:solidFill>
+                <a:latin typeface="Arial Rounded MT Bold" panose="020F0704030504030204" pitchFamily="34" charset="0"/>
+              </a:rPr>
+              <a:t>etc</a:t>
+            </a:r>
+            <a:r>
+              <a:rPr lang="en-US" sz="1600" dirty="0">
+                <a:solidFill>
+                  <a:schemeClr val="tx1"/>
+                </a:solidFill>
+                <a:latin typeface="Arial Rounded MT Bold" panose="020F0704030504030204" pitchFamily="34" charset="0"/>
+              </a:rPr>
+              <a:t>)</a:t>
+            </a:r>
+          </a:p>
+        </p:txBody>
+      </p:sp>
+      <p:grpSp>
+        <p:nvGrpSpPr>
+          <p:cNvPr id="86" name="Group 85">
+            <a:extLst>
+              <a:ext uri="{FF2B5EF4-FFF2-40B4-BE49-F238E27FC236}">
+                <a16:creationId xmlns:a16="http://schemas.microsoft.com/office/drawing/2014/main" id="{72605ABB-48D4-80B6-96C2-71340CCD0598}"/>
+              </a:ext>
+            </a:extLst>
+          </p:cNvPr>
+          <p:cNvGrpSpPr/>
+          <p:nvPr/>
+        </p:nvGrpSpPr>
+        <p:grpSpPr>
+          <a:xfrm>
+            <a:off x="1474544" y="3394492"/>
+            <a:ext cx="830713" cy="415803"/>
+            <a:chOff x="1474544" y="3394492"/>
+            <a:chExt cx="830713" cy="415803"/>
+          </a:xfrm>
+        </p:grpSpPr>
+        <p:cxnSp>
+          <p:nvCxnSpPr>
+            <p:cNvPr id="37" name="Straight Arrow Connector 36">
+              <a:extLst>
+                <a:ext uri="{FF2B5EF4-FFF2-40B4-BE49-F238E27FC236}">
+                  <a16:creationId xmlns:a16="http://schemas.microsoft.com/office/drawing/2014/main" id="{C267FEDD-D442-9847-6DAD-CFD07E986CAC}"/>
+                </a:ext>
+              </a:extLst>
+            </p:cNvPr>
+            <p:cNvCxnSpPr>
+              <a:cxnSpLocks/>
+            </p:cNvCxnSpPr>
+            <p:nvPr/>
+          </p:nvCxnSpPr>
+          <p:spPr>
+            <a:xfrm>
+              <a:off x="1474544" y="3802951"/>
+              <a:ext cx="830713" cy="7344"/>
+            </a:xfrm>
+            <a:prstGeom prst="straightConnector1">
+              <a:avLst/>
+            </a:prstGeom>
+            <a:ln w="31750">
+              <a:solidFill>
+                <a:schemeClr val="tx1"/>
+              </a:solidFill>
+              <a:tailEnd type="triangle"/>
+            </a:ln>
+          </p:spPr>
+          <p:style>
+            <a:lnRef idx="2">
+              <a:schemeClr val="accent1"/>
+            </a:lnRef>
+            <a:fillRef idx="0">
+              <a:schemeClr val="accent1"/>
+            </a:fillRef>
+            <a:effectRef idx="1">
+              <a:schemeClr val="accent1"/>
+            </a:effectRef>
+            <a:fontRef idx="minor">
+              <a:schemeClr val="tx1"/>
+            </a:fontRef>
+          </p:style>
+        </p:cxnSp>
+        <p:sp>
+          <p:nvSpPr>
+            <p:cNvPr id="40" name="TextBox 39">
+              <a:extLst>
+                <a:ext uri="{FF2B5EF4-FFF2-40B4-BE49-F238E27FC236}">
+                  <a16:creationId xmlns:a16="http://schemas.microsoft.com/office/drawing/2014/main" id="{C2B66571-A3AB-BADC-A3C5-25C1DF5F0BC1}"/>
+                </a:ext>
+              </a:extLst>
+            </p:cNvPr>
+            <p:cNvSpPr txBox="1"/>
+            <p:nvPr/>
+          </p:nvSpPr>
+          <p:spPr>
+            <a:xfrm>
+              <a:off x="1597120" y="3394492"/>
+              <a:ext cx="652743" cy="369332"/>
+            </a:xfrm>
+            <a:prstGeom prst="rect">
+              <a:avLst/>
+            </a:prstGeom>
+            <a:noFill/>
+          </p:spPr>
+          <p:txBody>
+            <a:bodyPr wrap="none" rtlCol="0">
+              <a:spAutoFit/>
+            </a:bodyPr>
+            <a:lstStyle/>
+            <a:p>
+              <a:r>
+                <a:rPr lang="en-US" dirty="0">
+                  <a:latin typeface="Arial Rounded MT Bold" panose="020F0704030504030204" pitchFamily="34" charset="0"/>
+                </a:rPr>
+                <a:t>NLP</a:t>
+              </a:r>
+            </a:p>
+          </p:txBody>
+        </p:sp>
+      </p:grpSp>
+      <p:grpSp>
+        <p:nvGrpSpPr>
+          <p:cNvPr id="60" name="Group 59">
+            <a:extLst>
+              <a:ext uri="{FF2B5EF4-FFF2-40B4-BE49-F238E27FC236}">
+                <a16:creationId xmlns:a16="http://schemas.microsoft.com/office/drawing/2014/main" id="{84EBF2EE-2D8D-6A8B-9D09-AF5BF2E0FBF8}"/>
+              </a:ext>
+            </a:extLst>
+          </p:cNvPr>
+          <p:cNvGrpSpPr/>
+          <p:nvPr/>
+        </p:nvGrpSpPr>
+        <p:grpSpPr>
+          <a:xfrm>
+            <a:off x="5214362" y="4335532"/>
+            <a:ext cx="1870064" cy="441324"/>
+            <a:chOff x="4970726" y="5934876"/>
+            <a:chExt cx="1870064" cy="441324"/>
+          </a:xfrm>
+        </p:grpSpPr>
+        <p:cxnSp>
+          <p:nvCxnSpPr>
+            <p:cNvPr id="42" name="Straight Arrow Connector 41">
+              <a:extLst>
+                <a:ext uri="{FF2B5EF4-FFF2-40B4-BE49-F238E27FC236}">
+                  <a16:creationId xmlns:a16="http://schemas.microsoft.com/office/drawing/2014/main" id="{9B0E2FC3-2AC1-929B-356F-FFD9EF83BC61}"/>
+                </a:ext>
+              </a:extLst>
+            </p:cNvPr>
+            <p:cNvCxnSpPr>
+              <a:cxnSpLocks/>
+            </p:cNvCxnSpPr>
+            <p:nvPr/>
+          </p:nvCxnSpPr>
+          <p:spPr>
+            <a:xfrm flipH="1">
+              <a:off x="4976979" y="5934876"/>
+              <a:ext cx="1650628" cy="0"/>
+            </a:xfrm>
+            <a:prstGeom prst="straightConnector1">
+              <a:avLst/>
+            </a:prstGeom>
+            <a:ln w="31750">
+              <a:solidFill>
+                <a:schemeClr val="tx1"/>
+              </a:solidFill>
+              <a:tailEnd type="triangle"/>
+            </a:ln>
+          </p:spPr>
+          <p:style>
+            <a:lnRef idx="2">
+              <a:schemeClr val="accent1"/>
+            </a:lnRef>
+            <a:fillRef idx="0">
+              <a:schemeClr val="accent1"/>
+            </a:fillRef>
+            <a:effectRef idx="1">
+              <a:schemeClr val="accent1"/>
+            </a:effectRef>
+            <a:fontRef idx="minor">
+              <a:schemeClr val="tx1"/>
+            </a:fontRef>
+          </p:style>
+        </p:cxnSp>
+        <p:sp>
+          <p:nvSpPr>
+            <p:cNvPr id="46" name="TextBox 45">
+              <a:extLst>
+                <a:ext uri="{FF2B5EF4-FFF2-40B4-BE49-F238E27FC236}">
+                  <a16:creationId xmlns:a16="http://schemas.microsoft.com/office/drawing/2014/main" id="{41EE60AF-47B7-2373-3A8A-624D2944744C}"/>
+                </a:ext>
+              </a:extLst>
+            </p:cNvPr>
+            <p:cNvSpPr txBox="1"/>
+            <p:nvPr/>
+          </p:nvSpPr>
+          <p:spPr>
+            <a:xfrm>
+              <a:off x="4970726" y="6006868"/>
+              <a:ext cx="1870064" cy="369332"/>
+            </a:xfrm>
+            <a:prstGeom prst="rect">
+              <a:avLst/>
+            </a:prstGeom>
+            <a:noFill/>
+          </p:spPr>
+          <p:txBody>
+            <a:bodyPr wrap="none" rtlCol="0">
+              <a:spAutoFit/>
+            </a:bodyPr>
+            <a:lstStyle/>
+            <a:p>
+              <a:r>
+                <a:rPr lang="en-US" dirty="0">
+                  <a:latin typeface="Arial Rounded MT Bold" panose="020F0704030504030204" pitchFamily="34" charset="0"/>
+                </a:rPr>
+                <a:t>MCP Response</a:t>
+              </a:r>
+            </a:p>
+          </p:txBody>
+        </p:sp>
+      </p:grpSp>
+      <p:sp>
+        <p:nvSpPr>
+          <p:cNvPr id="51" name="Rectangle: Rounded Corners 26">
+            <a:extLst>
+              <a:ext uri="{FF2B5EF4-FFF2-40B4-BE49-F238E27FC236}">
+                <a16:creationId xmlns:a16="http://schemas.microsoft.com/office/drawing/2014/main" id="{6C9D3827-2AA5-159A-A41C-35B4E5FFD62F}"/>
+              </a:ext>
+            </a:extLst>
+          </p:cNvPr>
+          <p:cNvSpPr/>
+          <p:nvPr/>
+        </p:nvSpPr>
+        <p:spPr>
+          <a:xfrm>
+            <a:off x="2324408" y="3561993"/>
+            <a:ext cx="649799" cy="954869"/>
+          </a:xfrm>
+          <a:prstGeom prst="roundRect">
+            <a:avLst/>
+          </a:prstGeom>
+          <a:noFill/>
+        </p:spPr>
+        <p:style>
+          <a:lnRef idx="2">
+            <a:schemeClr val="accent1">
+              <a:shade val="15000"/>
+            </a:schemeClr>
+          </a:lnRef>
+          <a:fillRef idx="1">
+            <a:schemeClr val="accent1"/>
+          </a:fillRef>
+          <a:effectRef idx="0">
+            <a:schemeClr val="accent1"/>
+          </a:effectRef>
+          <a:fontRef idx="minor">
+            <a:schemeClr val="lt1"/>
+          </a:fontRef>
+        </p:style>
+        <p:txBody>
+          <a:bodyPr rtlCol="0" anchor="ctr"/>
+          <a:lstStyle/>
+          <a:p>
+            <a:pPr algn="ctr"/>
+            <a:r>
+              <a:rPr lang="en-US" sz="2000" dirty="0">
+                <a:solidFill>
+                  <a:schemeClr val="tx1"/>
+                </a:solidFill>
+                <a:latin typeface="Arial Rounded MT Bold" panose="020F0704030504030204" pitchFamily="34" charset="0"/>
+              </a:rPr>
+              <a:t>AI</a:t>
+            </a:r>
+          </a:p>
+        </p:txBody>
+      </p:sp>
+      <p:grpSp>
+        <p:nvGrpSpPr>
+          <p:cNvPr id="61" name="Group 60">
+            <a:extLst>
+              <a:ext uri="{FF2B5EF4-FFF2-40B4-BE49-F238E27FC236}">
+                <a16:creationId xmlns:a16="http://schemas.microsoft.com/office/drawing/2014/main" id="{0C38A0D2-BD5E-DD3C-94DF-DD915A2B3F21}"/>
+              </a:ext>
+            </a:extLst>
+          </p:cNvPr>
+          <p:cNvGrpSpPr/>
+          <p:nvPr/>
+        </p:nvGrpSpPr>
+        <p:grpSpPr>
+          <a:xfrm>
+            <a:off x="8050387" y="3579158"/>
+            <a:ext cx="1710517" cy="421784"/>
+            <a:chOff x="6020046" y="2530428"/>
+            <a:chExt cx="1710517" cy="421784"/>
+          </a:xfrm>
+        </p:grpSpPr>
+        <p:cxnSp>
+          <p:nvCxnSpPr>
+            <p:cNvPr id="62" name="Straight Arrow Connector 61">
+              <a:extLst>
+                <a:ext uri="{FF2B5EF4-FFF2-40B4-BE49-F238E27FC236}">
+                  <a16:creationId xmlns:a16="http://schemas.microsoft.com/office/drawing/2014/main" id="{5E9A50E4-2A90-EA88-C17D-AE8FA674C3CC}"/>
+                </a:ext>
+              </a:extLst>
+            </p:cNvPr>
+            <p:cNvCxnSpPr>
+              <a:cxnSpLocks/>
+            </p:cNvCxnSpPr>
+            <p:nvPr/>
+          </p:nvCxnSpPr>
+          <p:spPr>
+            <a:xfrm>
+              <a:off x="6020046" y="2952212"/>
+              <a:ext cx="1710517" cy="0"/>
+            </a:xfrm>
+            <a:prstGeom prst="straightConnector1">
+              <a:avLst/>
+            </a:prstGeom>
+            <a:ln w="31750">
+              <a:solidFill>
+                <a:schemeClr val="tx1"/>
+              </a:solidFill>
+              <a:tailEnd type="triangle"/>
+            </a:ln>
+          </p:spPr>
+          <p:style>
+            <a:lnRef idx="2">
+              <a:schemeClr val="accent1"/>
+            </a:lnRef>
+            <a:fillRef idx="0">
+              <a:schemeClr val="accent1"/>
+            </a:fillRef>
+            <a:effectRef idx="1">
+              <a:schemeClr val="accent1"/>
+            </a:effectRef>
+            <a:fontRef idx="minor">
+              <a:schemeClr val="tx1"/>
+            </a:fontRef>
+          </p:style>
+        </p:cxnSp>
+        <p:sp>
+          <p:nvSpPr>
+            <p:cNvPr id="63" name="TextBox 62">
+              <a:extLst>
+                <a:ext uri="{FF2B5EF4-FFF2-40B4-BE49-F238E27FC236}">
+                  <a16:creationId xmlns:a16="http://schemas.microsoft.com/office/drawing/2014/main" id="{8A202332-4124-B054-85BB-D1500EB72A50}"/>
+                </a:ext>
+              </a:extLst>
+            </p:cNvPr>
+            <p:cNvSpPr txBox="1"/>
+            <p:nvPr/>
+          </p:nvSpPr>
+          <p:spPr>
+            <a:xfrm>
+              <a:off x="6330026" y="2530428"/>
+              <a:ext cx="1090555" cy="369332"/>
+            </a:xfrm>
+            <a:prstGeom prst="rect">
+              <a:avLst/>
+            </a:prstGeom>
+            <a:noFill/>
+          </p:spPr>
+          <p:txBody>
+            <a:bodyPr wrap="none" rtlCol="0">
+              <a:spAutoFit/>
+            </a:bodyPr>
+            <a:lstStyle/>
+            <a:p>
+              <a:r>
+                <a:rPr lang="en-US" dirty="0">
+                  <a:latin typeface="Arial Rounded MT Bold" panose="020F0704030504030204" pitchFamily="34" charset="0"/>
+                </a:rPr>
+                <a:t>Execute</a:t>
+              </a:r>
+            </a:p>
+          </p:txBody>
+        </p:sp>
+      </p:grpSp>
+      <p:grpSp>
+        <p:nvGrpSpPr>
+          <p:cNvPr id="64" name="Group 63">
+            <a:extLst>
+              <a:ext uri="{FF2B5EF4-FFF2-40B4-BE49-F238E27FC236}">
+                <a16:creationId xmlns:a16="http://schemas.microsoft.com/office/drawing/2014/main" id="{E1635DA3-A946-79CF-3F75-7368C224EDEE}"/>
+              </a:ext>
+            </a:extLst>
+          </p:cNvPr>
+          <p:cNvGrpSpPr/>
+          <p:nvPr/>
+        </p:nvGrpSpPr>
+        <p:grpSpPr>
+          <a:xfrm>
+            <a:off x="8075961" y="4368189"/>
+            <a:ext cx="1650628" cy="475556"/>
+            <a:chOff x="4976979" y="5934876"/>
+            <a:chExt cx="1650628" cy="475556"/>
+          </a:xfrm>
+        </p:grpSpPr>
+        <p:cxnSp>
+          <p:nvCxnSpPr>
+            <p:cNvPr id="65" name="Straight Arrow Connector 64">
+              <a:extLst>
+                <a:ext uri="{FF2B5EF4-FFF2-40B4-BE49-F238E27FC236}">
+                  <a16:creationId xmlns:a16="http://schemas.microsoft.com/office/drawing/2014/main" id="{01D278BB-DFAE-3821-5E48-1F329E4395D8}"/>
+                </a:ext>
+              </a:extLst>
+            </p:cNvPr>
+            <p:cNvCxnSpPr>
+              <a:cxnSpLocks/>
+            </p:cNvCxnSpPr>
+            <p:nvPr/>
+          </p:nvCxnSpPr>
+          <p:spPr>
+            <a:xfrm flipH="1">
+              <a:off x="4976979" y="5934876"/>
+              <a:ext cx="1650628" cy="0"/>
+            </a:xfrm>
+            <a:prstGeom prst="straightConnector1">
+              <a:avLst/>
+            </a:prstGeom>
+            <a:ln w="31750">
+              <a:solidFill>
+                <a:schemeClr val="tx1"/>
+              </a:solidFill>
+              <a:tailEnd type="triangle"/>
+            </a:ln>
+          </p:spPr>
+          <p:style>
+            <a:lnRef idx="2">
+              <a:schemeClr val="accent1"/>
+            </a:lnRef>
+            <a:fillRef idx="0">
+              <a:schemeClr val="accent1"/>
+            </a:fillRef>
+            <a:effectRef idx="1">
+              <a:schemeClr val="accent1"/>
+            </a:effectRef>
+            <a:fontRef idx="minor">
+              <a:schemeClr val="tx1"/>
+            </a:fontRef>
+          </p:style>
+        </p:cxnSp>
+        <p:sp>
+          <p:nvSpPr>
+            <p:cNvPr id="66" name="TextBox 65">
+              <a:extLst>
+                <a:ext uri="{FF2B5EF4-FFF2-40B4-BE49-F238E27FC236}">
+                  <a16:creationId xmlns:a16="http://schemas.microsoft.com/office/drawing/2014/main" id="{E3122539-1F6B-D3A0-27E9-92127A5FC93B}"/>
+                </a:ext>
+              </a:extLst>
+            </p:cNvPr>
+            <p:cNvSpPr txBox="1"/>
+            <p:nvPr/>
+          </p:nvSpPr>
+          <p:spPr>
+            <a:xfrm>
+              <a:off x="5386926" y="6041100"/>
+              <a:ext cx="892232" cy="369332"/>
+            </a:xfrm>
+            <a:prstGeom prst="rect">
+              <a:avLst/>
+            </a:prstGeom>
+            <a:noFill/>
+          </p:spPr>
+          <p:txBody>
+            <a:bodyPr wrap="none" rtlCol="0">
+              <a:spAutoFit/>
+            </a:bodyPr>
+            <a:lstStyle/>
+            <a:p>
+              <a:r>
+                <a:rPr lang="en-US" dirty="0">
+                  <a:latin typeface="Arial Rounded MT Bold" panose="020F0704030504030204" pitchFamily="34" charset="0"/>
+                </a:rPr>
+                <a:t>Result</a:t>
+              </a:r>
+            </a:p>
+          </p:txBody>
+        </p:sp>
+      </p:grpSp>
+      <p:grpSp>
+        <p:nvGrpSpPr>
+          <p:cNvPr id="71" name="Group 70">
+            <a:extLst>
+              <a:ext uri="{FF2B5EF4-FFF2-40B4-BE49-F238E27FC236}">
+                <a16:creationId xmlns:a16="http://schemas.microsoft.com/office/drawing/2014/main" id="{4F3CA4CF-67FB-75A7-4EEF-514810C809BF}"/>
+              </a:ext>
+            </a:extLst>
+          </p:cNvPr>
+          <p:cNvGrpSpPr/>
+          <p:nvPr/>
+        </p:nvGrpSpPr>
+        <p:grpSpPr>
+          <a:xfrm>
+            <a:off x="5214362" y="3429000"/>
+            <a:ext cx="1763275" cy="442756"/>
+            <a:chOff x="6020046" y="2509456"/>
+            <a:chExt cx="1763275" cy="442756"/>
+          </a:xfrm>
+        </p:grpSpPr>
+        <p:cxnSp>
+          <p:nvCxnSpPr>
+            <p:cNvPr id="72" name="Straight Arrow Connector 71">
+              <a:extLst>
+                <a:ext uri="{FF2B5EF4-FFF2-40B4-BE49-F238E27FC236}">
+                  <a16:creationId xmlns:a16="http://schemas.microsoft.com/office/drawing/2014/main" id="{DF86EB8E-D510-212C-5AF1-84ADCD687B9F}"/>
+                </a:ext>
+              </a:extLst>
+            </p:cNvPr>
+            <p:cNvCxnSpPr>
+              <a:cxnSpLocks/>
+            </p:cNvCxnSpPr>
+            <p:nvPr/>
+          </p:nvCxnSpPr>
+          <p:spPr>
+            <a:xfrm>
+              <a:off x="6020046" y="2952212"/>
+              <a:ext cx="1710517" cy="0"/>
+            </a:xfrm>
+            <a:prstGeom prst="straightConnector1">
+              <a:avLst/>
+            </a:prstGeom>
+            <a:ln w="31750">
+              <a:solidFill>
+                <a:schemeClr val="tx1"/>
+              </a:solidFill>
+              <a:tailEnd type="triangle"/>
+            </a:ln>
+          </p:spPr>
+          <p:style>
+            <a:lnRef idx="2">
+              <a:schemeClr val="accent1"/>
+            </a:lnRef>
+            <a:fillRef idx="0">
+              <a:schemeClr val="accent1"/>
+            </a:fillRef>
+            <a:effectRef idx="1">
+              <a:schemeClr val="accent1"/>
+            </a:effectRef>
+            <a:fontRef idx="minor">
+              <a:schemeClr val="tx1"/>
+            </a:fontRef>
+          </p:style>
+        </p:cxnSp>
+        <p:sp>
+          <p:nvSpPr>
+            <p:cNvPr id="73" name="TextBox 72">
+              <a:extLst>
+                <a:ext uri="{FF2B5EF4-FFF2-40B4-BE49-F238E27FC236}">
+                  <a16:creationId xmlns:a16="http://schemas.microsoft.com/office/drawing/2014/main" id="{6C27E2FE-A17E-FAF6-38C1-890744A1342E}"/>
+                </a:ext>
+              </a:extLst>
+            </p:cNvPr>
+            <p:cNvSpPr txBox="1"/>
+            <p:nvPr/>
+          </p:nvSpPr>
+          <p:spPr>
+            <a:xfrm>
+              <a:off x="6096000" y="2509456"/>
+              <a:ext cx="1687321" cy="369332"/>
+            </a:xfrm>
+            <a:prstGeom prst="rect">
+              <a:avLst/>
+            </a:prstGeom>
+            <a:noFill/>
+          </p:spPr>
+          <p:txBody>
+            <a:bodyPr wrap="none" rtlCol="0">
+              <a:spAutoFit/>
+            </a:bodyPr>
+            <a:lstStyle/>
+            <a:p>
+              <a:r>
+                <a:rPr lang="en-US" dirty="0">
+                  <a:latin typeface="Arial Rounded MT Bold" panose="020F0704030504030204" pitchFamily="34" charset="0"/>
+                </a:rPr>
+                <a:t>MCP Request</a:t>
+              </a:r>
+            </a:p>
+          </p:txBody>
+        </p:sp>
+      </p:grpSp>
+      <p:grpSp>
+        <p:nvGrpSpPr>
+          <p:cNvPr id="87" name="Group 86">
+            <a:extLst>
+              <a:ext uri="{FF2B5EF4-FFF2-40B4-BE49-F238E27FC236}">
+                <a16:creationId xmlns:a16="http://schemas.microsoft.com/office/drawing/2014/main" id="{CBBD5B81-A93F-8D75-EBC8-B2BE3CB2DAEC}"/>
+              </a:ext>
+            </a:extLst>
+          </p:cNvPr>
+          <p:cNvGrpSpPr/>
+          <p:nvPr/>
+        </p:nvGrpSpPr>
+        <p:grpSpPr>
+          <a:xfrm>
+            <a:off x="3027121" y="3429429"/>
+            <a:ext cx="830713" cy="415803"/>
+            <a:chOff x="3027121" y="3429429"/>
+            <a:chExt cx="830713" cy="415803"/>
+          </a:xfrm>
+        </p:grpSpPr>
+        <p:cxnSp>
+          <p:nvCxnSpPr>
+            <p:cNvPr id="75" name="Straight Arrow Connector 74">
+              <a:extLst>
+                <a:ext uri="{FF2B5EF4-FFF2-40B4-BE49-F238E27FC236}">
+                  <a16:creationId xmlns:a16="http://schemas.microsoft.com/office/drawing/2014/main" id="{C25B42BB-2D0E-308B-9297-0E32AD0A9BE8}"/>
+                </a:ext>
+              </a:extLst>
+            </p:cNvPr>
+            <p:cNvCxnSpPr>
+              <a:cxnSpLocks/>
+            </p:cNvCxnSpPr>
+            <p:nvPr/>
+          </p:nvCxnSpPr>
+          <p:spPr>
+            <a:xfrm>
+              <a:off x="3027121" y="3837888"/>
+              <a:ext cx="830713" cy="7344"/>
+            </a:xfrm>
+            <a:prstGeom prst="straightConnector1">
+              <a:avLst/>
+            </a:prstGeom>
+            <a:ln w="31750">
+              <a:solidFill>
+                <a:schemeClr val="tx1"/>
+              </a:solidFill>
+              <a:tailEnd type="triangle"/>
+            </a:ln>
+          </p:spPr>
+          <p:style>
+            <a:lnRef idx="2">
+              <a:schemeClr val="accent1"/>
+            </a:lnRef>
+            <a:fillRef idx="0">
+              <a:schemeClr val="accent1"/>
+            </a:fillRef>
+            <a:effectRef idx="1">
+              <a:schemeClr val="accent1"/>
+            </a:effectRef>
+            <a:fontRef idx="minor">
+              <a:schemeClr val="tx1"/>
+            </a:fontRef>
+          </p:style>
+        </p:cxnSp>
+        <p:sp>
+          <p:nvSpPr>
+            <p:cNvPr id="76" name="TextBox 75">
+              <a:extLst>
+                <a:ext uri="{FF2B5EF4-FFF2-40B4-BE49-F238E27FC236}">
+                  <a16:creationId xmlns:a16="http://schemas.microsoft.com/office/drawing/2014/main" id="{228E896F-F895-B135-99F7-189FEDA3D1C4}"/>
+                </a:ext>
+              </a:extLst>
+            </p:cNvPr>
+            <p:cNvSpPr txBox="1"/>
+            <p:nvPr/>
+          </p:nvSpPr>
+          <p:spPr>
+            <a:xfrm>
+              <a:off x="3101072" y="3429429"/>
+              <a:ext cx="619080" cy="369332"/>
+            </a:xfrm>
+            <a:prstGeom prst="rect">
+              <a:avLst/>
+            </a:prstGeom>
+            <a:noFill/>
+          </p:spPr>
+          <p:txBody>
+            <a:bodyPr wrap="none" rtlCol="0">
+              <a:spAutoFit/>
+            </a:bodyPr>
+            <a:lstStyle/>
+            <a:p>
+              <a:r>
+                <a:rPr lang="en-US" dirty="0">
+                  <a:latin typeface="Arial Rounded MT Bold" panose="020F0704030504030204" pitchFamily="34" charset="0"/>
+                </a:rPr>
+                <a:t>Call</a:t>
+              </a:r>
+            </a:p>
+          </p:txBody>
+        </p:sp>
+      </p:grpSp>
+      <p:grpSp>
+        <p:nvGrpSpPr>
+          <p:cNvPr id="89" name="Group 88">
+            <a:extLst>
+              <a:ext uri="{FF2B5EF4-FFF2-40B4-BE49-F238E27FC236}">
+                <a16:creationId xmlns:a16="http://schemas.microsoft.com/office/drawing/2014/main" id="{70D63B72-0CF5-9E5B-F0A0-AD926A5251CB}"/>
+              </a:ext>
+            </a:extLst>
+          </p:cNvPr>
+          <p:cNvGrpSpPr/>
+          <p:nvPr/>
+        </p:nvGrpSpPr>
+        <p:grpSpPr>
+          <a:xfrm>
+            <a:off x="1413240" y="4289098"/>
+            <a:ext cx="1033488" cy="692765"/>
+            <a:chOff x="1413240" y="4289098"/>
+            <a:chExt cx="1033488" cy="692765"/>
+          </a:xfrm>
+        </p:grpSpPr>
+        <p:cxnSp>
+          <p:nvCxnSpPr>
+            <p:cNvPr id="78" name="Straight Arrow Connector 77">
+              <a:extLst>
+                <a:ext uri="{FF2B5EF4-FFF2-40B4-BE49-F238E27FC236}">
+                  <a16:creationId xmlns:a16="http://schemas.microsoft.com/office/drawing/2014/main" id="{5B3492DA-1616-C2A7-46B1-6D1C9030D72C}"/>
+                </a:ext>
+              </a:extLst>
+            </p:cNvPr>
+            <p:cNvCxnSpPr/>
+            <p:nvPr/>
+          </p:nvCxnSpPr>
+          <p:spPr>
+            <a:xfrm flipH="1">
+              <a:off x="1472568" y="4289098"/>
+              <a:ext cx="821075" cy="0"/>
+            </a:xfrm>
+            <a:prstGeom prst="straightConnector1">
+              <a:avLst/>
+            </a:prstGeom>
+            <a:ln w="31750">
+              <a:solidFill>
+                <a:schemeClr val="tx1"/>
+              </a:solidFill>
+              <a:tailEnd type="triangle"/>
+            </a:ln>
+          </p:spPr>
+          <p:style>
+            <a:lnRef idx="2">
+              <a:schemeClr val="accent1"/>
+            </a:lnRef>
+            <a:fillRef idx="0">
+              <a:schemeClr val="accent1"/>
+            </a:fillRef>
+            <a:effectRef idx="1">
+              <a:schemeClr val="accent1"/>
+            </a:effectRef>
+            <a:fontRef idx="minor">
+              <a:schemeClr val="tx1"/>
+            </a:fontRef>
+          </p:style>
+        </p:cxnSp>
+        <p:sp>
+          <p:nvSpPr>
+            <p:cNvPr id="79" name="TextBox 78">
+              <a:extLst>
+                <a:ext uri="{FF2B5EF4-FFF2-40B4-BE49-F238E27FC236}">
+                  <a16:creationId xmlns:a16="http://schemas.microsoft.com/office/drawing/2014/main" id="{6D6A4B01-29C5-21FF-3817-04437F5FBD5D}"/>
+                </a:ext>
+              </a:extLst>
+            </p:cNvPr>
+            <p:cNvSpPr txBox="1"/>
+            <p:nvPr/>
+          </p:nvSpPr>
+          <p:spPr>
+            <a:xfrm>
+              <a:off x="1413240" y="4335532"/>
+              <a:ext cx="1033488" cy="646331"/>
+            </a:xfrm>
+            <a:prstGeom prst="rect">
+              <a:avLst/>
+            </a:prstGeom>
+            <a:noFill/>
+          </p:spPr>
+          <p:txBody>
+            <a:bodyPr wrap="none" rtlCol="0">
+              <a:spAutoFit/>
+            </a:bodyPr>
+            <a:lstStyle/>
+            <a:p>
+              <a:pPr algn="ctr"/>
+              <a:r>
+                <a:rPr lang="en-US" dirty="0">
+                  <a:latin typeface="Arial Rounded MT Bold" panose="020F0704030504030204" pitchFamily="34" charset="0"/>
+                </a:rPr>
+                <a:t>Final </a:t>
+              </a:r>
+            </a:p>
+            <a:p>
+              <a:pPr algn="ctr"/>
+              <a:r>
+                <a:rPr lang="en-US" dirty="0">
+                  <a:latin typeface="Arial Rounded MT Bold" panose="020F0704030504030204" pitchFamily="34" charset="0"/>
+                </a:rPr>
+                <a:t>Answer</a:t>
+              </a:r>
+            </a:p>
+          </p:txBody>
+        </p:sp>
+      </p:grpSp>
+      <p:cxnSp>
+        <p:nvCxnSpPr>
+          <p:cNvPr id="81" name="Straight Arrow Connector 80">
+            <a:extLst>
+              <a:ext uri="{FF2B5EF4-FFF2-40B4-BE49-F238E27FC236}">
+                <a16:creationId xmlns:a16="http://schemas.microsoft.com/office/drawing/2014/main" id="{E1F650DC-C0CE-D604-5429-C3A64070FE6C}"/>
+              </a:ext>
+            </a:extLst>
+          </p:cNvPr>
+          <p:cNvCxnSpPr>
+            <a:cxnSpLocks/>
+          </p:cNvCxnSpPr>
+          <p:nvPr/>
+        </p:nvCxnSpPr>
+        <p:spPr>
+          <a:xfrm flipH="1" flipV="1">
+            <a:off x="2974207" y="4368189"/>
+            <a:ext cx="809676" cy="1921"/>
+          </a:xfrm>
+          <a:prstGeom prst="straightConnector1">
+            <a:avLst/>
+          </a:prstGeom>
+          <a:ln w="31750">
+            <a:solidFill>
+              <a:schemeClr val="tx1"/>
+            </a:solidFill>
+            <a:tailEnd type="triangle"/>
+          </a:ln>
+        </p:spPr>
+        <p:style>
+          <a:lnRef idx="2">
+            <a:schemeClr val="accent1"/>
+          </a:lnRef>
+          <a:fillRef idx="0">
+            <a:schemeClr val="accent1"/>
+          </a:fillRef>
+          <a:effectRef idx="1">
+            <a:schemeClr val="accent1"/>
+          </a:effectRef>
+          <a:fontRef idx="minor">
+            <a:schemeClr val="tx1"/>
+          </a:fontRef>
+        </p:style>
+      </p:cxnSp>
+      <p:sp>
+        <p:nvSpPr>
+          <p:cNvPr id="84" name="TextBox 83">
+            <a:extLst>
+              <a:ext uri="{FF2B5EF4-FFF2-40B4-BE49-F238E27FC236}">
+                <a16:creationId xmlns:a16="http://schemas.microsoft.com/office/drawing/2014/main" id="{FACFBA16-F513-F541-626F-CCF381F37902}"/>
+              </a:ext>
+            </a:extLst>
+          </p:cNvPr>
+          <p:cNvSpPr txBox="1"/>
+          <p:nvPr/>
+        </p:nvSpPr>
+        <p:spPr>
+          <a:xfrm>
+            <a:off x="2924473" y="4409949"/>
+            <a:ext cx="1111394" cy="567074"/>
+          </a:xfrm>
+          <a:prstGeom prst="rect">
+            <a:avLst/>
+          </a:prstGeom>
+          <a:noFill/>
+        </p:spPr>
+        <p:txBody>
+          <a:bodyPr wrap="none" rtlCol="0">
+            <a:spAutoFit/>
+          </a:bodyPr>
+          <a:lstStyle/>
+          <a:p>
+            <a:pPr algn="ctr"/>
             <a:r>
               <a:rPr lang="en-US" dirty="0">
                 <a:latin typeface="Arial Rounded MT Bold" panose="020F0704030504030204" pitchFamily="34" charset="0"/>
               </a:rPr>
-              <a:t>Standardized AI-to-tool integration</a:t>
-            </a:r>
-          </a:p>
-          <a:p>
-            <a:r>
-              <a:rPr lang="en-US" dirty="0"/>
-              <a:t>✅ </a:t>
-            </a:r>
+              <a:t>Context </a:t>
+            </a:r>
+          </a:p>
+          <a:p>
+            <a:pPr algn="ctr"/>
             <a:r>
               <a:rPr lang="en-US" dirty="0">
                 <a:latin typeface="Arial Rounded MT Bold" panose="020F0704030504030204" pitchFamily="34" charset="0"/>
               </a:rPr>
-              <a:t>Security and permission boundaries</a:t>
-            </a:r>
-          </a:p>
-          <a:p>
-            <a:r>
-              <a:rPr lang="en-US" dirty="0"/>
-              <a:t>✅ </a:t>
-            </a:r>
-            <a:r>
-              <a:rPr lang="en-US" dirty="0">
-                <a:latin typeface="Arial Rounded MT Bold" panose="020F0704030504030204" pitchFamily="34" charset="0"/>
-              </a:rPr>
-              <a:t>Context management built-in</a:t>
-            </a:r>
-          </a:p>
-          <a:p>
-            <a:r>
-              <a:rPr lang="en-US" dirty="0"/>
-              <a:t>✅ </a:t>
-            </a:r>
-            <a:r>
-              <a:rPr lang="en-US" dirty="0">
-                <a:latin typeface="Arial Rounded MT Bold" panose="020F0704030504030204" pitchFamily="34" charset="0"/>
-              </a:rPr>
-              <a:t>Tool discovery and invocation</a:t>
-            </a:r>
-          </a:p>
-          <a:p>
-            <a:r>
-              <a:rPr lang="en-US" dirty="0"/>
-              <a:t>✅ </a:t>
-            </a:r>
-            <a:r>
-              <a:rPr lang="en-US" dirty="0">
-                <a:latin typeface="Arial Rounded MT Bold" panose="020F0704030504030204" pitchFamily="34" charset="0"/>
-              </a:rPr>
-              <a:t>Reusable servers across apps</a:t>
-            </a:r>
-          </a:p>
-          <a:p>
-            <a:endParaRPr lang="en-US" dirty="0">
-              <a:latin typeface="Arial Rounded MT Bold" panose="020F0704030504030204" pitchFamily="34" charset="0"/>
-            </a:endParaRPr>
+              <a:t>Data</a:t>
+            </a:r>
           </a:p>
         </p:txBody>
       </p:sp>
     </p:spTree>
     <p:extLst>
       <p:ext uri="{BB962C8B-B14F-4D97-AF65-F5344CB8AC3E}">
-        <p14:creationId xmlns:p14="http://schemas.microsoft.com/office/powerpoint/2010/main" val="2839801116"/>
+        <p14:creationId xmlns:p14="http://schemas.microsoft.com/office/powerpoint/2010/main" val="3979798783"/>
       </p:ext>
     </p:extLst>
   </p:cSld>
   <p:clrMapOvr>
     <a:masterClrMapping/>
   </p:clrMapOvr>
-</p:sld>
-</file>
-
-<file path=ppt/slides/slide9.xml><?xml version="1.0" encoding="utf-8"?>
-<p:sld xmlns:a="http://schemas.openxmlformats.org/drawingml/2006/main" xmlns:r="http://schemas.openxmlformats.org/officeDocument/2006/relationships" xmlns:p="http://schemas.openxmlformats.org/presentationml/2006/main">
-  <p:cSld>
-    <p:spTree>
-      <p:nvGrpSpPr>
-        <p:cNvPr id="1" name="">
-          <a:extLst>
-            <a:ext uri="{FF2B5EF4-FFF2-40B4-BE49-F238E27FC236}">
-              <a16:creationId xmlns:a16="http://schemas.microsoft.com/office/drawing/2014/main" id="{28E6DCFA-95DA-2C27-943F-D2051EF7FA06}"/>
-            </a:ext>
-          </a:extLst>
-        </p:cNvPr>
-        <p:cNvGrpSpPr/>
-        <p:nvPr/>
-      </p:nvGrpSpPr>
-      <p:grpSpPr>
-        <a:xfrm>
-          <a:off x="0" y="0"/>
-          <a:ext cx="0" cy="0"/>
-          <a:chOff x="0" y="0"/>
-          <a:chExt cx="0" cy="0"/>
-        </a:xfrm>
-      </p:grpSpPr>
-      <p:pic>
-        <p:nvPicPr>
-          <p:cNvPr id="5" name="Picture 4" descr="A white background with blue waves&#10;&#10;AI-generated content may be incorrect.">
-            <a:extLst>
-              <a:ext uri="{FF2B5EF4-FFF2-40B4-BE49-F238E27FC236}">
-                <a16:creationId xmlns:a16="http://schemas.microsoft.com/office/drawing/2014/main" id="{8BC4390C-0843-A325-1D15-D80E7481A368}"/>
-              </a:ext>
-            </a:extLst>
-          </p:cNvPr>
-          <p:cNvPicPr>
-            <a:picLocks noChangeAspect="1"/>
-          </p:cNvPicPr>
-          <p:nvPr/>
-        </p:nvPicPr>
-        <p:blipFill>
-          <a:blip r:embed="rId2">
-            <a:extLst>
-              <a:ext uri="{28A0092B-C50C-407E-A947-70E740481C1C}">
-                <a14:useLocalDpi xmlns:a14="http://schemas.microsoft.com/office/drawing/2010/main" val="0"/>
-              </a:ext>
-            </a:extLst>
-          </a:blip>
-          <a:stretch>
-            <a:fillRect/>
-          </a:stretch>
-        </p:blipFill>
-        <p:spPr>
-          <a:xfrm>
-            <a:off x="0" y="4281"/>
-            <a:ext cx="12192000" cy="6849438"/>
-          </a:xfrm>
-          <a:prstGeom prst="rect">
-            <a:avLst/>
-          </a:prstGeom>
-        </p:spPr>
-      </p:pic>
-      <p:sp>
-        <p:nvSpPr>
-          <p:cNvPr id="2" name="Title 1">
-            <a:extLst>
-              <a:ext uri="{FF2B5EF4-FFF2-40B4-BE49-F238E27FC236}">
-                <a16:creationId xmlns:a16="http://schemas.microsoft.com/office/drawing/2014/main" id="{AA962FA7-9597-C5F1-7AC4-29096238F49D}"/>
-              </a:ext>
-            </a:extLst>
-          </p:cNvPr>
-          <p:cNvSpPr>
-            <a:spLocks noGrp="1"/>
-          </p:cNvSpPr>
-          <p:nvPr>
-            <p:ph type="title"/>
-          </p:nvPr>
-        </p:nvSpPr>
-        <p:spPr/>
-        <p:txBody>
-          <a:bodyPr/>
-          <a:lstStyle/>
-          <a:p>
-            <a:r>
-              <a:rPr lang="en-US" dirty="0">
-                <a:latin typeface="Arial Rounded MT Bold" panose="020F0704030504030204" pitchFamily="34" charset="0"/>
-              </a:rPr>
-              <a:t>The MSSQL MCP Server</a:t>
-            </a:r>
-          </a:p>
-        </p:txBody>
-      </p:sp>
-      <p:sp>
-        <p:nvSpPr>
-          <p:cNvPr id="6" name="Text Placeholder 5">
-            <a:extLst>
-              <a:ext uri="{FF2B5EF4-FFF2-40B4-BE49-F238E27FC236}">
-                <a16:creationId xmlns:a16="http://schemas.microsoft.com/office/drawing/2014/main" id="{FE134E6C-EE25-5348-6D15-BCC92A1800C6}"/>
-              </a:ext>
-            </a:extLst>
-          </p:cNvPr>
-          <p:cNvSpPr>
-            <a:spLocks noGrp="1"/>
-          </p:cNvSpPr>
-          <p:nvPr>
-            <p:ph type="body" idx="1"/>
-          </p:nvPr>
-        </p:nvSpPr>
-        <p:spPr/>
-        <p:txBody>
-          <a:bodyPr anchor="ctr" anchorCtr="0">
-            <a:normAutofit/>
-          </a:bodyPr>
-          <a:lstStyle/>
-          <a:p>
-            <a:r>
-              <a:rPr lang="en-US" sz="2800" dirty="0">
-                <a:latin typeface="Arial Rounded MT Bold" panose="020F0704030504030204" pitchFamily="34" charset="0"/>
-              </a:rPr>
-              <a:t>What it provides:</a:t>
-            </a:r>
-          </a:p>
-        </p:txBody>
-      </p:sp>
-      <p:sp>
-        <p:nvSpPr>
-          <p:cNvPr id="7" name="Content Placeholder 6">
-            <a:extLst>
-              <a:ext uri="{FF2B5EF4-FFF2-40B4-BE49-F238E27FC236}">
-                <a16:creationId xmlns:a16="http://schemas.microsoft.com/office/drawing/2014/main" id="{D76E6151-9CDE-A6AD-7213-E14A2B18D582}"/>
-              </a:ext>
-            </a:extLst>
-          </p:cNvPr>
-          <p:cNvSpPr>
-            <a:spLocks noGrp="1"/>
-          </p:cNvSpPr>
-          <p:nvPr>
-            <p:ph sz="half" idx="2"/>
-          </p:nvPr>
-        </p:nvSpPr>
-        <p:spPr>
-          <a:xfrm>
-            <a:off x="839788" y="2505075"/>
-            <a:ext cx="10762404" cy="3684588"/>
-          </a:xfrm>
-        </p:spPr>
-        <p:txBody>
-          <a:bodyPr/>
-          <a:lstStyle/>
-          <a:p>
-            <a:pPr algn="l">
-              <a:lnSpc>
-                <a:spcPct val="100000"/>
-              </a:lnSpc>
-              <a:spcBef>
-                <a:spcPts val="1200"/>
-              </a:spcBef>
-              <a:spcAft>
-                <a:spcPts val="1200"/>
-              </a:spcAft>
-              <a:buFont typeface="Arial" panose="020B0604020202020204" pitchFamily="34" charset="0"/>
-              <a:buChar char="•"/>
-            </a:pPr>
-            <a:r>
-              <a:rPr lang="en-US" sz="2800" b="0" i="0" dirty="0">
-                <a:solidFill>
-                  <a:srgbClr val="000000"/>
-                </a:solidFill>
-                <a:effectLst/>
-                <a:latin typeface="Arial Rounded MT Bold" panose="020F0704030504030204" pitchFamily="34" charset="0"/>
-              </a:rPr>
-              <a:t>Database schema inspection</a:t>
-            </a:r>
-          </a:p>
-          <a:p>
-            <a:pPr algn="l">
-              <a:spcBef>
-                <a:spcPts val="1200"/>
-              </a:spcBef>
-              <a:spcAft>
-                <a:spcPts val="1200"/>
-              </a:spcAft>
-              <a:buFont typeface="Arial" panose="020B0604020202020204" pitchFamily="34" charset="0"/>
-              <a:buChar char="•"/>
-            </a:pPr>
-            <a:r>
-              <a:rPr lang="en-US" sz="2800" b="0" i="0" dirty="0">
-                <a:solidFill>
-                  <a:srgbClr val="000000"/>
-                </a:solidFill>
-                <a:effectLst/>
-                <a:latin typeface="Arial Rounded MT Bold" panose="020F0704030504030204" pitchFamily="34" charset="0"/>
-              </a:rPr>
-              <a:t>CRUD operations</a:t>
-            </a:r>
-          </a:p>
-          <a:p>
-            <a:pPr algn="l">
-              <a:spcBef>
-                <a:spcPts val="1200"/>
-              </a:spcBef>
-              <a:spcAft>
-                <a:spcPts val="1200"/>
-              </a:spcAft>
-              <a:buFont typeface="Arial" panose="020B0604020202020204" pitchFamily="34" charset="0"/>
-              <a:buChar char="•"/>
-            </a:pPr>
-            <a:r>
-              <a:rPr lang="en-US" sz="2800" b="0" i="0" dirty="0">
-                <a:solidFill>
-                  <a:srgbClr val="000000"/>
-                </a:solidFill>
-                <a:effectLst/>
-                <a:latin typeface="Arial Rounded MT Bold" panose="020F0704030504030204" pitchFamily="34" charset="0"/>
-              </a:rPr>
-              <a:t>Query execution</a:t>
-            </a:r>
-          </a:p>
-          <a:p>
-            <a:pPr algn="l">
-              <a:spcBef>
-                <a:spcPts val="1200"/>
-              </a:spcBef>
-              <a:spcAft>
-                <a:spcPts val="1200"/>
-              </a:spcAft>
-              <a:buFont typeface="Arial" panose="020B0604020202020204" pitchFamily="34" charset="0"/>
-              <a:buChar char="•"/>
-            </a:pPr>
-            <a:r>
-              <a:rPr lang="en-US" sz="2800" b="0" i="0" dirty="0">
-                <a:solidFill>
-                  <a:srgbClr val="000000"/>
-                </a:solidFill>
-                <a:effectLst/>
-                <a:latin typeface="Arial Rounded MT Bold" panose="020F0704030504030204" pitchFamily="34" charset="0"/>
-              </a:rPr>
-              <a:t>Table creation and management</a:t>
-            </a:r>
-          </a:p>
-        </p:txBody>
-      </p:sp>
-    </p:spTree>
-    <p:extLst>
-      <p:ext uri="{BB962C8B-B14F-4D97-AF65-F5344CB8AC3E}">
-        <p14:creationId xmlns:p14="http://schemas.microsoft.com/office/powerpoint/2010/main" val="156162954"/>
-      </p:ext>
-    </p:extLst>
-  </p:cSld>
-  <p:clrMapOvr>
-    <a:masterClrMapping/>
-  </p:clrMapOvr>
+  <p:timing>
+    <p:tnLst>
+      <p:par>
+        <p:cTn id="1" dur="indefinite" restart="never" nodeType="tmRoot">
+          <p:childTnLst>
+            <p:seq concurrent="1" nextAc="seek">
+              <p:cTn id="2" dur="indefinite" nodeType="mainSeq">
+                <p:childTnLst>
+                  <p:par>
+                    <p:cTn id="3" fill="hold">
+                      <p:stCondLst>
+                        <p:cond delay="indefinite"/>
+                      </p:stCondLst>
+                      <p:childTnLst>
+                        <p:par>
+                          <p:cTn id="4" fill="hold">
+                            <p:stCondLst>
+                              <p:cond delay="0"/>
+                            </p:stCondLst>
+                            <p:childTnLst>
+                              <p:par>
+                                <p:cTn id="5" presetID="1" presetClass="entr" presetSubtype="0" fill="hold" nodeType="clickEffect">
+                                  <p:stCondLst>
+                                    <p:cond delay="0"/>
+                                  </p:stCondLst>
+                                  <p:childTnLst>
+                                    <p:set>
+                                      <p:cBhvr>
+                                        <p:cTn id="6" dur="1" fill="hold">
+                                          <p:stCondLst>
+                                            <p:cond delay="0"/>
+                                          </p:stCondLst>
+                                        </p:cTn>
+                                        <p:tgtEl>
+                                          <p:spTgt spid="86"/>
+                                        </p:tgtEl>
+                                        <p:attrNameLst>
+                                          <p:attrName>style.visibility</p:attrName>
+                                        </p:attrNameLst>
+                                      </p:cBhvr>
+                                      <p:to>
+                                        <p:strVal val="visible"/>
+                                      </p:to>
+                                    </p:set>
+                                  </p:childTnLst>
+                                </p:cTn>
+                              </p:par>
+                            </p:childTnLst>
+                          </p:cTn>
+                        </p:par>
+                      </p:childTnLst>
+                    </p:cTn>
+                  </p:par>
+                  <p:par>
+                    <p:cTn id="7" fill="hold">
+                      <p:stCondLst>
+                        <p:cond delay="indefinite"/>
+                      </p:stCondLst>
+                      <p:childTnLst>
+                        <p:par>
+                          <p:cTn id="8" fill="hold">
+                            <p:stCondLst>
+                              <p:cond delay="0"/>
+                            </p:stCondLst>
+                            <p:childTnLst>
+                              <p:par>
+                                <p:cTn id="9" presetID="1" presetClass="entr" presetSubtype="0" fill="hold" nodeType="clickEffect">
+                                  <p:stCondLst>
+                                    <p:cond delay="0"/>
+                                  </p:stCondLst>
+                                  <p:childTnLst>
+                                    <p:set>
+                                      <p:cBhvr>
+                                        <p:cTn id="10" dur="1" fill="hold">
+                                          <p:stCondLst>
+                                            <p:cond delay="0"/>
+                                          </p:stCondLst>
+                                        </p:cTn>
+                                        <p:tgtEl>
+                                          <p:spTgt spid="87"/>
+                                        </p:tgtEl>
+                                        <p:attrNameLst>
+                                          <p:attrName>style.visibility</p:attrName>
+                                        </p:attrNameLst>
+                                      </p:cBhvr>
+                                      <p:to>
+                                        <p:strVal val="visible"/>
+                                      </p:to>
+                                    </p:set>
+                                  </p:childTnLst>
+                                </p:cTn>
+                              </p:par>
+                            </p:childTnLst>
+                          </p:cTn>
+                        </p:par>
+                      </p:childTnLst>
+                    </p:cTn>
+                  </p:par>
+                  <p:par>
+                    <p:cTn id="11" fill="hold">
+                      <p:stCondLst>
+                        <p:cond delay="indefinite"/>
+                      </p:stCondLst>
+                      <p:childTnLst>
+                        <p:par>
+                          <p:cTn id="12" fill="hold">
+                            <p:stCondLst>
+                              <p:cond delay="0"/>
+                            </p:stCondLst>
+                            <p:childTnLst>
+                              <p:par>
+                                <p:cTn id="13" presetID="1" presetClass="entr" presetSubtype="0" fill="hold" nodeType="clickEffect">
+                                  <p:stCondLst>
+                                    <p:cond delay="0"/>
+                                  </p:stCondLst>
+                                  <p:childTnLst>
+                                    <p:set>
+                                      <p:cBhvr>
+                                        <p:cTn id="14" dur="1" fill="hold">
+                                          <p:stCondLst>
+                                            <p:cond delay="0"/>
+                                          </p:stCondLst>
+                                        </p:cTn>
+                                        <p:tgtEl>
+                                          <p:spTgt spid="71"/>
+                                        </p:tgtEl>
+                                        <p:attrNameLst>
+                                          <p:attrName>style.visibility</p:attrName>
+                                        </p:attrNameLst>
+                                      </p:cBhvr>
+                                      <p:to>
+                                        <p:strVal val="visible"/>
+                                      </p:to>
+                                    </p:set>
+                                  </p:childTnLst>
+                                </p:cTn>
+                              </p:par>
+                            </p:childTnLst>
+                          </p:cTn>
+                        </p:par>
+                      </p:childTnLst>
+                    </p:cTn>
+                  </p:par>
+                  <p:par>
+                    <p:cTn id="15" fill="hold">
+                      <p:stCondLst>
+                        <p:cond delay="indefinite"/>
+                      </p:stCondLst>
+                      <p:childTnLst>
+                        <p:par>
+                          <p:cTn id="16" fill="hold">
+                            <p:stCondLst>
+                              <p:cond delay="0"/>
+                            </p:stCondLst>
+                            <p:childTnLst>
+                              <p:par>
+                                <p:cTn id="17" presetID="1" presetClass="entr" presetSubtype="0" fill="hold" nodeType="clickEffect">
+                                  <p:stCondLst>
+                                    <p:cond delay="0"/>
+                                  </p:stCondLst>
+                                  <p:childTnLst>
+                                    <p:set>
+                                      <p:cBhvr>
+                                        <p:cTn id="18" dur="1" fill="hold">
+                                          <p:stCondLst>
+                                            <p:cond delay="0"/>
+                                          </p:stCondLst>
+                                        </p:cTn>
+                                        <p:tgtEl>
+                                          <p:spTgt spid="61"/>
+                                        </p:tgtEl>
+                                        <p:attrNameLst>
+                                          <p:attrName>style.visibility</p:attrName>
+                                        </p:attrNameLst>
+                                      </p:cBhvr>
+                                      <p:to>
+                                        <p:strVal val="visible"/>
+                                      </p:to>
+                                    </p:set>
+                                  </p:childTnLst>
+                                </p:cTn>
+                              </p:par>
+                            </p:childTnLst>
+                          </p:cTn>
+                        </p:par>
+                      </p:childTnLst>
+                    </p:cTn>
+                  </p:par>
+                  <p:par>
+                    <p:cTn id="19" fill="hold">
+                      <p:stCondLst>
+                        <p:cond delay="indefinite"/>
+                      </p:stCondLst>
+                      <p:childTnLst>
+                        <p:par>
+                          <p:cTn id="20" fill="hold">
+                            <p:stCondLst>
+                              <p:cond delay="0"/>
+                            </p:stCondLst>
+                            <p:childTnLst>
+                              <p:par>
+                                <p:cTn id="21" presetID="1" presetClass="entr" presetSubtype="0" fill="hold" nodeType="clickEffect">
+                                  <p:stCondLst>
+                                    <p:cond delay="0"/>
+                                  </p:stCondLst>
+                                  <p:childTnLst>
+                                    <p:set>
+                                      <p:cBhvr>
+                                        <p:cTn id="22" dur="1" fill="hold">
+                                          <p:stCondLst>
+                                            <p:cond delay="0"/>
+                                          </p:stCondLst>
+                                        </p:cTn>
+                                        <p:tgtEl>
+                                          <p:spTgt spid="64"/>
+                                        </p:tgtEl>
+                                        <p:attrNameLst>
+                                          <p:attrName>style.visibility</p:attrName>
+                                        </p:attrNameLst>
+                                      </p:cBhvr>
+                                      <p:to>
+                                        <p:strVal val="visible"/>
+                                      </p:to>
+                                    </p:set>
+                                  </p:childTnLst>
+                                </p:cTn>
+                              </p:par>
+                            </p:childTnLst>
+                          </p:cTn>
+                        </p:par>
+                      </p:childTnLst>
+                    </p:cTn>
+                  </p:par>
+                  <p:par>
+                    <p:cTn id="23" fill="hold">
+                      <p:stCondLst>
+                        <p:cond delay="indefinite"/>
+                      </p:stCondLst>
+                      <p:childTnLst>
+                        <p:par>
+                          <p:cTn id="24" fill="hold">
+                            <p:stCondLst>
+                              <p:cond delay="0"/>
+                            </p:stCondLst>
+                            <p:childTnLst>
+                              <p:par>
+                                <p:cTn id="25" presetID="1" presetClass="entr" presetSubtype="0" fill="hold" nodeType="clickEffect">
+                                  <p:stCondLst>
+                                    <p:cond delay="0"/>
+                                  </p:stCondLst>
+                                  <p:childTnLst>
+                                    <p:set>
+                                      <p:cBhvr>
+                                        <p:cTn id="26" dur="1" fill="hold">
+                                          <p:stCondLst>
+                                            <p:cond delay="0"/>
+                                          </p:stCondLst>
+                                        </p:cTn>
+                                        <p:tgtEl>
+                                          <p:spTgt spid="60"/>
+                                        </p:tgtEl>
+                                        <p:attrNameLst>
+                                          <p:attrName>style.visibility</p:attrName>
+                                        </p:attrNameLst>
+                                      </p:cBhvr>
+                                      <p:to>
+                                        <p:strVal val="visible"/>
+                                      </p:to>
+                                    </p:set>
+                                  </p:childTnLst>
+                                </p:cTn>
+                              </p:par>
+                            </p:childTnLst>
+                          </p:cTn>
+                        </p:par>
+                      </p:childTnLst>
+                    </p:cTn>
+                  </p:par>
+                  <p:par>
+                    <p:cTn id="27" fill="hold">
+                      <p:stCondLst>
+                        <p:cond delay="indefinite"/>
+                      </p:stCondLst>
+                      <p:childTnLst>
+                        <p:par>
+                          <p:cTn id="28" fill="hold">
+                            <p:stCondLst>
+                              <p:cond delay="0"/>
+                            </p:stCondLst>
+                            <p:childTnLst>
+                              <p:par>
+                                <p:cTn id="29" presetID="1" presetClass="entr" presetSubtype="0" fill="hold" grpId="0" nodeType="clickEffect">
+                                  <p:stCondLst>
+                                    <p:cond delay="0"/>
+                                  </p:stCondLst>
+                                  <p:childTnLst>
+                                    <p:set>
+                                      <p:cBhvr>
+                                        <p:cTn id="30" dur="1" fill="hold">
+                                          <p:stCondLst>
+                                            <p:cond delay="0"/>
+                                          </p:stCondLst>
+                                        </p:cTn>
+                                        <p:tgtEl>
+                                          <p:spTgt spid="84"/>
+                                        </p:tgtEl>
+                                        <p:attrNameLst>
+                                          <p:attrName>style.visibility</p:attrName>
+                                        </p:attrNameLst>
+                                      </p:cBhvr>
+                                      <p:to>
+                                        <p:strVal val="visible"/>
+                                      </p:to>
+                                    </p:set>
+                                  </p:childTnLst>
+                                </p:cTn>
+                              </p:par>
+                              <p:par>
+                                <p:cTn id="31" presetID="1" presetClass="entr" presetSubtype="0" fill="hold" nodeType="withEffect">
+                                  <p:stCondLst>
+                                    <p:cond delay="0"/>
+                                  </p:stCondLst>
+                                  <p:childTnLst>
+                                    <p:set>
+                                      <p:cBhvr>
+                                        <p:cTn id="32" dur="1" fill="hold">
+                                          <p:stCondLst>
+                                            <p:cond delay="0"/>
+                                          </p:stCondLst>
+                                        </p:cTn>
+                                        <p:tgtEl>
+                                          <p:spTgt spid="81"/>
+                                        </p:tgtEl>
+                                        <p:attrNameLst>
+                                          <p:attrName>style.visibility</p:attrName>
+                                        </p:attrNameLst>
+                                      </p:cBhvr>
+                                      <p:to>
+                                        <p:strVal val="visible"/>
+                                      </p:to>
+                                    </p:set>
+                                  </p:childTnLst>
+                                </p:cTn>
+                              </p:par>
+                            </p:childTnLst>
+                          </p:cTn>
+                        </p:par>
+                      </p:childTnLst>
+                    </p:cTn>
+                  </p:par>
+                  <p:par>
+                    <p:cTn id="33" fill="hold">
+                      <p:stCondLst>
+                        <p:cond delay="indefinite"/>
+                      </p:stCondLst>
+                      <p:childTnLst>
+                        <p:par>
+                          <p:cTn id="34" fill="hold">
+                            <p:stCondLst>
+                              <p:cond delay="0"/>
+                            </p:stCondLst>
+                            <p:childTnLst>
+                              <p:par>
+                                <p:cTn id="35" presetID="1" presetClass="entr" presetSubtype="0" fill="hold" nodeType="clickEffect">
+                                  <p:stCondLst>
+                                    <p:cond delay="0"/>
+                                  </p:stCondLst>
+                                  <p:childTnLst>
+                                    <p:set>
+                                      <p:cBhvr>
+                                        <p:cTn id="36" dur="1" fill="hold">
+                                          <p:stCondLst>
+                                            <p:cond delay="0"/>
+                                          </p:stCondLst>
+                                        </p:cTn>
+                                        <p:tgtEl>
+                                          <p:spTgt spid="89"/>
+                                        </p:tgtEl>
+                                        <p:attrNameLst>
+                                          <p:attrName>style.visibility</p:attrName>
+                                        </p:attrNameLst>
+                                      </p:cBhvr>
+                                      <p:to>
+                                        <p:strVal val="visible"/>
+                                      </p:to>
+                                    </p:set>
+                                  </p:childTnLst>
+                                </p:cTn>
+                              </p:par>
+                            </p:childTnLst>
+                          </p:cTn>
+                        </p:par>
+                      </p:childTnLst>
+                    </p:cTn>
+                  </p:par>
+                </p:childTnLst>
+              </p:cTn>
+              <p:prevCondLst>
+                <p:cond evt="onPrev" delay="0">
+                  <p:tgtEl>
+                    <p:sldTgt/>
+                  </p:tgtEl>
+                </p:cond>
+              </p:prevCondLst>
+              <p:nextCondLst>
+                <p:cond evt="onNext" delay="0">
+                  <p:tgtEl>
+                    <p:sldTgt/>
+                  </p:tgtEl>
+                </p:cond>
+              </p:nextCondLst>
+            </p:seq>
+          </p:childTnLst>
+        </p:cTn>
+      </p:par>
+    </p:tnLst>
+    <p:bldLst>
+      <p:bldP spid="84" grpId="0"/>
+    </p:bldLst>
+  </p:timing>
 </p:sld>
 </file>
 
